--- a/other/oopii_21950_219113.pptx
+++ b/other/oopii_21950_219113.pptx
@@ -4,31 +4,30 @@
   <p:sldMasterIdLst>
     <p:sldMasterId id="2147483648" r:id="rId2"/>
     <p:sldMasterId id="2147483661" r:id="rId3"/>
-    <p:sldMasterId id="2147483674" r:id="rId4"/>
   </p:sldMasterIdLst>
   <p:sldIdLst>
-    <p:sldId id="256" r:id="rId5"/>
-    <p:sldId id="257" r:id="rId6"/>
-    <p:sldId id="258" r:id="rId7"/>
-    <p:sldId id="259" r:id="rId8"/>
-    <p:sldId id="260" r:id="rId9"/>
-    <p:sldId id="261" r:id="rId10"/>
-    <p:sldId id="262" r:id="rId11"/>
-    <p:sldId id="263" r:id="rId12"/>
-    <p:sldId id="264" r:id="rId13"/>
-    <p:sldId id="265" r:id="rId14"/>
-    <p:sldId id="266" r:id="rId15"/>
-    <p:sldId id="267" r:id="rId16"/>
-    <p:sldId id="268" r:id="rId17"/>
-    <p:sldId id="269" r:id="rId18"/>
-    <p:sldId id="270" r:id="rId19"/>
-    <p:sldId id="271" r:id="rId20"/>
-    <p:sldId id="272" r:id="rId21"/>
-    <p:sldId id="273" r:id="rId22"/>
-    <p:sldId id="274" r:id="rId23"/>
+    <p:sldId id="256" r:id="rId4"/>
+    <p:sldId id="257" r:id="rId5"/>
+    <p:sldId id="258" r:id="rId6"/>
+    <p:sldId id="259" r:id="rId7"/>
+    <p:sldId id="260" r:id="rId8"/>
+    <p:sldId id="261" r:id="rId9"/>
+    <p:sldId id="262" r:id="rId10"/>
+    <p:sldId id="263" r:id="rId11"/>
+    <p:sldId id="264" r:id="rId12"/>
+    <p:sldId id="265" r:id="rId13"/>
+    <p:sldId id="266" r:id="rId14"/>
+    <p:sldId id="267" r:id="rId15"/>
+    <p:sldId id="268" r:id="rId16"/>
+    <p:sldId id="269" r:id="rId17"/>
+    <p:sldId id="270" r:id="rId18"/>
+    <p:sldId id="271" r:id="rId19"/>
+    <p:sldId id="272" r:id="rId20"/>
+    <p:sldId id="273" r:id="rId21"/>
+    <p:sldId id="274" r:id="rId22"/>
   </p:sldIdLst>
   <p:sldSz cx="10080625" cy="5670550"/>
-  <p:notesSz cx="7559675" cy="10691812"/>
+  <p:notesSz cx="7772400" cy="10058400"/>
 </p:presentation>
 </file>
 
@@ -73,7 +72,7 @@
       </p:grpSpPr>
       <p:sp>
         <p:nvSpPr>
-          <p:cNvPr id="29" name="PlaceHolder 1"/>
+          <p:cNvPr id="25" name="PlaceHolder 1"/>
           <p:cNvSpPr>
             <a:spLocks noGrp="1"/>
           </p:cNvSpPr>
@@ -83,8 +82,8 @@
         </p:nvSpPr>
         <p:spPr>
           <a:xfrm>
-            <a:off x="360000" y="225720"/>
-            <a:ext cx="9360000" cy="718920"/>
+            <a:off x="504000" y="226080"/>
+            <a:ext cx="9072000" cy="946440"/>
           </a:xfrm>
           <a:prstGeom prst="rect">
             <a:avLst/>
@@ -95,18 +94,16 @@
             <a:noAutofit/>
           </a:bodyPr>
           <a:p>
-            <a:endParaRPr b="1" lang="en-US" sz="2700" spc="-1" strike="noStrike">
-              <a:solidFill>
-                <a:srgbClr val="ffffff"/>
-              </a:solidFill>
-              <a:latin typeface="Source Sans Pro Black"/>
-            </a:endParaRPr>
-          </a:p>
-        </p:txBody>
-      </p:sp>
-      <p:sp>
-        <p:nvSpPr>
-          <p:cNvPr id="30" name="PlaceHolder 2"/>
+            <a:pPr algn="ctr"/>
+            <a:endParaRPr b="0" lang="en-US" sz="4400" spc="-1" strike="noStrike">
+              <a:latin typeface="Arial"/>
+            </a:endParaRPr>
+          </a:p>
+        </p:txBody>
+      </p:sp>
+      <p:sp>
+        <p:nvSpPr>
+          <p:cNvPr id="26" name="PlaceHolder 2"/>
           <p:cNvSpPr>
             <a:spLocks noGrp="1"/>
           </p:cNvSpPr>
@@ -116,8 +113,8 @@
         </p:nvSpPr>
         <p:spPr>
           <a:xfrm>
-            <a:off x="360000" y="1485000"/>
-            <a:ext cx="9360000" cy="1802880"/>
+            <a:off x="504000" y="1326600"/>
+            <a:ext cx="9072000" cy="1568520"/>
           </a:xfrm>
           <a:prstGeom prst="rect">
             <a:avLst/>
@@ -128,18 +125,15 @@
             <a:normAutofit/>
           </a:bodyPr>
           <a:p>
-            <a:endParaRPr b="1" lang="en-US" sz="2400" spc="-1" strike="noStrike">
-              <a:solidFill>
-                <a:srgbClr val="2c3e50"/>
-              </a:solidFill>
-              <a:latin typeface="Source Sans Pro Semibold"/>
-            </a:endParaRPr>
-          </a:p>
-        </p:txBody>
-      </p:sp>
-      <p:sp>
-        <p:nvSpPr>
-          <p:cNvPr id="31" name="PlaceHolder 3"/>
+            <a:endParaRPr b="0" lang="en-US" sz="3200" spc="-1" strike="noStrike">
+              <a:latin typeface="Arial"/>
+            </a:endParaRPr>
+          </a:p>
+        </p:txBody>
+      </p:sp>
+      <p:sp>
+        <p:nvSpPr>
+          <p:cNvPr id="27" name="PlaceHolder 3"/>
           <p:cNvSpPr>
             <a:spLocks noGrp="1"/>
           </p:cNvSpPr>
@@ -149,8 +143,8 @@
         </p:nvSpPr>
         <p:spPr>
           <a:xfrm>
-            <a:off x="360000" y="3459600"/>
-            <a:ext cx="9360000" cy="1802880"/>
+            <a:off x="504000" y="3044520"/>
+            <a:ext cx="9072000" cy="1568520"/>
           </a:xfrm>
           <a:prstGeom prst="rect">
             <a:avLst/>
@@ -161,11 +155,8 @@
             <a:normAutofit/>
           </a:bodyPr>
           <a:p>
-            <a:endParaRPr b="1" lang="en-US" sz="2400" spc="-1" strike="noStrike">
-              <a:solidFill>
-                <a:srgbClr val="2c3e50"/>
-              </a:solidFill>
-              <a:latin typeface="Source Sans Pro Semibold"/>
+            <a:endParaRPr b="0" lang="en-US" sz="3200" spc="-1" strike="noStrike">
+              <a:latin typeface="Arial"/>
             </a:endParaRPr>
           </a:p>
         </p:txBody>
@@ -194,7 +185,7 @@
       </p:grpSpPr>
       <p:sp>
         <p:nvSpPr>
-          <p:cNvPr id="32" name="PlaceHolder 1"/>
+          <p:cNvPr id="28" name="PlaceHolder 1"/>
           <p:cNvSpPr>
             <a:spLocks noGrp="1"/>
           </p:cNvSpPr>
@@ -204,8 +195,8 @@
         </p:nvSpPr>
         <p:spPr>
           <a:xfrm>
-            <a:off x="360000" y="225720"/>
-            <a:ext cx="9360000" cy="718920"/>
+            <a:off x="504000" y="226080"/>
+            <a:ext cx="9072000" cy="946440"/>
           </a:xfrm>
           <a:prstGeom prst="rect">
             <a:avLst/>
@@ -216,18 +207,16 @@
             <a:noAutofit/>
           </a:bodyPr>
           <a:p>
-            <a:endParaRPr b="1" lang="en-US" sz="2700" spc="-1" strike="noStrike">
-              <a:solidFill>
-                <a:srgbClr val="ffffff"/>
-              </a:solidFill>
-              <a:latin typeface="Source Sans Pro Black"/>
-            </a:endParaRPr>
-          </a:p>
-        </p:txBody>
-      </p:sp>
-      <p:sp>
-        <p:nvSpPr>
-          <p:cNvPr id="33" name="PlaceHolder 2"/>
+            <a:pPr algn="ctr"/>
+            <a:endParaRPr b="0" lang="en-US" sz="4400" spc="-1" strike="noStrike">
+              <a:latin typeface="Arial"/>
+            </a:endParaRPr>
+          </a:p>
+        </p:txBody>
+      </p:sp>
+      <p:sp>
+        <p:nvSpPr>
+          <p:cNvPr id="29" name="PlaceHolder 2"/>
           <p:cNvSpPr>
             <a:spLocks noGrp="1"/>
           </p:cNvSpPr>
@@ -237,8 +226,8 @@
         </p:nvSpPr>
         <p:spPr>
           <a:xfrm>
-            <a:off x="360000" y="1485000"/>
-            <a:ext cx="4567320" cy="1802880"/>
+            <a:off x="504000" y="1326600"/>
+            <a:ext cx="4426920" cy="1568520"/>
           </a:xfrm>
           <a:prstGeom prst="rect">
             <a:avLst/>
@@ -249,18 +238,15 @@
             <a:normAutofit/>
           </a:bodyPr>
           <a:p>
-            <a:endParaRPr b="1" lang="en-US" sz="2400" spc="-1" strike="noStrike">
-              <a:solidFill>
-                <a:srgbClr val="2c3e50"/>
-              </a:solidFill>
-              <a:latin typeface="Source Sans Pro Semibold"/>
-            </a:endParaRPr>
-          </a:p>
-        </p:txBody>
-      </p:sp>
-      <p:sp>
-        <p:nvSpPr>
-          <p:cNvPr id="34" name="PlaceHolder 3"/>
+            <a:endParaRPr b="0" lang="en-US" sz="3200" spc="-1" strike="noStrike">
+              <a:latin typeface="Arial"/>
+            </a:endParaRPr>
+          </a:p>
+        </p:txBody>
+      </p:sp>
+      <p:sp>
+        <p:nvSpPr>
+          <p:cNvPr id="30" name="PlaceHolder 3"/>
           <p:cNvSpPr>
             <a:spLocks noGrp="1"/>
           </p:cNvSpPr>
@@ -270,8 +256,8 @@
         </p:nvSpPr>
         <p:spPr>
           <a:xfrm>
-            <a:off x="5155920" y="1485000"/>
-            <a:ext cx="4567320" cy="1802880"/>
+            <a:off x="5152680" y="1326600"/>
+            <a:ext cx="4426920" cy="1568520"/>
           </a:xfrm>
           <a:prstGeom prst="rect">
             <a:avLst/>
@@ -282,18 +268,15 @@
             <a:normAutofit/>
           </a:bodyPr>
           <a:p>
-            <a:endParaRPr b="1" lang="en-US" sz="2400" spc="-1" strike="noStrike">
-              <a:solidFill>
-                <a:srgbClr val="2c3e50"/>
-              </a:solidFill>
-              <a:latin typeface="Source Sans Pro Semibold"/>
-            </a:endParaRPr>
-          </a:p>
-        </p:txBody>
-      </p:sp>
-      <p:sp>
-        <p:nvSpPr>
-          <p:cNvPr id="35" name="PlaceHolder 4"/>
+            <a:endParaRPr b="0" lang="en-US" sz="3200" spc="-1" strike="noStrike">
+              <a:latin typeface="Arial"/>
+            </a:endParaRPr>
+          </a:p>
+        </p:txBody>
+      </p:sp>
+      <p:sp>
+        <p:nvSpPr>
+          <p:cNvPr id="31" name="PlaceHolder 4"/>
           <p:cNvSpPr>
             <a:spLocks noGrp="1"/>
           </p:cNvSpPr>
@@ -303,8 +286,8 @@
         </p:nvSpPr>
         <p:spPr>
           <a:xfrm>
-            <a:off x="360000" y="3459600"/>
-            <a:ext cx="4567320" cy="1802880"/>
+            <a:off x="504000" y="3044520"/>
+            <a:ext cx="4426920" cy="1568520"/>
           </a:xfrm>
           <a:prstGeom prst="rect">
             <a:avLst/>
@@ -315,18 +298,15 @@
             <a:normAutofit/>
           </a:bodyPr>
           <a:p>
-            <a:endParaRPr b="1" lang="en-US" sz="2400" spc="-1" strike="noStrike">
-              <a:solidFill>
-                <a:srgbClr val="2c3e50"/>
-              </a:solidFill>
-              <a:latin typeface="Source Sans Pro Semibold"/>
-            </a:endParaRPr>
-          </a:p>
-        </p:txBody>
-      </p:sp>
-      <p:sp>
-        <p:nvSpPr>
-          <p:cNvPr id="36" name="PlaceHolder 5"/>
+            <a:endParaRPr b="0" lang="en-US" sz="3200" spc="-1" strike="noStrike">
+              <a:latin typeface="Arial"/>
+            </a:endParaRPr>
+          </a:p>
+        </p:txBody>
+      </p:sp>
+      <p:sp>
+        <p:nvSpPr>
+          <p:cNvPr id="32" name="PlaceHolder 5"/>
           <p:cNvSpPr>
             <a:spLocks noGrp="1"/>
           </p:cNvSpPr>
@@ -336,8 +316,8 @@
         </p:nvSpPr>
         <p:spPr>
           <a:xfrm>
-            <a:off x="5155920" y="3459600"/>
-            <a:ext cx="4567320" cy="1802880"/>
+            <a:off x="5152680" y="3044520"/>
+            <a:ext cx="4426920" cy="1568520"/>
           </a:xfrm>
           <a:prstGeom prst="rect">
             <a:avLst/>
@@ -348,11 +328,8 @@
             <a:normAutofit/>
           </a:bodyPr>
           <a:p>
-            <a:endParaRPr b="1" lang="en-US" sz="2400" spc="-1" strike="noStrike">
-              <a:solidFill>
-                <a:srgbClr val="2c3e50"/>
-              </a:solidFill>
-              <a:latin typeface="Source Sans Pro Semibold"/>
+            <a:endParaRPr b="0" lang="en-US" sz="3200" spc="-1" strike="noStrike">
+              <a:latin typeface="Arial"/>
             </a:endParaRPr>
           </a:p>
         </p:txBody>
@@ -381,7 +358,7 @@
       </p:grpSpPr>
       <p:sp>
         <p:nvSpPr>
-          <p:cNvPr id="37" name="PlaceHolder 1"/>
+          <p:cNvPr id="33" name="PlaceHolder 1"/>
           <p:cNvSpPr>
             <a:spLocks noGrp="1"/>
           </p:cNvSpPr>
@@ -391,8 +368,8 @@
         </p:nvSpPr>
         <p:spPr>
           <a:xfrm>
-            <a:off x="360000" y="225720"/>
-            <a:ext cx="9360000" cy="718920"/>
+            <a:off x="504000" y="226080"/>
+            <a:ext cx="9072000" cy="946440"/>
           </a:xfrm>
           <a:prstGeom prst="rect">
             <a:avLst/>
@@ -403,18 +380,16 @@
             <a:noAutofit/>
           </a:bodyPr>
           <a:p>
-            <a:endParaRPr b="1" lang="en-US" sz="2700" spc="-1" strike="noStrike">
-              <a:solidFill>
-                <a:srgbClr val="ffffff"/>
-              </a:solidFill>
-              <a:latin typeface="Source Sans Pro Black"/>
-            </a:endParaRPr>
-          </a:p>
-        </p:txBody>
-      </p:sp>
-      <p:sp>
-        <p:nvSpPr>
-          <p:cNvPr id="38" name="PlaceHolder 2"/>
+            <a:pPr algn="ctr"/>
+            <a:endParaRPr b="0" lang="en-US" sz="4400" spc="-1" strike="noStrike">
+              <a:latin typeface="Arial"/>
+            </a:endParaRPr>
+          </a:p>
+        </p:txBody>
+      </p:sp>
+      <p:sp>
+        <p:nvSpPr>
+          <p:cNvPr id="34" name="PlaceHolder 2"/>
           <p:cNvSpPr>
             <a:spLocks noGrp="1"/>
           </p:cNvSpPr>
@@ -424,8 +399,8 @@
         </p:nvSpPr>
         <p:spPr>
           <a:xfrm>
-            <a:off x="360000" y="1485000"/>
-            <a:ext cx="3013560" cy="1802880"/>
+            <a:off x="504000" y="1326600"/>
+            <a:ext cx="2921040" cy="1568520"/>
           </a:xfrm>
           <a:prstGeom prst="rect">
             <a:avLst/>
@@ -436,18 +411,15 @@
             <a:normAutofit/>
           </a:bodyPr>
           <a:p>
-            <a:endParaRPr b="1" lang="en-US" sz="2400" spc="-1" strike="noStrike">
-              <a:solidFill>
-                <a:srgbClr val="2c3e50"/>
-              </a:solidFill>
-              <a:latin typeface="Source Sans Pro Semibold"/>
-            </a:endParaRPr>
-          </a:p>
-        </p:txBody>
-      </p:sp>
-      <p:sp>
-        <p:nvSpPr>
-          <p:cNvPr id="39" name="PlaceHolder 3"/>
+            <a:endParaRPr b="0" lang="en-US" sz="3200" spc="-1" strike="noStrike">
+              <a:latin typeface="Arial"/>
+            </a:endParaRPr>
+          </a:p>
+        </p:txBody>
+      </p:sp>
+      <p:sp>
+        <p:nvSpPr>
+          <p:cNvPr id="35" name="PlaceHolder 3"/>
           <p:cNvSpPr>
             <a:spLocks noGrp="1"/>
           </p:cNvSpPr>
@@ -457,8 +429,8 @@
         </p:nvSpPr>
         <p:spPr>
           <a:xfrm>
-            <a:off x="3524760" y="1485000"/>
-            <a:ext cx="3013560" cy="1802880"/>
+            <a:off x="3571560" y="1326600"/>
+            <a:ext cx="2921040" cy="1568520"/>
           </a:xfrm>
           <a:prstGeom prst="rect">
             <a:avLst/>
@@ -469,18 +441,15 @@
             <a:normAutofit/>
           </a:bodyPr>
           <a:p>
-            <a:endParaRPr b="1" lang="en-US" sz="2400" spc="-1" strike="noStrike">
-              <a:solidFill>
-                <a:srgbClr val="2c3e50"/>
-              </a:solidFill>
-              <a:latin typeface="Source Sans Pro Semibold"/>
-            </a:endParaRPr>
-          </a:p>
-        </p:txBody>
-      </p:sp>
-      <p:sp>
-        <p:nvSpPr>
-          <p:cNvPr id="40" name="PlaceHolder 4"/>
+            <a:endParaRPr b="0" lang="en-US" sz="3200" spc="-1" strike="noStrike">
+              <a:latin typeface="Arial"/>
+            </a:endParaRPr>
+          </a:p>
+        </p:txBody>
+      </p:sp>
+      <p:sp>
+        <p:nvSpPr>
+          <p:cNvPr id="36" name="PlaceHolder 4"/>
           <p:cNvSpPr>
             <a:spLocks noGrp="1"/>
           </p:cNvSpPr>
@@ -490,8 +459,8 @@
         </p:nvSpPr>
         <p:spPr>
           <a:xfrm>
-            <a:off x="6689160" y="1485000"/>
-            <a:ext cx="3013560" cy="1802880"/>
+            <a:off x="6639120" y="1326600"/>
+            <a:ext cx="2921040" cy="1568520"/>
           </a:xfrm>
           <a:prstGeom prst="rect">
             <a:avLst/>
@@ -502,18 +471,15 @@
             <a:normAutofit/>
           </a:bodyPr>
           <a:p>
-            <a:endParaRPr b="1" lang="en-US" sz="2400" spc="-1" strike="noStrike">
-              <a:solidFill>
-                <a:srgbClr val="2c3e50"/>
-              </a:solidFill>
-              <a:latin typeface="Source Sans Pro Semibold"/>
-            </a:endParaRPr>
-          </a:p>
-        </p:txBody>
-      </p:sp>
-      <p:sp>
-        <p:nvSpPr>
-          <p:cNvPr id="41" name="PlaceHolder 5"/>
+            <a:endParaRPr b="0" lang="en-US" sz="3200" spc="-1" strike="noStrike">
+              <a:latin typeface="Arial"/>
+            </a:endParaRPr>
+          </a:p>
+        </p:txBody>
+      </p:sp>
+      <p:sp>
+        <p:nvSpPr>
+          <p:cNvPr id="37" name="PlaceHolder 5"/>
           <p:cNvSpPr>
             <a:spLocks noGrp="1"/>
           </p:cNvSpPr>
@@ -523,8 +489,8 @@
         </p:nvSpPr>
         <p:spPr>
           <a:xfrm>
-            <a:off x="360000" y="3459600"/>
-            <a:ext cx="3013560" cy="1802880"/>
+            <a:off x="504000" y="3044520"/>
+            <a:ext cx="2921040" cy="1568520"/>
           </a:xfrm>
           <a:prstGeom prst="rect">
             <a:avLst/>
@@ -535,18 +501,15 @@
             <a:normAutofit/>
           </a:bodyPr>
           <a:p>
-            <a:endParaRPr b="1" lang="en-US" sz="2400" spc="-1" strike="noStrike">
-              <a:solidFill>
-                <a:srgbClr val="2c3e50"/>
-              </a:solidFill>
-              <a:latin typeface="Source Sans Pro Semibold"/>
-            </a:endParaRPr>
-          </a:p>
-        </p:txBody>
-      </p:sp>
-      <p:sp>
-        <p:nvSpPr>
-          <p:cNvPr id="42" name="PlaceHolder 6"/>
+            <a:endParaRPr b="0" lang="en-US" sz="3200" spc="-1" strike="noStrike">
+              <a:latin typeface="Arial"/>
+            </a:endParaRPr>
+          </a:p>
+        </p:txBody>
+      </p:sp>
+      <p:sp>
+        <p:nvSpPr>
+          <p:cNvPr id="38" name="PlaceHolder 6"/>
           <p:cNvSpPr>
             <a:spLocks noGrp="1"/>
           </p:cNvSpPr>
@@ -556,8 +519,8 @@
         </p:nvSpPr>
         <p:spPr>
           <a:xfrm>
-            <a:off x="3524760" y="3459600"/>
-            <a:ext cx="3013560" cy="1802880"/>
+            <a:off x="3571560" y="3044520"/>
+            <a:ext cx="2921040" cy="1568520"/>
           </a:xfrm>
           <a:prstGeom prst="rect">
             <a:avLst/>
@@ -568,18 +531,15 @@
             <a:normAutofit/>
           </a:bodyPr>
           <a:p>
-            <a:endParaRPr b="1" lang="en-US" sz="2400" spc="-1" strike="noStrike">
-              <a:solidFill>
-                <a:srgbClr val="2c3e50"/>
-              </a:solidFill>
-              <a:latin typeface="Source Sans Pro Semibold"/>
-            </a:endParaRPr>
-          </a:p>
-        </p:txBody>
-      </p:sp>
-      <p:sp>
-        <p:nvSpPr>
-          <p:cNvPr id="43" name="PlaceHolder 7"/>
+            <a:endParaRPr b="0" lang="en-US" sz="3200" spc="-1" strike="noStrike">
+              <a:latin typeface="Arial"/>
+            </a:endParaRPr>
+          </a:p>
+        </p:txBody>
+      </p:sp>
+      <p:sp>
+        <p:nvSpPr>
+          <p:cNvPr id="39" name="PlaceHolder 7"/>
           <p:cNvSpPr>
             <a:spLocks noGrp="1"/>
           </p:cNvSpPr>
@@ -589,8 +549,8 @@
         </p:nvSpPr>
         <p:spPr>
           <a:xfrm>
-            <a:off x="6689160" y="3459600"/>
-            <a:ext cx="3013560" cy="1802880"/>
+            <a:off x="6639120" y="3044520"/>
+            <a:ext cx="2921040" cy="1568520"/>
           </a:xfrm>
           <a:prstGeom prst="rect">
             <a:avLst/>
@@ -601,11 +561,8 @@
             <a:normAutofit/>
           </a:bodyPr>
           <a:p>
-            <a:endParaRPr b="1" lang="en-US" sz="2400" spc="-1" strike="noStrike">
-              <a:solidFill>
-                <a:srgbClr val="2c3e50"/>
-              </a:solidFill>
-              <a:latin typeface="Source Sans Pro Semibold"/>
+            <a:endParaRPr b="0" lang="en-US" sz="3200" spc="-1" strike="noStrike">
+              <a:latin typeface="Arial"/>
             </a:endParaRPr>
           </a:p>
         </p:txBody>
@@ -656,7 +613,7 @@
       </p:grpSpPr>
       <p:sp>
         <p:nvSpPr>
-          <p:cNvPr id="51" name="PlaceHolder 1"/>
+          <p:cNvPr id="46" name="PlaceHolder 1"/>
           <p:cNvSpPr>
             <a:spLocks noGrp="1"/>
           </p:cNvSpPr>
@@ -666,8 +623,8 @@
         </p:nvSpPr>
         <p:spPr>
           <a:xfrm>
-            <a:off x="360000" y="225720"/>
-            <a:ext cx="9360000" cy="718920"/>
+            <a:off x="504000" y="226080"/>
+            <a:ext cx="9072000" cy="946440"/>
           </a:xfrm>
           <a:prstGeom prst="rect">
             <a:avLst/>
@@ -678,18 +635,16 @@
             <a:noAutofit/>
           </a:bodyPr>
           <a:p>
-            <a:endParaRPr b="1" lang="en-US" sz="2700" spc="-1" strike="noStrike">
-              <a:solidFill>
-                <a:srgbClr val="ffffff"/>
-              </a:solidFill>
-              <a:latin typeface="Source Sans Pro Black"/>
-            </a:endParaRPr>
-          </a:p>
-        </p:txBody>
-      </p:sp>
-      <p:sp>
-        <p:nvSpPr>
-          <p:cNvPr id="52" name="PlaceHolder 2"/>
+            <a:pPr algn="ctr"/>
+            <a:endParaRPr b="0" lang="en-US" sz="4400" spc="-1" strike="noStrike">
+              <a:latin typeface="Arial"/>
+            </a:endParaRPr>
+          </a:p>
+        </p:txBody>
+      </p:sp>
+      <p:sp>
+        <p:nvSpPr>
+          <p:cNvPr id="47" name="PlaceHolder 2"/>
           <p:cNvSpPr>
             <a:spLocks noGrp="1"/>
           </p:cNvSpPr>
@@ -699,8 +654,8 @@
         </p:nvSpPr>
         <p:spPr>
           <a:xfrm>
-            <a:off x="360000" y="1485000"/>
-            <a:ext cx="9360000" cy="3780000"/>
+            <a:off x="504000" y="1326600"/>
+            <a:ext cx="9072000" cy="3288600"/>
           </a:xfrm>
           <a:prstGeom prst="rect">
             <a:avLst/>
@@ -713,10 +668,7 @@
           <a:p>
             <a:pPr algn="ctr"/>
             <a:endParaRPr b="0" lang="en-US" sz="3200" spc="-1" strike="noStrike">
-              <a:solidFill>
-                <a:srgbClr val="2c3e50"/>
-              </a:solidFill>
-              <a:latin typeface="Source Sans Pro"/>
+              <a:latin typeface="Arial"/>
             </a:endParaRPr>
           </a:p>
         </p:txBody>
@@ -745,7 +697,7 @@
       </p:grpSpPr>
       <p:sp>
         <p:nvSpPr>
-          <p:cNvPr id="53" name="PlaceHolder 1"/>
+          <p:cNvPr id="48" name="PlaceHolder 1"/>
           <p:cNvSpPr>
             <a:spLocks noGrp="1"/>
           </p:cNvSpPr>
@@ -755,8 +707,8 @@
         </p:nvSpPr>
         <p:spPr>
           <a:xfrm>
-            <a:off x="360000" y="225720"/>
-            <a:ext cx="9360000" cy="718920"/>
+            <a:off x="504000" y="226080"/>
+            <a:ext cx="9072000" cy="946440"/>
           </a:xfrm>
           <a:prstGeom prst="rect">
             <a:avLst/>
@@ -767,18 +719,16 @@
             <a:noAutofit/>
           </a:bodyPr>
           <a:p>
-            <a:endParaRPr b="1" lang="en-US" sz="2700" spc="-1" strike="noStrike">
-              <a:solidFill>
-                <a:srgbClr val="ffffff"/>
-              </a:solidFill>
-              <a:latin typeface="Source Sans Pro Black"/>
-            </a:endParaRPr>
-          </a:p>
-        </p:txBody>
-      </p:sp>
-      <p:sp>
-        <p:nvSpPr>
-          <p:cNvPr id="54" name="PlaceHolder 2"/>
+            <a:pPr algn="ctr"/>
+            <a:endParaRPr b="0" lang="en-US" sz="4400" spc="-1" strike="noStrike">
+              <a:latin typeface="Arial"/>
+            </a:endParaRPr>
+          </a:p>
+        </p:txBody>
+      </p:sp>
+      <p:sp>
+        <p:nvSpPr>
+          <p:cNvPr id="49" name="PlaceHolder 2"/>
           <p:cNvSpPr>
             <a:spLocks noGrp="1"/>
           </p:cNvSpPr>
@@ -788,8 +738,8 @@
         </p:nvSpPr>
         <p:spPr>
           <a:xfrm>
-            <a:off x="360000" y="1485000"/>
-            <a:ext cx="9360000" cy="3780000"/>
+            <a:off x="504000" y="1326600"/>
+            <a:ext cx="9072000" cy="3288600"/>
           </a:xfrm>
           <a:prstGeom prst="rect">
             <a:avLst/>
@@ -800,11 +750,8 @@
             <a:normAutofit/>
           </a:bodyPr>
           <a:p>
-            <a:endParaRPr b="1" lang="en-US" sz="2400" spc="-1" strike="noStrike">
-              <a:solidFill>
-                <a:srgbClr val="2c3e50"/>
-              </a:solidFill>
-              <a:latin typeface="Source Sans Pro Semibold"/>
+            <a:endParaRPr b="0" lang="en-US" sz="3200" spc="-1" strike="noStrike">
+              <a:latin typeface="Arial"/>
             </a:endParaRPr>
           </a:p>
         </p:txBody>
@@ -833,7 +780,7 @@
       </p:grpSpPr>
       <p:sp>
         <p:nvSpPr>
-          <p:cNvPr id="55" name="PlaceHolder 1"/>
+          <p:cNvPr id="50" name="PlaceHolder 1"/>
           <p:cNvSpPr>
             <a:spLocks noGrp="1"/>
           </p:cNvSpPr>
@@ -843,8 +790,8 @@
         </p:nvSpPr>
         <p:spPr>
           <a:xfrm>
-            <a:off x="360000" y="225720"/>
-            <a:ext cx="9360000" cy="718920"/>
+            <a:off x="504000" y="226080"/>
+            <a:ext cx="9072000" cy="946440"/>
           </a:xfrm>
           <a:prstGeom prst="rect">
             <a:avLst/>
@@ -855,18 +802,16 @@
             <a:noAutofit/>
           </a:bodyPr>
           <a:p>
-            <a:endParaRPr b="1" lang="en-US" sz="2700" spc="-1" strike="noStrike">
-              <a:solidFill>
-                <a:srgbClr val="ffffff"/>
-              </a:solidFill>
-              <a:latin typeface="Source Sans Pro Black"/>
-            </a:endParaRPr>
-          </a:p>
-        </p:txBody>
-      </p:sp>
-      <p:sp>
-        <p:nvSpPr>
-          <p:cNvPr id="56" name="PlaceHolder 2"/>
+            <a:pPr algn="ctr"/>
+            <a:endParaRPr b="0" lang="en-US" sz="4400" spc="-1" strike="noStrike">
+              <a:latin typeface="Arial"/>
+            </a:endParaRPr>
+          </a:p>
+        </p:txBody>
+      </p:sp>
+      <p:sp>
+        <p:nvSpPr>
+          <p:cNvPr id="51" name="PlaceHolder 2"/>
           <p:cNvSpPr>
             <a:spLocks noGrp="1"/>
           </p:cNvSpPr>
@@ -876,8 +821,8 @@
         </p:nvSpPr>
         <p:spPr>
           <a:xfrm>
-            <a:off x="360000" y="1485000"/>
-            <a:ext cx="4567320" cy="3780000"/>
+            <a:off x="504000" y="1326600"/>
+            <a:ext cx="4426920" cy="3288600"/>
           </a:xfrm>
           <a:prstGeom prst="rect">
             <a:avLst/>
@@ -888,18 +833,15 @@
             <a:normAutofit/>
           </a:bodyPr>
           <a:p>
-            <a:endParaRPr b="1" lang="en-US" sz="2400" spc="-1" strike="noStrike">
-              <a:solidFill>
-                <a:srgbClr val="2c3e50"/>
-              </a:solidFill>
-              <a:latin typeface="Source Sans Pro Semibold"/>
-            </a:endParaRPr>
-          </a:p>
-        </p:txBody>
-      </p:sp>
-      <p:sp>
-        <p:nvSpPr>
-          <p:cNvPr id="57" name="PlaceHolder 3"/>
+            <a:endParaRPr b="0" lang="en-US" sz="3200" spc="-1" strike="noStrike">
+              <a:latin typeface="Arial"/>
+            </a:endParaRPr>
+          </a:p>
+        </p:txBody>
+      </p:sp>
+      <p:sp>
+        <p:nvSpPr>
+          <p:cNvPr id="52" name="PlaceHolder 3"/>
           <p:cNvSpPr>
             <a:spLocks noGrp="1"/>
           </p:cNvSpPr>
@@ -909,8 +851,8 @@
         </p:nvSpPr>
         <p:spPr>
           <a:xfrm>
-            <a:off x="5155920" y="1485000"/>
-            <a:ext cx="4567320" cy="3780000"/>
+            <a:off x="5152680" y="1326600"/>
+            <a:ext cx="4426920" cy="3288600"/>
           </a:xfrm>
           <a:prstGeom prst="rect">
             <a:avLst/>
@@ -921,11 +863,8 @@
             <a:normAutofit/>
           </a:bodyPr>
           <a:p>
-            <a:endParaRPr b="1" lang="en-US" sz="2400" spc="-1" strike="noStrike">
-              <a:solidFill>
-                <a:srgbClr val="2c3e50"/>
-              </a:solidFill>
-              <a:latin typeface="Source Sans Pro Semibold"/>
+            <a:endParaRPr b="0" lang="en-US" sz="3200" spc="-1" strike="noStrike">
+              <a:latin typeface="Arial"/>
             </a:endParaRPr>
           </a:p>
         </p:txBody>
@@ -954,7 +893,7 @@
       </p:grpSpPr>
       <p:sp>
         <p:nvSpPr>
-          <p:cNvPr id="58" name="PlaceHolder 1"/>
+          <p:cNvPr id="53" name="PlaceHolder 1"/>
           <p:cNvSpPr>
             <a:spLocks noGrp="1"/>
           </p:cNvSpPr>
@@ -964,8 +903,8 @@
         </p:nvSpPr>
         <p:spPr>
           <a:xfrm>
-            <a:off x="360000" y="225720"/>
-            <a:ext cx="9360000" cy="718920"/>
+            <a:off x="504000" y="226080"/>
+            <a:ext cx="9072000" cy="946440"/>
           </a:xfrm>
           <a:prstGeom prst="rect">
             <a:avLst/>
@@ -976,11 +915,9 @@
             <a:noAutofit/>
           </a:bodyPr>
           <a:p>
-            <a:endParaRPr b="1" lang="en-US" sz="2700" spc="-1" strike="noStrike">
-              <a:solidFill>
-                <a:srgbClr val="ffffff"/>
-              </a:solidFill>
-              <a:latin typeface="Source Sans Pro Black"/>
+            <a:pPr algn="ctr"/>
+            <a:endParaRPr b="0" lang="en-US" sz="4400" spc="-1" strike="noStrike">
+              <a:latin typeface="Arial"/>
             </a:endParaRPr>
           </a:p>
         </p:txBody>
@@ -1009,7 +946,7 @@
       </p:grpSpPr>
       <p:sp>
         <p:nvSpPr>
-          <p:cNvPr id="59" name="PlaceHolder 1"/>
+          <p:cNvPr id="54" name="PlaceHolder 1"/>
           <p:cNvSpPr>
             <a:spLocks noGrp="1"/>
           </p:cNvSpPr>
@@ -1019,8 +956,8 @@
         </p:nvSpPr>
         <p:spPr>
           <a:xfrm>
-            <a:off x="360000" y="225720"/>
-            <a:ext cx="9360000" cy="3333960"/>
+            <a:off x="504000" y="226080"/>
+            <a:ext cx="9072000" cy="4388400"/>
           </a:xfrm>
           <a:prstGeom prst="rect">
             <a:avLst/>
@@ -1033,10 +970,7 @@
           <a:p>
             <a:pPr algn="ctr"/>
             <a:endParaRPr b="0" lang="en-US" sz="3200" spc="-1" strike="noStrike">
-              <a:solidFill>
-                <a:srgbClr val="2c3e50"/>
-              </a:solidFill>
-              <a:latin typeface="Source Sans Pro"/>
+              <a:latin typeface="Arial"/>
             </a:endParaRPr>
           </a:p>
         </p:txBody>
@@ -1065,7 +999,7 @@
       </p:grpSpPr>
       <p:sp>
         <p:nvSpPr>
-          <p:cNvPr id="60" name="PlaceHolder 1"/>
+          <p:cNvPr id="55" name="PlaceHolder 1"/>
           <p:cNvSpPr>
             <a:spLocks noGrp="1"/>
           </p:cNvSpPr>
@@ -1075,8 +1009,8 @@
         </p:nvSpPr>
         <p:spPr>
           <a:xfrm>
-            <a:off x="360000" y="225720"/>
-            <a:ext cx="9360000" cy="718920"/>
+            <a:off x="504000" y="226080"/>
+            <a:ext cx="9072000" cy="946440"/>
           </a:xfrm>
           <a:prstGeom prst="rect">
             <a:avLst/>
@@ -1087,18 +1021,16 @@
             <a:noAutofit/>
           </a:bodyPr>
           <a:p>
-            <a:endParaRPr b="1" lang="en-US" sz="2700" spc="-1" strike="noStrike">
-              <a:solidFill>
-                <a:srgbClr val="ffffff"/>
-              </a:solidFill>
-              <a:latin typeface="Source Sans Pro Black"/>
-            </a:endParaRPr>
-          </a:p>
-        </p:txBody>
-      </p:sp>
-      <p:sp>
-        <p:nvSpPr>
-          <p:cNvPr id="61" name="PlaceHolder 2"/>
+            <a:pPr algn="ctr"/>
+            <a:endParaRPr b="0" lang="en-US" sz="4400" spc="-1" strike="noStrike">
+              <a:latin typeface="Arial"/>
+            </a:endParaRPr>
+          </a:p>
+        </p:txBody>
+      </p:sp>
+      <p:sp>
+        <p:nvSpPr>
+          <p:cNvPr id="56" name="PlaceHolder 2"/>
           <p:cNvSpPr>
             <a:spLocks noGrp="1"/>
           </p:cNvSpPr>
@@ -1108,8 +1040,8 @@
         </p:nvSpPr>
         <p:spPr>
           <a:xfrm>
-            <a:off x="360000" y="1485000"/>
-            <a:ext cx="4567320" cy="1802880"/>
+            <a:off x="504000" y="1326600"/>
+            <a:ext cx="4426920" cy="1568520"/>
           </a:xfrm>
           <a:prstGeom prst="rect">
             <a:avLst/>
@@ -1120,18 +1052,15 @@
             <a:normAutofit/>
           </a:bodyPr>
           <a:p>
-            <a:endParaRPr b="1" lang="en-US" sz="2400" spc="-1" strike="noStrike">
-              <a:solidFill>
-                <a:srgbClr val="2c3e50"/>
-              </a:solidFill>
-              <a:latin typeface="Source Sans Pro Semibold"/>
-            </a:endParaRPr>
-          </a:p>
-        </p:txBody>
-      </p:sp>
-      <p:sp>
-        <p:nvSpPr>
-          <p:cNvPr id="62" name="PlaceHolder 3"/>
+            <a:endParaRPr b="0" lang="en-US" sz="3200" spc="-1" strike="noStrike">
+              <a:latin typeface="Arial"/>
+            </a:endParaRPr>
+          </a:p>
+        </p:txBody>
+      </p:sp>
+      <p:sp>
+        <p:nvSpPr>
+          <p:cNvPr id="57" name="PlaceHolder 3"/>
           <p:cNvSpPr>
             <a:spLocks noGrp="1"/>
           </p:cNvSpPr>
@@ -1141,8 +1070,8 @@
         </p:nvSpPr>
         <p:spPr>
           <a:xfrm>
-            <a:off x="5155920" y="1485000"/>
-            <a:ext cx="4567320" cy="3780000"/>
+            <a:off x="5152680" y="1326600"/>
+            <a:ext cx="4426920" cy="3288600"/>
           </a:xfrm>
           <a:prstGeom prst="rect">
             <a:avLst/>
@@ -1153,18 +1082,15 @@
             <a:normAutofit/>
           </a:bodyPr>
           <a:p>
-            <a:endParaRPr b="1" lang="en-US" sz="2400" spc="-1" strike="noStrike">
-              <a:solidFill>
-                <a:srgbClr val="2c3e50"/>
-              </a:solidFill>
-              <a:latin typeface="Source Sans Pro Semibold"/>
-            </a:endParaRPr>
-          </a:p>
-        </p:txBody>
-      </p:sp>
-      <p:sp>
-        <p:nvSpPr>
-          <p:cNvPr id="63" name="PlaceHolder 4"/>
+            <a:endParaRPr b="0" lang="en-US" sz="3200" spc="-1" strike="noStrike">
+              <a:latin typeface="Arial"/>
+            </a:endParaRPr>
+          </a:p>
+        </p:txBody>
+      </p:sp>
+      <p:sp>
+        <p:nvSpPr>
+          <p:cNvPr id="58" name="PlaceHolder 4"/>
           <p:cNvSpPr>
             <a:spLocks noGrp="1"/>
           </p:cNvSpPr>
@@ -1174,8 +1100,8 @@
         </p:nvSpPr>
         <p:spPr>
           <a:xfrm>
-            <a:off x="360000" y="3459600"/>
-            <a:ext cx="4567320" cy="1802880"/>
+            <a:off x="504000" y="3044520"/>
+            <a:ext cx="4426920" cy="1568520"/>
           </a:xfrm>
           <a:prstGeom prst="rect">
             <a:avLst/>
@@ -1186,11 +1112,8 @@
             <a:normAutofit/>
           </a:bodyPr>
           <a:p>
-            <a:endParaRPr b="1" lang="en-US" sz="2400" spc="-1" strike="noStrike">
-              <a:solidFill>
-                <a:srgbClr val="2c3e50"/>
-              </a:solidFill>
-              <a:latin typeface="Source Sans Pro Semibold"/>
+            <a:endParaRPr b="0" lang="en-US" sz="3200" spc="-1" strike="noStrike">
+              <a:latin typeface="Arial"/>
             </a:endParaRPr>
           </a:p>
         </p:txBody>
@@ -1219,7 +1142,7 @@
       </p:grpSpPr>
       <p:sp>
         <p:nvSpPr>
-          <p:cNvPr id="8" name="PlaceHolder 1"/>
+          <p:cNvPr id="4" name="PlaceHolder 1"/>
           <p:cNvSpPr>
             <a:spLocks noGrp="1"/>
           </p:cNvSpPr>
@@ -1229,8 +1152,8 @@
         </p:nvSpPr>
         <p:spPr>
           <a:xfrm>
-            <a:off x="360000" y="225720"/>
-            <a:ext cx="9360000" cy="718920"/>
+            <a:off x="504000" y="226080"/>
+            <a:ext cx="9072000" cy="946440"/>
           </a:xfrm>
           <a:prstGeom prst="rect">
             <a:avLst/>
@@ -1241,18 +1164,16 @@
             <a:noAutofit/>
           </a:bodyPr>
           <a:p>
-            <a:endParaRPr b="1" lang="en-US" sz="2700" spc="-1" strike="noStrike">
-              <a:solidFill>
-                <a:srgbClr val="ffffff"/>
-              </a:solidFill>
-              <a:latin typeface="Source Sans Pro Black"/>
-            </a:endParaRPr>
-          </a:p>
-        </p:txBody>
-      </p:sp>
-      <p:sp>
-        <p:nvSpPr>
-          <p:cNvPr id="9" name="PlaceHolder 2"/>
+            <a:pPr algn="ctr"/>
+            <a:endParaRPr b="0" lang="en-US" sz="4400" spc="-1" strike="noStrike">
+              <a:latin typeface="Arial"/>
+            </a:endParaRPr>
+          </a:p>
+        </p:txBody>
+      </p:sp>
+      <p:sp>
+        <p:nvSpPr>
+          <p:cNvPr id="5" name="PlaceHolder 2"/>
           <p:cNvSpPr>
             <a:spLocks noGrp="1"/>
           </p:cNvSpPr>
@@ -1262,8 +1183,8 @@
         </p:nvSpPr>
         <p:spPr>
           <a:xfrm>
-            <a:off x="360000" y="1485000"/>
-            <a:ext cx="9360000" cy="3780000"/>
+            <a:off x="504000" y="1326600"/>
+            <a:ext cx="9072000" cy="3288600"/>
           </a:xfrm>
           <a:prstGeom prst="rect">
             <a:avLst/>
@@ -1276,10 +1197,7 @@
           <a:p>
             <a:pPr algn="ctr"/>
             <a:endParaRPr b="0" lang="en-US" sz="3200" spc="-1" strike="noStrike">
-              <a:solidFill>
-                <a:srgbClr val="2c3e50"/>
-              </a:solidFill>
-              <a:latin typeface="Source Sans Pro"/>
+              <a:latin typeface="Arial"/>
             </a:endParaRPr>
           </a:p>
         </p:txBody>
@@ -1308,7 +1226,7 @@
       </p:grpSpPr>
       <p:sp>
         <p:nvSpPr>
-          <p:cNvPr id="64" name="PlaceHolder 1"/>
+          <p:cNvPr id="59" name="PlaceHolder 1"/>
           <p:cNvSpPr>
             <a:spLocks noGrp="1"/>
           </p:cNvSpPr>
@@ -1318,8 +1236,8 @@
         </p:nvSpPr>
         <p:spPr>
           <a:xfrm>
-            <a:off x="360000" y="225720"/>
-            <a:ext cx="9360000" cy="718920"/>
+            <a:off x="504000" y="226080"/>
+            <a:ext cx="9072000" cy="946440"/>
           </a:xfrm>
           <a:prstGeom prst="rect">
             <a:avLst/>
@@ -1330,18 +1248,16 @@
             <a:noAutofit/>
           </a:bodyPr>
           <a:p>
-            <a:endParaRPr b="1" lang="en-US" sz="2700" spc="-1" strike="noStrike">
-              <a:solidFill>
-                <a:srgbClr val="ffffff"/>
-              </a:solidFill>
-              <a:latin typeface="Source Sans Pro Black"/>
-            </a:endParaRPr>
-          </a:p>
-        </p:txBody>
-      </p:sp>
-      <p:sp>
-        <p:nvSpPr>
-          <p:cNvPr id="65" name="PlaceHolder 2"/>
+            <a:pPr algn="ctr"/>
+            <a:endParaRPr b="0" lang="en-US" sz="4400" spc="-1" strike="noStrike">
+              <a:latin typeface="Arial"/>
+            </a:endParaRPr>
+          </a:p>
+        </p:txBody>
+      </p:sp>
+      <p:sp>
+        <p:nvSpPr>
+          <p:cNvPr id="60" name="PlaceHolder 2"/>
           <p:cNvSpPr>
             <a:spLocks noGrp="1"/>
           </p:cNvSpPr>
@@ -1351,8 +1267,8 @@
         </p:nvSpPr>
         <p:spPr>
           <a:xfrm>
-            <a:off x="360000" y="1485000"/>
-            <a:ext cx="4567320" cy="3780000"/>
+            <a:off x="504000" y="1326600"/>
+            <a:ext cx="4426920" cy="3288600"/>
           </a:xfrm>
           <a:prstGeom prst="rect">
             <a:avLst/>
@@ -1363,18 +1279,15 @@
             <a:normAutofit/>
           </a:bodyPr>
           <a:p>
-            <a:endParaRPr b="1" lang="en-US" sz="2400" spc="-1" strike="noStrike">
-              <a:solidFill>
-                <a:srgbClr val="2c3e50"/>
-              </a:solidFill>
-              <a:latin typeface="Source Sans Pro Semibold"/>
-            </a:endParaRPr>
-          </a:p>
-        </p:txBody>
-      </p:sp>
-      <p:sp>
-        <p:nvSpPr>
-          <p:cNvPr id="66" name="PlaceHolder 3"/>
+            <a:endParaRPr b="0" lang="en-US" sz="3200" spc="-1" strike="noStrike">
+              <a:latin typeface="Arial"/>
+            </a:endParaRPr>
+          </a:p>
+        </p:txBody>
+      </p:sp>
+      <p:sp>
+        <p:nvSpPr>
+          <p:cNvPr id="61" name="PlaceHolder 3"/>
           <p:cNvSpPr>
             <a:spLocks noGrp="1"/>
           </p:cNvSpPr>
@@ -1384,8 +1297,8 @@
         </p:nvSpPr>
         <p:spPr>
           <a:xfrm>
-            <a:off x="5155920" y="1485000"/>
-            <a:ext cx="4567320" cy="1802880"/>
+            <a:off x="5152680" y="1326600"/>
+            <a:ext cx="4426920" cy="1568520"/>
           </a:xfrm>
           <a:prstGeom prst="rect">
             <a:avLst/>
@@ -1396,18 +1309,15 @@
             <a:normAutofit/>
           </a:bodyPr>
           <a:p>
-            <a:endParaRPr b="1" lang="en-US" sz="2400" spc="-1" strike="noStrike">
-              <a:solidFill>
-                <a:srgbClr val="2c3e50"/>
-              </a:solidFill>
-              <a:latin typeface="Source Sans Pro Semibold"/>
-            </a:endParaRPr>
-          </a:p>
-        </p:txBody>
-      </p:sp>
-      <p:sp>
-        <p:nvSpPr>
-          <p:cNvPr id="67" name="PlaceHolder 4"/>
+            <a:endParaRPr b="0" lang="en-US" sz="3200" spc="-1" strike="noStrike">
+              <a:latin typeface="Arial"/>
+            </a:endParaRPr>
+          </a:p>
+        </p:txBody>
+      </p:sp>
+      <p:sp>
+        <p:nvSpPr>
+          <p:cNvPr id="62" name="PlaceHolder 4"/>
           <p:cNvSpPr>
             <a:spLocks noGrp="1"/>
           </p:cNvSpPr>
@@ -1417,8 +1327,8 @@
         </p:nvSpPr>
         <p:spPr>
           <a:xfrm>
-            <a:off x="5155920" y="3459600"/>
-            <a:ext cx="4567320" cy="1802880"/>
+            <a:off x="5152680" y="3044520"/>
+            <a:ext cx="4426920" cy="1568520"/>
           </a:xfrm>
           <a:prstGeom prst="rect">
             <a:avLst/>
@@ -1429,11 +1339,8 @@
             <a:normAutofit/>
           </a:bodyPr>
           <a:p>
-            <a:endParaRPr b="1" lang="en-US" sz="2400" spc="-1" strike="noStrike">
-              <a:solidFill>
-                <a:srgbClr val="2c3e50"/>
-              </a:solidFill>
-              <a:latin typeface="Source Sans Pro Semibold"/>
+            <a:endParaRPr b="0" lang="en-US" sz="3200" spc="-1" strike="noStrike">
+              <a:latin typeface="Arial"/>
             </a:endParaRPr>
           </a:p>
         </p:txBody>
@@ -1462,7 +1369,7 @@
       </p:grpSpPr>
       <p:sp>
         <p:nvSpPr>
-          <p:cNvPr id="68" name="PlaceHolder 1"/>
+          <p:cNvPr id="63" name="PlaceHolder 1"/>
           <p:cNvSpPr>
             <a:spLocks noGrp="1"/>
           </p:cNvSpPr>
@@ -1472,8 +1379,8 @@
         </p:nvSpPr>
         <p:spPr>
           <a:xfrm>
-            <a:off x="360000" y="225720"/>
-            <a:ext cx="9360000" cy="718920"/>
+            <a:off x="504000" y="226080"/>
+            <a:ext cx="9072000" cy="946440"/>
           </a:xfrm>
           <a:prstGeom prst="rect">
             <a:avLst/>
@@ -1484,18 +1391,16 @@
             <a:noAutofit/>
           </a:bodyPr>
           <a:p>
-            <a:endParaRPr b="1" lang="en-US" sz="2700" spc="-1" strike="noStrike">
-              <a:solidFill>
-                <a:srgbClr val="ffffff"/>
-              </a:solidFill>
-              <a:latin typeface="Source Sans Pro Black"/>
-            </a:endParaRPr>
-          </a:p>
-        </p:txBody>
-      </p:sp>
-      <p:sp>
-        <p:nvSpPr>
-          <p:cNvPr id="69" name="PlaceHolder 2"/>
+            <a:pPr algn="ctr"/>
+            <a:endParaRPr b="0" lang="en-US" sz="4400" spc="-1" strike="noStrike">
+              <a:latin typeface="Arial"/>
+            </a:endParaRPr>
+          </a:p>
+        </p:txBody>
+      </p:sp>
+      <p:sp>
+        <p:nvSpPr>
+          <p:cNvPr id="64" name="PlaceHolder 2"/>
           <p:cNvSpPr>
             <a:spLocks noGrp="1"/>
           </p:cNvSpPr>
@@ -1505,8 +1410,8 @@
         </p:nvSpPr>
         <p:spPr>
           <a:xfrm>
-            <a:off x="360000" y="1485000"/>
-            <a:ext cx="4567320" cy="1802880"/>
+            <a:off x="504000" y="1326600"/>
+            <a:ext cx="4426920" cy="1568520"/>
           </a:xfrm>
           <a:prstGeom prst="rect">
             <a:avLst/>
@@ -1517,18 +1422,15 @@
             <a:normAutofit/>
           </a:bodyPr>
           <a:p>
-            <a:endParaRPr b="1" lang="en-US" sz="2400" spc="-1" strike="noStrike">
-              <a:solidFill>
-                <a:srgbClr val="2c3e50"/>
-              </a:solidFill>
-              <a:latin typeface="Source Sans Pro Semibold"/>
-            </a:endParaRPr>
-          </a:p>
-        </p:txBody>
-      </p:sp>
-      <p:sp>
-        <p:nvSpPr>
-          <p:cNvPr id="70" name="PlaceHolder 3"/>
+            <a:endParaRPr b="0" lang="en-US" sz="3200" spc="-1" strike="noStrike">
+              <a:latin typeface="Arial"/>
+            </a:endParaRPr>
+          </a:p>
+        </p:txBody>
+      </p:sp>
+      <p:sp>
+        <p:nvSpPr>
+          <p:cNvPr id="65" name="PlaceHolder 3"/>
           <p:cNvSpPr>
             <a:spLocks noGrp="1"/>
           </p:cNvSpPr>
@@ -1538,8 +1440,8 @@
         </p:nvSpPr>
         <p:spPr>
           <a:xfrm>
-            <a:off x="5155920" y="1485000"/>
-            <a:ext cx="4567320" cy="1802880"/>
+            <a:off x="5152680" y="1326600"/>
+            <a:ext cx="4426920" cy="1568520"/>
           </a:xfrm>
           <a:prstGeom prst="rect">
             <a:avLst/>
@@ -1550,18 +1452,15 @@
             <a:normAutofit/>
           </a:bodyPr>
           <a:p>
-            <a:endParaRPr b="1" lang="en-US" sz="2400" spc="-1" strike="noStrike">
-              <a:solidFill>
-                <a:srgbClr val="2c3e50"/>
-              </a:solidFill>
-              <a:latin typeface="Source Sans Pro Semibold"/>
-            </a:endParaRPr>
-          </a:p>
-        </p:txBody>
-      </p:sp>
-      <p:sp>
-        <p:nvSpPr>
-          <p:cNvPr id="71" name="PlaceHolder 4"/>
+            <a:endParaRPr b="0" lang="en-US" sz="3200" spc="-1" strike="noStrike">
+              <a:latin typeface="Arial"/>
+            </a:endParaRPr>
+          </a:p>
+        </p:txBody>
+      </p:sp>
+      <p:sp>
+        <p:nvSpPr>
+          <p:cNvPr id="66" name="PlaceHolder 4"/>
           <p:cNvSpPr>
             <a:spLocks noGrp="1"/>
           </p:cNvSpPr>
@@ -1571,8 +1470,8 @@
         </p:nvSpPr>
         <p:spPr>
           <a:xfrm>
-            <a:off x="360000" y="3459600"/>
-            <a:ext cx="9360000" cy="1802880"/>
+            <a:off x="504000" y="3044520"/>
+            <a:ext cx="9072000" cy="1568520"/>
           </a:xfrm>
           <a:prstGeom prst="rect">
             <a:avLst/>
@@ -1583,11 +1482,8 @@
             <a:normAutofit/>
           </a:bodyPr>
           <a:p>
-            <a:endParaRPr b="1" lang="en-US" sz="2400" spc="-1" strike="noStrike">
-              <a:solidFill>
-                <a:srgbClr val="2c3e50"/>
-              </a:solidFill>
-              <a:latin typeface="Source Sans Pro Semibold"/>
+            <a:endParaRPr b="0" lang="en-US" sz="3200" spc="-1" strike="noStrike">
+              <a:latin typeface="Arial"/>
             </a:endParaRPr>
           </a:p>
         </p:txBody>
@@ -1616,7 +1512,7 @@
       </p:grpSpPr>
       <p:sp>
         <p:nvSpPr>
-          <p:cNvPr id="72" name="PlaceHolder 1"/>
+          <p:cNvPr id="67" name="PlaceHolder 1"/>
           <p:cNvSpPr>
             <a:spLocks noGrp="1"/>
           </p:cNvSpPr>
@@ -1626,8 +1522,8 @@
         </p:nvSpPr>
         <p:spPr>
           <a:xfrm>
-            <a:off x="360000" y="225720"/>
-            <a:ext cx="9360000" cy="718920"/>
+            <a:off x="504000" y="226080"/>
+            <a:ext cx="9072000" cy="946440"/>
           </a:xfrm>
           <a:prstGeom prst="rect">
             <a:avLst/>
@@ -1638,18 +1534,16 @@
             <a:noAutofit/>
           </a:bodyPr>
           <a:p>
-            <a:endParaRPr b="1" lang="en-US" sz="2700" spc="-1" strike="noStrike">
-              <a:solidFill>
-                <a:srgbClr val="ffffff"/>
-              </a:solidFill>
-              <a:latin typeface="Source Sans Pro Black"/>
-            </a:endParaRPr>
-          </a:p>
-        </p:txBody>
-      </p:sp>
-      <p:sp>
-        <p:nvSpPr>
-          <p:cNvPr id="73" name="PlaceHolder 2"/>
+            <a:pPr algn="ctr"/>
+            <a:endParaRPr b="0" lang="en-US" sz="4400" spc="-1" strike="noStrike">
+              <a:latin typeface="Arial"/>
+            </a:endParaRPr>
+          </a:p>
+        </p:txBody>
+      </p:sp>
+      <p:sp>
+        <p:nvSpPr>
+          <p:cNvPr id="68" name="PlaceHolder 2"/>
           <p:cNvSpPr>
             <a:spLocks noGrp="1"/>
           </p:cNvSpPr>
@@ -1659,8 +1553,8 @@
         </p:nvSpPr>
         <p:spPr>
           <a:xfrm>
-            <a:off x="360000" y="1485000"/>
-            <a:ext cx="9360000" cy="1802880"/>
+            <a:off x="504000" y="1326600"/>
+            <a:ext cx="9072000" cy="1568520"/>
           </a:xfrm>
           <a:prstGeom prst="rect">
             <a:avLst/>
@@ -1671,18 +1565,15 @@
             <a:normAutofit/>
           </a:bodyPr>
           <a:p>
-            <a:endParaRPr b="1" lang="en-US" sz="2400" spc="-1" strike="noStrike">
-              <a:solidFill>
-                <a:srgbClr val="2c3e50"/>
-              </a:solidFill>
-              <a:latin typeface="Source Sans Pro Semibold"/>
-            </a:endParaRPr>
-          </a:p>
-        </p:txBody>
-      </p:sp>
-      <p:sp>
-        <p:nvSpPr>
-          <p:cNvPr id="74" name="PlaceHolder 3"/>
+            <a:endParaRPr b="0" lang="en-US" sz="3200" spc="-1" strike="noStrike">
+              <a:latin typeface="Arial"/>
+            </a:endParaRPr>
+          </a:p>
+        </p:txBody>
+      </p:sp>
+      <p:sp>
+        <p:nvSpPr>
+          <p:cNvPr id="69" name="PlaceHolder 3"/>
           <p:cNvSpPr>
             <a:spLocks noGrp="1"/>
           </p:cNvSpPr>
@@ -1692,8 +1583,8 @@
         </p:nvSpPr>
         <p:spPr>
           <a:xfrm>
-            <a:off x="360000" y="3459600"/>
-            <a:ext cx="9360000" cy="1802880"/>
+            <a:off x="504000" y="3044520"/>
+            <a:ext cx="9072000" cy="1568520"/>
           </a:xfrm>
           <a:prstGeom prst="rect">
             <a:avLst/>
@@ -1704,11 +1595,8 @@
             <a:normAutofit/>
           </a:bodyPr>
           <a:p>
-            <a:endParaRPr b="1" lang="en-US" sz="2400" spc="-1" strike="noStrike">
-              <a:solidFill>
-                <a:srgbClr val="2c3e50"/>
-              </a:solidFill>
-              <a:latin typeface="Source Sans Pro Semibold"/>
+            <a:endParaRPr b="0" lang="en-US" sz="3200" spc="-1" strike="noStrike">
+              <a:latin typeface="Arial"/>
             </a:endParaRPr>
           </a:p>
         </p:txBody>
@@ -1737,7 +1625,7 @@
       </p:grpSpPr>
       <p:sp>
         <p:nvSpPr>
-          <p:cNvPr id="75" name="PlaceHolder 1"/>
+          <p:cNvPr id="70" name="PlaceHolder 1"/>
           <p:cNvSpPr>
             <a:spLocks noGrp="1"/>
           </p:cNvSpPr>
@@ -1747,8 +1635,8 @@
         </p:nvSpPr>
         <p:spPr>
           <a:xfrm>
-            <a:off x="360000" y="225720"/>
-            <a:ext cx="9360000" cy="718920"/>
+            <a:off x="504000" y="226080"/>
+            <a:ext cx="9072000" cy="946440"/>
           </a:xfrm>
           <a:prstGeom prst="rect">
             <a:avLst/>
@@ -1759,18 +1647,16 @@
             <a:noAutofit/>
           </a:bodyPr>
           <a:p>
-            <a:endParaRPr b="1" lang="en-US" sz="2700" spc="-1" strike="noStrike">
-              <a:solidFill>
-                <a:srgbClr val="ffffff"/>
-              </a:solidFill>
-              <a:latin typeface="Source Sans Pro Black"/>
-            </a:endParaRPr>
-          </a:p>
-        </p:txBody>
-      </p:sp>
-      <p:sp>
-        <p:nvSpPr>
-          <p:cNvPr id="76" name="PlaceHolder 2"/>
+            <a:pPr algn="ctr"/>
+            <a:endParaRPr b="0" lang="en-US" sz="4400" spc="-1" strike="noStrike">
+              <a:latin typeface="Arial"/>
+            </a:endParaRPr>
+          </a:p>
+        </p:txBody>
+      </p:sp>
+      <p:sp>
+        <p:nvSpPr>
+          <p:cNvPr id="71" name="PlaceHolder 2"/>
           <p:cNvSpPr>
             <a:spLocks noGrp="1"/>
           </p:cNvSpPr>
@@ -1780,8 +1666,8 @@
         </p:nvSpPr>
         <p:spPr>
           <a:xfrm>
-            <a:off x="360000" y="1485000"/>
-            <a:ext cx="4567320" cy="1802880"/>
+            <a:off x="504000" y="1326600"/>
+            <a:ext cx="4426920" cy="1568520"/>
           </a:xfrm>
           <a:prstGeom prst="rect">
             <a:avLst/>
@@ -1792,18 +1678,15 @@
             <a:normAutofit/>
           </a:bodyPr>
           <a:p>
-            <a:endParaRPr b="1" lang="en-US" sz="2400" spc="-1" strike="noStrike">
-              <a:solidFill>
-                <a:srgbClr val="2c3e50"/>
-              </a:solidFill>
-              <a:latin typeface="Source Sans Pro Semibold"/>
-            </a:endParaRPr>
-          </a:p>
-        </p:txBody>
-      </p:sp>
-      <p:sp>
-        <p:nvSpPr>
-          <p:cNvPr id="77" name="PlaceHolder 3"/>
+            <a:endParaRPr b="0" lang="en-US" sz="3200" spc="-1" strike="noStrike">
+              <a:latin typeface="Arial"/>
+            </a:endParaRPr>
+          </a:p>
+        </p:txBody>
+      </p:sp>
+      <p:sp>
+        <p:nvSpPr>
+          <p:cNvPr id="72" name="PlaceHolder 3"/>
           <p:cNvSpPr>
             <a:spLocks noGrp="1"/>
           </p:cNvSpPr>
@@ -1813,8 +1696,8 @@
         </p:nvSpPr>
         <p:spPr>
           <a:xfrm>
-            <a:off x="5155920" y="1485000"/>
-            <a:ext cx="4567320" cy="1802880"/>
+            <a:off x="5152680" y="1326600"/>
+            <a:ext cx="4426920" cy="1568520"/>
           </a:xfrm>
           <a:prstGeom prst="rect">
             <a:avLst/>
@@ -1825,18 +1708,15 @@
             <a:normAutofit/>
           </a:bodyPr>
           <a:p>
-            <a:endParaRPr b="1" lang="en-US" sz="2400" spc="-1" strike="noStrike">
-              <a:solidFill>
-                <a:srgbClr val="2c3e50"/>
-              </a:solidFill>
-              <a:latin typeface="Source Sans Pro Semibold"/>
-            </a:endParaRPr>
-          </a:p>
-        </p:txBody>
-      </p:sp>
-      <p:sp>
-        <p:nvSpPr>
-          <p:cNvPr id="78" name="PlaceHolder 4"/>
+            <a:endParaRPr b="0" lang="en-US" sz="3200" spc="-1" strike="noStrike">
+              <a:latin typeface="Arial"/>
+            </a:endParaRPr>
+          </a:p>
+        </p:txBody>
+      </p:sp>
+      <p:sp>
+        <p:nvSpPr>
+          <p:cNvPr id="73" name="PlaceHolder 4"/>
           <p:cNvSpPr>
             <a:spLocks noGrp="1"/>
           </p:cNvSpPr>
@@ -1846,8 +1726,8 @@
         </p:nvSpPr>
         <p:spPr>
           <a:xfrm>
-            <a:off x="360000" y="3459600"/>
-            <a:ext cx="4567320" cy="1802880"/>
+            <a:off x="504000" y="3044520"/>
+            <a:ext cx="4426920" cy="1568520"/>
           </a:xfrm>
           <a:prstGeom prst="rect">
             <a:avLst/>
@@ -1858,18 +1738,15 @@
             <a:normAutofit/>
           </a:bodyPr>
           <a:p>
-            <a:endParaRPr b="1" lang="en-US" sz="2400" spc="-1" strike="noStrike">
-              <a:solidFill>
-                <a:srgbClr val="2c3e50"/>
-              </a:solidFill>
-              <a:latin typeface="Source Sans Pro Semibold"/>
-            </a:endParaRPr>
-          </a:p>
-        </p:txBody>
-      </p:sp>
-      <p:sp>
-        <p:nvSpPr>
-          <p:cNvPr id="79" name="PlaceHolder 5"/>
+            <a:endParaRPr b="0" lang="en-US" sz="3200" spc="-1" strike="noStrike">
+              <a:latin typeface="Arial"/>
+            </a:endParaRPr>
+          </a:p>
+        </p:txBody>
+      </p:sp>
+      <p:sp>
+        <p:nvSpPr>
+          <p:cNvPr id="74" name="PlaceHolder 5"/>
           <p:cNvSpPr>
             <a:spLocks noGrp="1"/>
           </p:cNvSpPr>
@@ -1879,8 +1756,8 @@
         </p:nvSpPr>
         <p:spPr>
           <a:xfrm>
-            <a:off x="5155920" y="3459600"/>
-            <a:ext cx="4567320" cy="1802880"/>
+            <a:off x="5152680" y="3044520"/>
+            <a:ext cx="4426920" cy="1568520"/>
           </a:xfrm>
           <a:prstGeom prst="rect">
             <a:avLst/>
@@ -1891,11 +1768,8 @@
             <a:normAutofit/>
           </a:bodyPr>
           <a:p>
-            <a:endParaRPr b="1" lang="en-US" sz="2400" spc="-1" strike="noStrike">
-              <a:solidFill>
-                <a:srgbClr val="2c3e50"/>
-              </a:solidFill>
-              <a:latin typeface="Source Sans Pro Semibold"/>
+            <a:endParaRPr b="0" lang="en-US" sz="3200" spc="-1" strike="noStrike">
+              <a:latin typeface="Arial"/>
             </a:endParaRPr>
           </a:p>
         </p:txBody>
@@ -1924,7 +1798,7 @@
       </p:grpSpPr>
       <p:sp>
         <p:nvSpPr>
-          <p:cNvPr id="80" name="PlaceHolder 1"/>
+          <p:cNvPr id="75" name="PlaceHolder 1"/>
           <p:cNvSpPr>
             <a:spLocks noGrp="1"/>
           </p:cNvSpPr>
@@ -1934,8 +1808,8 @@
         </p:nvSpPr>
         <p:spPr>
           <a:xfrm>
-            <a:off x="360000" y="225720"/>
-            <a:ext cx="9360000" cy="718920"/>
+            <a:off x="504000" y="226080"/>
+            <a:ext cx="9072000" cy="946440"/>
           </a:xfrm>
           <a:prstGeom prst="rect">
             <a:avLst/>
@@ -1946,18 +1820,16 @@
             <a:noAutofit/>
           </a:bodyPr>
           <a:p>
-            <a:endParaRPr b="1" lang="en-US" sz="2700" spc="-1" strike="noStrike">
-              <a:solidFill>
-                <a:srgbClr val="ffffff"/>
-              </a:solidFill>
-              <a:latin typeface="Source Sans Pro Black"/>
-            </a:endParaRPr>
-          </a:p>
-        </p:txBody>
-      </p:sp>
-      <p:sp>
-        <p:nvSpPr>
-          <p:cNvPr id="81" name="PlaceHolder 2"/>
+            <a:pPr algn="ctr"/>
+            <a:endParaRPr b="0" lang="en-US" sz="4400" spc="-1" strike="noStrike">
+              <a:latin typeface="Arial"/>
+            </a:endParaRPr>
+          </a:p>
+        </p:txBody>
+      </p:sp>
+      <p:sp>
+        <p:nvSpPr>
+          <p:cNvPr id="76" name="PlaceHolder 2"/>
           <p:cNvSpPr>
             <a:spLocks noGrp="1"/>
           </p:cNvSpPr>
@@ -1967,8 +1839,8 @@
         </p:nvSpPr>
         <p:spPr>
           <a:xfrm>
-            <a:off x="360000" y="1485000"/>
-            <a:ext cx="3013560" cy="1802880"/>
+            <a:off x="504000" y="1326600"/>
+            <a:ext cx="2921040" cy="1568520"/>
           </a:xfrm>
           <a:prstGeom prst="rect">
             <a:avLst/>
@@ -1979,18 +1851,15 @@
             <a:normAutofit/>
           </a:bodyPr>
           <a:p>
-            <a:endParaRPr b="1" lang="en-US" sz="2400" spc="-1" strike="noStrike">
-              <a:solidFill>
-                <a:srgbClr val="2c3e50"/>
-              </a:solidFill>
-              <a:latin typeface="Source Sans Pro Semibold"/>
-            </a:endParaRPr>
-          </a:p>
-        </p:txBody>
-      </p:sp>
-      <p:sp>
-        <p:nvSpPr>
-          <p:cNvPr id="82" name="PlaceHolder 3"/>
+            <a:endParaRPr b="0" lang="en-US" sz="3200" spc="-1" strike="noStrike">
+              <a:latin typeface="Arial"/>
+            </a:endParaRPr>
+          </a:p>
+        </p:txBody>
+      </p:sp>
+      <p:sp>
+        <p:nvSpPr>
+          <p:cNvPr id="77" name="PlaceHolder 3"/>
           <p:cNvSpPr>
             <a:spLocks noGrp="1"/>
           </p:cNvSpPr>
@@ -2000,8 +1869,8 @@
         </p:nvSpPr>
         <p:spPr>
           <a:xfrm>
-            <a:off x="3524760" y="1485000"/>
-            <a:ext cx="3013560" cy="1802880"/>
+            <a:off x="3571560" y="1326600"/>
+            <a:ext cx="2921040" cy="1568520"/>
           </a:xfrm>
           <a:prstGeom prst="rect">
             <a:avLst/>
@@ -2012,18 +1881,15 @@
             <a:normAutofit/>
           </a:bodyPr>
           <a:p>
-            <a:endParaRPr b="1" lang="en-US" sz="2400" spc="-1" strike="noStrike">
-              <a:solidFill>
-                <a:srgbClr val="2c3e50"/>
-              </a:solidFill>
-              <a:latin typeface="Source Sans Pro Semibold"/>
-            </a:endParaRPr>
-          </a:p>
-        </p:txBody>
-      </p:sp>
-      <p:sp>
-        <p:nvSpPr>
-          <p:cNvPr id="83" name="PlaceHolder 4"/>
+            <a:endParaRPr b="0" lang="en-US" sz="3200" spc="-1" strike="noStrike">
+              <a:latin typeface="Arial"/>
+            </a:endParaRPr>
+          </a:p>
+        </p:txBody>
+      </p:sp>
+      <p:sp>
+        <p:nvSpPr>
+          <p:cNvPr id="78" name="PlaceHolder 4"/>
           <p:cNvSpPr>
             <a:spLocks noGrp="1"/>
           </p:cNvSpPr>
@@ -2033,8 +1899,8 @@
         </p:nvSpPr>
         <p:spPr>
           <a:xfrm>
-            <a:off x="6689160" y="1485000"/>
-            <a:ext cx="3013560" cy="1802880"/>
+            <a:off x="6639120" y="1326600"/>
+            <a:ext cx="2921040" cy="1568520"/>
           </a:xfrm>
           <a:prstGeom prst="rect">
             <a:avLst/>
@@ -2045,18 +1911,15 @@
             <a:normAutofit/>
           </a:bodyPr>
           <a:p>
-            <a:endParaRPr b="1" lang="en-US" sz="2400" spc="-1" strike="noStrike">
-              <a:solidFill>
-                <a:srgbClr val="2c3e50"/>
-              </a:solidFill>
-              <a:latin typeface="Source Sans Pro Semibold"/>
-            </a:endParaRPr>
-          </a:p>
-        </p:txBody>
-      </p:sp>
-      <p:sp>
-        <p:nvSpPr>
-          <p:cNvPr id="84" name="PlaceHolder 5"/>
+            <a:endParaRPr b="0" lang="en-US" sz="3200" spc="-1" strike="noStrike">
+              <a:latin typeface="Arial"/>
+            </a:endParaRPr>
+          </a:p>
+        </p:txBody>
+      </p:sp>
+      <p:sp>
+        <p:nvSpPr>
+          <p:cNvPr id="79" name="PlaceHolder 5"/>
           <p:cNvSpPr>
             <a:spLocks noGrp="1"/>
           </p:cNvSpPr>
@@ -2066,8 +1929,8 @@
         </p:nvSpPr>
         <p:spPr>
           <a:xfrm>
-            <a:off x="360000" y="3459600"/>
-            <a:ext cx="3013560" cy="1802880"/>
+            <a:off x="504000" y="3044520"/>
+            <a:ext cx="2921040" cy="1568520"/>
           </a:xfrm>
           <a:prstGeom prst="rect">
             <a:avLst/>
@@ -2078,18 +1941,15 @@
             <a:normAutofit/>
           </a:bodyPr>
           <a:p>
-            <a:endParaRPr b="1" lang="en-US" sz="2400" spc="-1" strike="noStrike">
-              <a:solidFill>
-                <a:srgbClr val="2c3e50"/>
-              </a:solidFill>
-              <a:latin typeface="Source Sans Pro Semibold"/>
-            </a:endParaRPr>
-          </a:p>
-        </p:txBody>
-      </p:sp>
-      <p:sp>
-        <p:nvSpPr>
-          <p:cNvPr id="85" name="PlaceHolder 6"/>
+            <a:endParaRPr b="0" lang="en-US" sz="3200" spc="-1" strike="noStrike">
+              <a:latin typeface="Arial"/>
+            </a:endParaRPr>
+          </a:p>
+        </p:txBody>
+      </p:sp>
+      <p:sp>
+        <p:nvSpPr>
+          <p:cNvPr id="80" name="PlaceHolder 6"/>
           <p:cNvSpPr>
             <a:spLocks noGrp="1"/>
           </p:cNvSpPr>
@@ -2099,8 +1959,8 @@
         </p:nvSpPr>
         <p:spPr>
           <a:xfrm>
-            <a:off x="3524760" y="3459600"/>
-            <a:ext cx="3013560" cy="1802880"/>
+            <a:off x="3571560" y="3044520"/>
+            <a:ext cx="2921040" cy="1568520"/>
           </a:xfrm>
           <a:prstGeom prst="rect">
             <a:avLst/>
@@ -2111,18 +1971,15 @@
             <a:normAutofit/>
           </a:bodyPr>
           <a:p>
-            <a:endParaRPr b="1" lang="en-US" sz="2400" spc="-1" strike="noStrike">
-              <a:solidFill>
-                <a:srgbClr val="2c3e50"/>
-              </a:solidFill>
-              <a:latin typeface="Source Sans Pro Semibold"/>
-            </a:endParaRPr>
-          </a:p>
-        </p:txBody>
-      </p:sp>
-      <p:sp>
-        <p:nvSpPr>
-          <p:cNvPr id="86" name="PlaceHolder 7"/>
+            <a:endParaRPr b="0" lang="en-US" sz="3200" spc="-1" strike="noStrike">
+              <a:latin typeface="Arial"/>
+            </a:endParaRPr>
+          </a:p>
+        </p:txBody>
+      </p:sp>
+      <p:sp>
+        <p:nvSpPr>
+          <p:cNvPr id="81" name="PlaceHolder 7"/>
           <p:cNvSpPr>
             <a:spLocks noGrp="1"/>
           </p:cNvSpPr>
@@ -2132,8 +1989,8 @@
         </p:nvSpPr>
         <p:spPr>
           <a:xfrm>
-            <a:off x="6689160" y="3459600"/>
-            <a:ext cx="3013560" cy="1802880"/>
+            <a:off x="6639120" y="3044520"/>
+            <a:ext cx="2921040" cy="1568520"/>
           </a:xfrm>
           <a:prstGeom prst="rect">
             <a:avLst/>
@@ -2144,386 +2001,8 @@
             <a:normAutofit/>
           </a:bodyPr>
           <a:p>
-            <a:endParaRPr b="1" lang="en-US" sz="2400" spc="-1" strike="noStrike">
-              <a:solidFill>
-                <a:srgbClr val="2c3e50"/>
-              </a:solidFill>
-              <a:latin typeface="Source Sans Pro Semibold"/>
-            </a:endParaRPr>
-          </a:p>
-        </p:txBody>
-      </p:sp>
-    </p:spTree>
-  </p:cSld>
-</p:sldLayout>
-</file>
-
-<file path=ppt/slideLayouts/slideLayout25.xml><?xml version="1.0" encoding="utf-8"?>
-<p:sldLayout xmlns:a="http://schemas.openxmlformats.org/drawingml/2006/main" xmlns:p="http://schemas.openxmlformats.org/presentationml/2006/main" xmlns:r="http://schemas.openxmlformats.org/officeDocument/2006/relationships" xmlns:p14="http://schemas.microsoft.com/office/powerpoint/2010/main" xmlns:p15="http://schemas.microsoft.com/office/powerpoint/2012/main" xmlns:mc="http://schemas.openxmlformats.org/markup-compatibility/2006" type="blank" preserve="1">
-  <p:cSld name="Blank Slide">
-    <p:spTree>
-      <p:nvGrpSpPr>
-        <p:cNvPr id="1" name=""/>
-        <p:cNvGrpSpPr/>
-        <p:nvPr/>
-      </p:nvGrpSpPr>
-      <p:grpSpPr>
-        <a:xfrm>
-          <a:off x="0" y="0"/>
-          <a:ext cx="0" cy="0"/>
-          <a:chOff x="0" y="0"/>
-          <a:chExt cx="0" cy="0"/>
-        </a:xfrm>
-      </p:grpSpPr>
-    </p:spTree>
-  </p:cSld>
-</p:sldLayout>
-</file>
-
-<file path=ppt/slideLayouts/slideLayout26.xml><?xml version="1.0" encoding="utf-8"?>
-<p:sldLayout xmlns:a="http://schemas.openxmlformats.org/drawingml/2006/main" xmlns:p="http://schemas.openxmlformats.org/presentationml/2006/main" xmlns:r="http://schemas.openxmlformats.org/officeDocument/2006/relationships" xmlns:p14="http://schemas.microsoft.com/office/powerpoint/2010/main" xmlns:p15="http://schemas.microsoft.com/office/powerpoint/2012/main" xmlns:mc="http://schemas.openxmlformats.org/markup-compatibility/2006" type="tx" preserve="1">
-  <p:cSld name="Title Slide">
-    <p:spTree>
-      <p:nvGrpSpPr>
-        <p:cNvPr id="1" name=""/>
-        <p:cNvGrpSpPr/>
-        <p:nvPr/>
-      </p:nvGrpSpPr>
-      <p:grpSpPr>
-        <a:xfrm>
-          <a:off x="0" y="0"/>
-          <a:ext cx="0" cy="0"/>
-          <a:chOff x="0" y="0"/>
-          <a:chExt cx="0" cy="0"/>
-        </a:xfrm>
-      </p:grpSpPr>
-      <p:sp>
-        <p:nvSpPr>
-          <p:cNvPr id="94" name="PlaceHolder 1"/>
-          <p:cNvSpPr>
-            <a:spLocks noGrp="1"/>
-          </p:cNvSpPr>
-          <p:nvPr>
-            <p:ph type="title"/>
-          </p:nvPr>
-        </p:nvSpPr>
-        <p:spPr>
-          <a:xfrm>
-            <a:off x="360000" y="225720"/>
-            <a:ext cx="9360000" cy="718920"/>
-          </a:xfrm>
-          <a:prstGeom prst="rect">
-            <a:avLst/>
-          </a:prstGeom>
-        </p:spPr>
-        <p:txBody>
-          <a:bodyPr lIns="0" rIns="0" tIns="0" bIns="0" anchor="ctr">
-            <a:noAutofit/>
-          </a:bodyPr>
-          <a:p>
-            <a:endParaRPr b="1" lang="en-US" sz="2700" spc="-1" strike="noStrike">
-              <a:solidFill>
-                <a:srgbClr val="ffffff"/>
-              </a:solidFill>
-              <a:latin typeface="Source Sans Pro Black"/>
-            </a:endParaRPr>
-          </a:p>
-        </p:txBody>
-      </p:sp>
-      <p:sp>
-        <p:nvSpPr>
-          <p:cNvPr id="95" name="PlaceHolder 2"/>
-          <p:cNvSpPr>
-            <a:spLocks noGrp="1"/>
-          </p:cNvSpPr>
-          <p:nvPr>
-            <p:ph type="subTitle"/>
-          </p:nvPr>
-        </p:nvSpPr>
-        <p:spPr>
-          <a:xfrm>
-            <a:off x="360000" y="1485000"/>
-            <a:ext cx="9360000" cy="3780000"/>
-          </a:xfrm>
-          <a:prstGeom prst="rect">
-            <a:avLst/>
-          </a:prstGeom>
-        </p:spPr>
-        <p:txBody>
-          <a:bodyPr lIns="0" rIns="0" tIns="0" bIns="0" anchor="ctr">
-            <a:noAutofit/>
-          </a:bodyPr>
-          <a:p>
-            <a:pPr algn="ctr"/>
             <a:endParaRPr b="0" lang="en-US" sz="3200" spc="-1" strike="noStrike">
-              <a:solidFill>
-                <a:srgbClr val="2c3e50"/>
-              </a:solidFill>
-              <a:latin typeface="Source Sans Pro"/>
-            </a:endParaRPr>
-          </a:p>
-        </p:txBody>
-      </p:sp>
-    </p:spTree>
-  </p:cSld>
-</p:sldLayout>
-</file>
-
-<file path=ppt/slideLayouts/slideLayout27.xml><?xml version="1.0" encoding="utf-8"?>
-<p:sldLayout xmlns:a="http://schemas.openxmlformats.org/drawingml/2006/main" xmlns:p="http://schemas.openxmlformats.org/presentationml/2006/main" xmlns:r="http://schemas.openxmlformats.org/officeDocument/2006/relationships" xmlns:p14="http://schemas.microsoft.com/office/powerpoint/2010/main" xmlns:p15="http://schemas.microsoft.com/office/powerpoint/2012/main" xmlns:mc="http://schemas.openxmlformats.org/markup-compatibility/2006" type="obj" preserve="1">
-  <p:cSld name="Title, Content">
-    <p:spTree>
-      <p:nvGrpSpPr>
-        <p:cNvPr id="1" name=""/>
-        <p:cNvGrpSpPr/>
-        <p:nvPr/>
-      </p:nvGrpSpPr>
-      <p:grpSpPr>
-        <a:xfrm>
-          <a:off x="0" y="0"/>
-          <a:ext cx="0" cy="0"/>
-          <a:chOff x="0" y="0"/>
-          <a:chExt cx="0" cy="0"/>
-        </a:xfrm>
-      </p:grpSpPr>
-      <p:sp>
-        <p:nvSpPr>
-          <p:cNvPr id="96" name="PlaceHolder 1"/>
-          <p:cNvSpPr>
-            <a:spLocks noGrp="1"/>
-          </p:cNvSpPr>
-          <p:nvPr>
-            <p:ph type="title"/>
-          </p:nvPr>
-        </p:nvSpPr>
-        <p:spPr>
-          <a:xfrm>
-            <a:off x="360000" y="225720"/>
-            <a:ext cx="9360000" cy="718920"/>
-          </a:xfrm>
-          <a:prstGeom prst="rect">
-            <a:avLst/>
-          </a:prstGeom>
-        </p:spPr>
-        <p:txBody>
-          <a:bodyPr lIns="0" rIns="0" tIns="0" bIns="0" anchor="ctr">
-            <a:noAutofit/>
-          </a:bodyPr>
-          <a:p>
-            <a:endParaRPr b="1" lang="en-US" sz="2700" spc="-1" strike="noStrike">
-              <a:solidFill>
-                <a:srgbClr val="ffffff"/>
-              </a:solidFill>
-              <a:latin typeface="Source Sans Pro Black"/>
-            </a:endParaRPr>
-          </a:p>
-        </p:txBody>
-      </p:sp>
-      <p:sp>
-        <p:nvSpPr>
-          <p:cNvPr id="97" name="PlaceHolder 2"/>
-          <p:cNvSpPr>
-            <a:spLocks noGrp="1"/>
-          </p:cNvSpPr>
-          <p:nvPr>
-            <p:ph type="body"/>
-          </p:nvPr>
-        </p:nvSpPr>
-        <p:spPr>
-          <a:xfrm>
-            <a:off x="360000" y="1485000"/>
-            <a:ext cx="9360000" cy="3780000"/>
-          </a:xfrm>
-          <a:prstGeom prst="rect">
-            <a:avLst/>
-          </a:prstGeom>
-        </p:spPr>
-        <p:txBody>
-          <a:bodyPr lIns="0" rIns="0" tIns="0" bIns="0">
-            <a:normAutofit/>
-          </a:bodyPr>
-          <a:p>
-            <a:endParaRPr b="1" lang="en-US" sz="2400" spc="-1" strike="noStrike">
-              <a:solidFill>
-                <a:srgbClr val="2c3e50"/>
-              </a:solidFill>
-              <a:latin typeface="Source Sans Pro Semibold"/>
-            </a:endParaRPr>
-          </a:p>
-        </p:txBody>
-      </p:sp>
-    </p:spTree>
-  </p:cSld>
-</p:sldLayout>
-</file>
-
-<file path=ppt/slideLayouts/slideLayout28.xml><?xml version="1.0" encoding="utf-8"?>
-<p:sldLayout xmlns:a="http://schemas.openxmlformats.org/drawingml/2006/main" xmlns:p="http://schemas.openxmlformats.org/presentationml/2006/main" xmlns:r="http://schemas.openxmlformats.org/officeDocument/2006/relationships" xmlns:p14="http://schemas.microsoft.com/office/powerpoint/2010/main" xmlns:p15="http://schemas.microsoft.com/office/powerpoint/2012/main" xmlns:mc="http://schemas.openxmlformats.org/markup-compatibility/2006" type="twoObj" preserve="1">
-  <p:cSld name="Title, 2 Content">
-    <p:spTree>
-      <p:nvGrpSpPr>
-        <p:cNvPr id="1" name=""/>
-        <p:cNvGrpSpPr/>
-        <p:nvPr/>
-      </p:nvGrpSpPr>
-      <p:grpSpPr>
-        <a:xfrm>
-          <a:off x="0" y="0"/>
-          <a:ext cx="0" cy="0"/>
-          <a:chOff x="0" y="0"/>
-          <a:chExt cx="0" cy="0"/>
-        </a:xfrm>
-      </p:grpSpPr>
-      <p:sp>
-        <p:nvSpPr>
-          <p:cNvPr id="98" name="PlaceHolder 1"/>
-          <p:cNvSpPr>
-            <a:spLocks noGrp="1"/>
-          </p:cNvSpPr>
-          <p:nvPr>
-            <p:ph type="title"/>
-          </p:nvPr>
-        </p:nvSpPr>
-        <p:spPr>
-          <a:xfrm>
-            <a:off x="360000" y="225720"/>
-            <a:ext cx="9360000" cy="718920"/>
-          </a:xfrm>
-          <a:prstGeom prst="rect">
-            <a:avLst/>
-          </a:prstGeom>
-        </p:spPr>
-        <p:txBody>
-          <a:bodyPr lIns="0" rIns="0" tIns="0" bIns="0" anchor="ctr">
-            <a:noAutofit/>
-          </a:bodyPr>
-          <a:p>
-            <a:endParaRPr b="1" lang="en-US" sz="2700" spc="-1" strike="noStrike">
-              <a:solidFill>
-                <a:srgbClr val="ffffff"/>
-              </a:solidFill>
-              <a:latin typeface="Source Sans Pro Black"/>
-            </a:endParaRPr>
-          </a:p>
-        </p:txBody>
-      </p:sp>
-      <p:sp>
-        <p:nvSpPr>
-          <p:cNvPr id="99" name="PlaceHolder 2"/>
-          <p:cNvSpPr>
-            <a:spLocks noGrp="1"/>
-          </p:cNvSpPr>
-          <p:nvPr>
-            <p:ph type="body"/>
-          </p:nvPr>
-        </p:nvSpPr>
-        <p:spPr>
-          <a:xfrm>
-            <a:off x="360000" y="1485000"/>
-            <a:ext cx="4567320" cy="3780000"/>
-          </a:xfrm>
-          <a:prstGeom prst="rect">
-            <a:avLst/>
-          </a:prstGeom>
-        </p:spPr>
-        <p:txBody>
-          <a:bodyPr lIns="0" rIns="0" tIns="0" bIns="0">
-            <a:normAutofit/>
-          </a:bodyPr>
-          <a:p>
-            <a:endParaRPr b="1" lang="en-US" sz="2400" spc="-1" strike="noStrike">
-              <a:solidFill>
-                <a:srgbClr val="2c3e50"/>
-              </a:solidFill>
-              <a:latin typeface="Source Sans Pro Semibold"/>
-            </a:endParaRPr>
-          </a:p>
-        </p:txBody>
-      </p:sp>
-      <p:sp>
-        <p:nvSpPr>
-          <p:cNvPr id="100" name="PlaceHolder 3"/>
-          <p:cNvSpPr>
-            <a:spLocks noGrp="1"/>
-          </p:cNvSpPr>
-          <p:nvPr>
-            <p:ph type="body"/>
-          </p:nvPr>
-        </p:nvSpPr>
-        <p:spPr>
-          <a:xfrm>
-            <a:off x="5155920" y="1485000"/>
-            <a:ext cx="4567320" cy="3780000"/>
-          </a:xfrm>
-          <a:prstGeom prst="rect">
-            <a:avLst/>
-          </a:prstGeom>
-        </p:spPr>
-        <p:txBody>
-          <a:bodyPr lIns="0" rIns="0" tIns="0" bIns="0">
-            <a:normAutofit/>
-          </a:bodyPr>
-          <a:p>
-            <a:endParaRPr b="1" lang="en-US" sz="2400" spc="-1" strike="noStrike">
-              <a:solidFill>
-                <a:srgbClr val="2c3e50"/>
-              </a:solidFill>
-              <a:latin typeface="Source Sans Pro Semibold"/>
-            </a:endParaRPr>
-          </a:p>
-        </p:txBody>
-      </p:sp>
-    </p:spTree>
-  </p:cSld>
-</p:sldLayout>
-</file>
-
-<file path=ppt/slideLayouts/slideLayout29.xml><?xml version="1.0" encoding="utf-8"?>
-<p:sldLayout xmlns:a="http://schemas.openxmlformats.org/drawingml/2006/main" xmlns:p="http://schemas.openxmlformats.org/presentationml/2006/main" xmlns:r="http://schemas.openxmlformats.org/officeDocument/2006/relationships" xmlns:p14="http://schemas.microsoft.com/office/powerpoint/2010/main" xmlns:p15="http://schemas.microsoft.com/office/powerpoint/2012/main" xmlns:mc="http://schemas.openxmlformats.org/markup-compatibility/2006" type="titleOnly" preserve="1">
-  <p:cSld name="Title Only">
-    <p:spTree>
-      <p:nvGrpSpPr>
-        <p:cNvPr id="1" name=""/>
-        <p:cNvGrpSpPr/>
-        <p:nvPr/>
-      </p:nvGrpSpPr>
-      <p:grpSpPr>
-        <a:xfrm>
-          <a:off x="0" y="0"/>
-          <a:ext cx="0" cy="0"/>
-          <a:chOff x="0" y="0"/>
-          <a:chExt cx="0" cy="0"/>
-        </a:xfrm>
-      </p:grpSpPr>
-      <p:sp>
-        <p:nvSpPr>
-          <p:cNvPr id="101" name="PlaceHolder 1"/>
-          <p:cNvSpPr>
-            <a:spLocks noGrp="1"/>
-          </p:cNvSpPr>
-          <p:nvPr>
-            <p:ph type="title"/>
-          </p:nvPr>
-        </p:nvSpPr>
-        <p:spPr>
-          <a:xfrm>
-            <a:off x="360000" y="225720"/>
-            <a:ext cx="9360000" cy="718920"/>
-          </a:xfrm>
-          <a:prstGeom prst="rect">
-            <a:avLst/>
-          </a:prstGeom>
-        </p:spPr>
-        <p:txBody>
-          <a:bodyPr lIns="0" rIns="0" tIns="0" bIns="0" anchor="ctr">
-            <a:noAutofit/>
-          </a:bodyPr>
-          <a:p>
-            <a:endParaRPr b="1" lang="en-US" sz="2700" spc="-1" strike="noStrike">
-              <a:solidFill>
-                <a:srgbClr val="ffffff"/>
-              </a:solidFill>
-              <a:latin typeface="Source Sans Pro Black"/>
+              <a:latin typeface="Arial"/>
             </a:endParaRPr>
           </a:p>
         </p:txBody>
@@ -2552,7 +2031,7 @@
       </p:grpSpPr>
       <p:sp>
         <p:nvSpPr>
-          <p:cNvPr id="10" name="PlaceHolder 1"/>
+          <p:cNvPr id="6" name="PlaceHolder 1"/>
           <p:cNvSpPr>
             <a:spLocks noGrp="1"/>
           </p:cNvSpPr>
@@ -2562,8 +2041,8 @@
         </p:nvSpPr>
         <p:spPr>
           <a:xfrm>
-            <a:off x="360000" y="225720"/>
-            <a:ext cx="9360000" cy="718920"/>
+            <a:off x="504000" y="226080"/>
+            <a:ext cx="9072000" cy="946440"/>
           </a:xfrm>
           <a:prstGeom prst="rect">
             <a:avLst/>
@@ -2574,18 +2053,16 @@
             <a:noAutofit/>
           </a:bodyPr>
           <a:p>
-            <a:endParaRPr b="1" lang="en-US" sz="2700" spc="-1" strike="noStrike">
-              <a:solidFill>
-                <a:srgbClr val="ffffff"/>
-              </a:solidFill>
-              <a:latin typeface="Source Sans Pro Black"/>
-            </a:endParaRPr>
-          </a:p>
-        </p:txBody>
-      </p:sp>
-      <p:sp>
-        <p:nvSpPr>
-          <p:cNvPr id="11" name="PlaceHolder 2"/>
+            <a:pPr algn="ctr"/>
+            <a:endParaRPr b="0" lang="en-US" sz="4400" spc="-1" strike="noStrike">
+              <a:latin typeface="Arial"/>
+            </a:endParaRPr>
+          </a:p>
+        </p:txBody>
+      </p:sp>
+      <p:sp>
+        <p:nvSpPr>
+          <p:cNvPr id="7" name="PlaceHolder 2"/>
           <p:cNvSpPr>
             <a:spLocks noGrp="1"/>
           </p:cNvSpPr>
@@ -2595,8 +2072,8 @@
         </p:nvSpPr>
         <p:spPr>
           <a:xfrm>
-            <a:off x="360000" y="1485000"/>
-            <a:ext cx="9360000" cy="3780000"/>
+            <a:off x="504000" y="1326600"/>
+            <a:ext cx="9072000" cy="3288600"/>
           </a:xfrm>
           <a:prstGeom prst="rect">
             <a:avLst/>
@@ -2607,1090 +2084,8 @@
             <a:normAutofit/>
           </a:bodyPr>
           <a:p>
-            <a:endParaRPr b="1" lang="en-US" sz="2400" spc="-1" strike="noStrike">
-              <a:solidFill>
-                <a:srgbClr val="2c3e50"/>
-              </a:solidFill>
-              <a:latin typeface="Source Sans Pro Semibold"/>
-            </a:endParaRPr>
-          </a:p>
-        </p:txBody>
-      </p:sp>
-    </p:spTree>
-  </p:cSld>
-</p:sldLayout>
-</file>
-
-<file path=ppt/slideLayouts/slideLayout30.xml><?xml version="1.0" encoding="utf-8"?>
-<p:sldLayout xmlns:a="http://schemas.openxmlformats.org/drawingml/2006/main" xmlns:p="http://schemas.openxmlformats.org/presentationml/2006/main" xmlns:r="http://schemas.openxmlformats.org/officeDocument/2006/relationships" xmlns:p14="http://schemas.microsoft.com/office/powerpoint/2010/main" xmlns:p15="http://schemas.microsoft.com/office/powerpoint/2012/main" xmlns:mc="http://schemas.openxmlformats.org/markup-compatibility/2006" type="objOnly" preserve="1">
-  <p:cSld name="Centered Text">
-    <p:spTree>
-      <p:nvGrpSpPr>
-        <p:cNvPr id="1" name=""/>
-        <p:cNvGrpSpPr/>
-        <p:nvPr/>
-      </p:nvGrpSpPr>
-      <p:grpSpPr>
-        <a:xfrm>
-          <a:off x="0" y="0"/>
-          <a:ext cx="0" cy="0"/>
-          <a:chOff x="0" y="0"/>
-          <a:chExt cx="0" cy="0"/>
-        </a:xfrm>
-      </p:grpSpPr>
-      <p:sp>
-        <p:nvSpPr>
-          <p:cNvPr id="102" name="PlaceHolder 1"/>
-          <p:cNvSpPr>
-            <a:spLocks noGrp="1"/>
-          </p:cNvSpPr>
-          <p:nvPr>
-            <p:ph type="subTitle"/>
-          </p:nvPr>
-        </p:nvSpPr>
-        <p:spPr>
-          <a:xfrm>
-            <a:off x="360000" y="225720"/>
-            <a:ext cx="9360000" cy="3333960"/>
-          </a:xfrm>
-          <a:prstGeom prst="rect">
-            <a:avLst/>
-          </a:prstGeom>
-        </p:spPr>
-        <p:txBody>
-          <a:bodyPr lIns="0" rIns="0" tIns="0" bIns="0" anchor="ctr">
-            <a:noAutofit/>
-          </a:bodyPr>
-          <a:p>
-            <a:pPr algn="ctr"/>
             <a:endParaRPr b="0" lang="en-US" sz="3200" spc="-1" strike="noStrike">
-              <a:solidFill>
-                <a:srgbClr val="2c3e50"/>
-              </a:solidFill>
-              <a:latin typeface="Source Sans Pro"/>
-            </a:endParaRPr>
-          </a:p>
-        </p:txBody>
-      </p:sp>
-    </p:spTree>
-  </p:cSld>
-</p:sldLayout>
-</file>
-
-<file path=ppt/slideLayouts/slideLayout31.xml><?xml version="1.0" encoding="utf-8"?>
-<p:sldLayout xmlns:a="http://schemas.openxmlformats.org/drawingml/2006/main" xmlns:p="http://schemas.openxmlformats.org/presentationml/2006/main" xmlns:r="http://schemas.openxmlformats.org/officeDocument/2006/relationships" xmlns:p14="http://schemas.microsoft.com/office/powerpoint/2010/main" xmlns:p15="http://schemas.microsoft.com/office/powerpoint/2012/main" xmlns:mc="http://schemas.openxmlformats.org/markup-compatibility/2006" type="twoObjAndObj" preserve="1">
-  <p:cSld name="Title, 2 Content and Content">
-    <p:spTree>
-      <p:nvGrpSpPr>
-        <p:cNvPr id="1" name=""/>
-        <p:cNvGrpSpPr/>
-        <p:nvPr/>
-      </p:nvGrpSpPr>
-      <p:grpSpPr>
-        <a:xfrm>
-          <a:off x="0" y="0"/>
-          <a:ext cx="0" cy="0"/>
-          <a:chOff x="0" y="0"/>
-          <a:chExt cx="0" cy="0"/>
-        </a:xfrm>
-      </p:grpSpPr>
-      <p:sp>
-        <p:nvSpPr>
-          <p:cNvPr id="103" name="PlaceHolder 1"/>
-          <p:cNvSpPr>
-            <a:spLocks noGrp="1"/>
-          </p:cNvSpPr>
-          <p:nvPr>
-            <p:ph type="title"/>
-          </p:nvPr>
-        </p:nvSpPr>
-        <p:spPr>
-          <a:xfrm>
-            <a:off x="360000" y="225720"/>
-            <a:ext cx="9360000" cy="718920"/>
-          </a:xfrm>
-          <a:prstGeom prst="rect">
-            <a:avLst/>
-          </a:prstGeom>
-        </p:spPr>
-        <p:txBody>
-          <a:bodyPr lIns="0" rIns="0" tIns="0" bIns="0" anchor="ctr">
-            <a:noAutofit/>
-          </a:bodyPr>
-          <a:p>
-            <a:endParaRPr b="1" lang="en-US" sz="2700" spc="-1" strike="noStrike">
-              <a:solidFill>
-                <a:srgbClr val="ffffff"/>
-              </a:solidFill>
-              <a:latin typeface="Source Sans Pro Black"/>
-            </a:endParaRPr>
-          </a:p>
-        </p:txBody>
-      </p:sp>
-      <p:sp>
-        <p:nvSpPr>
-          <p:cNvPr id="104" name="PlaceHolder 2"/>
-          <p:cNvSpPr>
-            <a:spLocks noGrp="1"/>
-          </p:cNvSpPr>
-          <p:nvPr>
-            <p:ph type="body"/>
-          </p:nvPr>
-        </p:nvSpPr>
-        <p:spPr>
-          <a:xfrm>
-            <a:off x="360000" y="1485000"/>
-            <a:ext cx="4567320" cy="1802880"/>
-          </a:xfrm>
-          <a:prstGeom prst="rect">
-            <a:avLst/>
-          </a:prstGeom>
-        </p:spPr>
-        <p:txBody>
-          <a:bodyPr lIns="0" rIns="0" tIns="0" bIns="0">
-            <a:normAutofit/>
-          </a:bodyPr>
-          <a:p>
-            <a:endParaRPr b="1" lang="en-US" sz="2400" spc="-1" strike="noStrike">
-              <a:solidFill>
-                <a:srgbClr val="2c3e50"/>
-              </a:solidFill>
-              <a:latin typeface="Source Sans Pro Semibold"/>
-            </a:endParaRPr>
-          </a:p>
-        </p:txBody>
-      </p:sp>
-      <p:sp>
-        <p:nvSpPr>
-          <p:cNvPr id="105" name="PlaceHolder 3"/>
-          <p:cNvSpPr>
-            <a:spLocks noGrp="1"/>
-          </p:cNvSpPr>
-          <p:nvPr>
-            <p:ph type="body"/>
-          </p:nvPr>
-        </p:nvSpPr>
-        <p:spPr>
-          <a:xfrm>
-            <a:off x="5155920" y="1485000"/>
-            <a:ext cx="4567320" cy="3780000"/>
-          </a:xfrm>
-          <a:prstGeom prst="rect">
-            <a:avLst/>
-          </a:prstGeom>
-        </p:spPr>
-        <p:txBody>
-          <a:bodyPr lIns="0" rIns="0" tIns="0" bIns="0">
-            <a:normAutofit/>
-          </a:bodyPr>
-          <a:p>
-            <a:endParaRPr b="1" lang="en-US" sz="2400" spc="-1" strike="noStrike">
-              <a:solidFill>
-                <a:srgbClr val="2c3e50"/>
-              </a:solidFill>
-              <a:latin typeface="Source Sans Pro Semibold"/>
-            </a:endParaRPr>
-          </a:p>
-        </p:txBody>
-      </p:sp>
-      <p:sp>
-        <p:nvSpPr>
-          <p:cNvPr id="106" name="PlaceHolder 4"/>
-          <p:cNvSpPr>
-            <a:spLocks noGrp="1"/>
-          </p:cNvSpPr>
-          <p:nvPr>
-            <p:ph type="body"/>
-          </p:nvPr>
-        </p:nvSpPr>
-        <p:spPr>
-          <a:xfrm>
-            <a:off x="360000" y="3459600"/>
-            <a:ext cx="4567320" cy="1802880"/>
-          </a:xfrm>
-          <a:prstGeom prst="rect">
-            <a:avLst/>
-          </a:prstGeom>
-        </p:spPr>
-        <p:txBody>
-          <a:bodyPr lIns="0" rIns="0" tIns="0" bIns="0">
-            <a:normAutofit/>
-          </a:bodyPr>
-          <a:p>
-            <a:endParaRPr b="1" lang="en-US" sz="2400" spc="-1" strike="noStrike">
-              <a:solidFill>
-                <a:srgbClr val="2c3e50"/>
-              </a:solidFill>
-              <a:latin typeface="Source Sans Pro Semibold"/>
-            </a:endParaRPr>
-          </a:p>
-        </p:txBody>
-      </p:sp>
-    </p:spTree>
-  </p:cSld>
-</p:sldLayout>
-</file>
-
-<file path=ppt/slideLayouts/slideLayout32.xml><?xml version="1.0" encoding="utf-8"?>
-<p:sldLayout xmlns:a="http://schemas.openxmlformats.org/drawingml/2006/main" xmlns:p="http://schemas.openxmlformats.org/presentationml/2006/main" xmlns:r="http://schemas.openxmlformats.org/officeDocument/2006/relationships" xmlns:p14="http://schemas.microsoft.com/office/powerpoint/2010/main" xmlns:p15="http://schemas.microsoft.com/office/powerpoint/2012/main" xmlns:mc="http://schemas.openxmlformats.org/markup-compatibility/2006" type="objAndTwoObj" preserve="1">
-  <p:cSld name="Title Content and 2 Content">
-    <p:spTree>
-      <p:nvGrpSpPr>
-        <p:cNvPr id="1" name=""/>
-        <p:cNvGrpSpPr/>
-        <p:nvPr/>
-      </p:nvGrpSpPr>
-      <p:grpSpPr>
-        <a:xfrm>
-          <a:off x="0" y="0"/>
-          <a:ext cx="0" cy="0"/>
-          <a:chOff x="0" y="0"/>
-          <a:chExt cx="0" cy="0"/>
-        </a:xfrm>
-      </p:grpSpPr>
-      <p:sp>
-        <p:nvSpPr>
-          <p:cNvPr id="107" name="PlaceHolder 1"/>
-          <p:cNvSpPr>
-            <a:spLocks noGrp="1"/>
-          </p:cNvSpPr>
-          <p:nvPr>
-            <p:ph type="title"/>
-          </p:nvPr>
-        </p:nvSpPr>
-        <p:spPr>
-          <a:xfrm>
-            <a:off x="360000" y="225720"/>
-            <a:ext cx="9360000" cy="718920"/>
-          </a:xfrm>
-          <a:prstGeom prst="rect">
-            <a:avLst/>
-          </a:prstGeom>
-        </p:spPr>
-        <p:txBody>
-          <a:bodyPr lIns="0" rIns="0" tIns="0" bIns="0" anchor="ctr">
-            <a:noAutofit/>
-          </a:bodyPr>
-          <a:p>
-            <a:endParaRPr b="1" lang="en-US" sz="2700" spc="-1" strike="noStrike">
-              <a:solidFill>
-                <a:srgbClr val="ffffff"/>
-              </a:solidFill>
-              <a:latin typeface="Source Sans Pro Black"/>
-            </a:endParaRPr>
-          </a:p>
-        </p:txBody>
-      </p:sp>
-      <p:sp>
-        <p:nvSpPr>
-          <p:cNvPr id="108" name="PlaceHolder 2"/>
-          <p:cNvSpPr>
-            <a:spLocks noGrp="1"/>
-          </p:cNvSpPr>
-          <p:nvPr>
-            <p:ph type="body"/>
-          </p:nvPr>
-        </p:nvSpPr>
-        <p:spPr>
-          <a:xfrm>
-            <a:off x="360000" y="1485000"/>
-            <a:ext cx="4567320" cy="3780000"/>
-          </a:xfrm>
-          <a:prstGeom prst="rect">
-            <a:avLst/>
-          </a:prstGeom>
-        </p:spPr>
-        <p:txBody>
-          <a:bodyPr lIns="0" rIns="0" tIns="0" bIns="0">
-            <a:normAutofit/>
-          </a:bodyPr>
-          <a:p>
-            <a:endParaRPr b="1" lang="en-US" sz="2400" spc="-1" strike="noStrike">
-              <a:solidFill>
-                <a:srgbClr val="2c3e50"/>
-              </a:solidFill>
-              <a:latin typeface="Source Sans Pro Semibold"/>
-            </a:endParaRPr>
-          </a:p>
-        </p:txBody>
-      </p:sp>
-      <p:sp>
-        <p:nvSpPr>
-          <p:cNvPr id="109" name="PlaceHolder 3"/>
-          <p:cNvSpPr>
-            <a:spLocks noGrp="1"/>
-          </p:cNvSpPr>
-          <p:nvPr>
-            <p:ph type="body"/>
-          </p:nvPr>
-        </p:nvSpPr>
-        <p:spPr>
-          <a:xfrm>
-            <a:off x="5155920" y="1485000"/>
-            <a:ext cx="4567320" cy="1802880"/>
-          </a:xfrm>
-          <a:prstGeom prst="rect">
-            <a:avLst/>
-          </a:prstGeom>
-        </p:spPr>
-        <p:txBody>
-          <a:bodyPr lIns="0" rIns="0" tIns="0" bIns="0">
-            <a:normAutofit/>
-          </a:bodyPr>
-          <a:p>
-            <a:endParaRPr b="1" lang="en-US" sz="2400" spc="-1" strike="noStrike">
-              <a:solidFill>
-                <a:srgbClr val="2c3e50"/>
-              </a:solidFill>
-              <a:latin typeface="Source Sans Pro Semibold"/>
-            </a:endParaRPr>
-          </a:p>
-        </p:txBody>
-      </p:sp>
-      <p:sp>
-        <p:nvSpPr>
-          <p:cNvPr id="110" name="PlaceHolder 4"/>
-          <p:cNvSpPr>
-            <a:spLocks noGrp="1"/>
-          </p:cNvSpPr>
-          <p:nvPr>
-            <p:ph type="body"/>
-          </p:nvPr>
-        </p:nvSpPr>
-        <p:spPr>
-          <a:xfrm>
-            <a:off x="5155920" y="3459600"/>
-            <a:ext cx="4567320" cy="1802880"/>
-          </a:xfrm>
-          <a:prstGeom prst="rect">
-            <a:avLst/>
-          </a:prstGeom>
-        </p:spPr>
-        <p:txBody>
-          <a:bodyPr lIns="0" rIns="0" tIns="0" bIns="0">
-            <a:normAutofit/>
-          </a:bodyPr>
-          <a:p>
-            <a:endParaRPr b="1" lang="en-US" sz="2400" spc="-1" strike="noStrike">
-              <a:solidFill>
-                <a:srgbClr val="2c3e50"/>
-              </a:solidFill>
-              <a:latin typeface="Source Sans Pro Semibold"/>
-            </a:endParaRPr>
-          </a:p>
-        </p:txBody>
-      </p:sp>
-    </p:spTree>
-  </p:cSld>
-</p:sldLayout>
-</file>
-
-<file path=ppt/slideLayouts/slideLayout33.xml><?xml version="1.0" encoding="utf-8"?>
-<p:sldLayout xmlns:a="http://schemas.openxmlformats.org/drawingml/2006/main" xmlns:p="http://schemas.openxmlformats.org/presentationml/2006/main" xmlns:r="http://schemas.openxmlformats.org/officeDocument/2006/relationships" xmlns:p14="http://schemas.microsoft.com/office/powerpoint/2010/main" xmlns:p15="http://schemas.microsoft.com/office/powerpoint/2012/main" xmlns:mc="http://schemas.openxmlformats.org/markup-compatibility/2006" type="twoObjOverTx" preserve="1">
-  <p:cSld name="Title, 2 Content over Content">
-    <p:spTree>
-      <p:nvGrpSpPr>
-        <p:cNvPr id="1" name=""/>
-        <p:cNvGrpSpPr/>
-        <p:nvPr/>
-      </p:nvGrpSpPr>
-      <p:grpSpPr>
-        <a:xfrm>
-          <a:off x="0" y="0"/>
-          <a:ext cx="0" cy="0"/>
-          <a:chOff x="0" y="0"/>
-          <a:chExt cx="0" cy="0"/>
-        </a:xfrm>
-      </p:grpSpPr>
-      <p:sp>
-        <p:nvSpPr>
-          <p:cNvPr id="111" name="PlaceHolder 1"/>
-          <p:cNvSpPr>
-            <a:spLocks noGrp="1"/>
-          </p:cNvSpPr>
-          <p:nvPr>
-            <p:ph type="title"/>
-          </p:nvPr>
-        </p:nvSpPr>
-        <p:spPr>
-          <a:xfrm>
-            <a:off x="360000" y="225720"/>
-            <a:ext cx="9360000" cy="718920"/>
-          </a:xfrm>
-          <a:prstGeom prst="rect">
-            <a:avLst/>
-          </a:prstGeom>
-        </p:spPr>
-        <p:txBody>
-          <a:bodyPr lIns="0" rIns="0" tIns="0" bIns="0" anchor="ctr">
-            <a:noAutofit/>
-          </a:bodyPr>
-          <a:p>
-            <a:endParaRPr b="1" lang="en-US" sz="2700" spc="-1" strike="noStrike">
-              <a:solidFill>
-                <a:srgbClr val="ffffff"/>
-              </a:solidFill>
-              <a:latin typeface="Source Sans Pro Black"/>
-            </a:endParaRPr>
-          </a:p>
-        </p:txBody>
-      </p:sp>
-      <p:sp>
-        <p:nvSpPr>
-          <p:cNvPr id="112" name="PlaceHolder 2"/>
-          <p:cNvSpPr>
-            <a:spLocks noGrp="1"/>
-          </p:cNvSpPr>
-          <p:nvPr>
-            <p:ph type="body"/>
-          </p:nvPr>
-        </p:nvSpPr>
-        <p:spPr>
-          <a:xfrm>
-            <a:off x="360000" y="1485000"/>
-            <a:ext cx="4567320" cy="1802880"/>
-          </a:xfrm>
-          <a:prstGeom prst="rect">
-            <a:avLst/>
-          </a:prstGeom>
-        </p:spPr>
-        <p:txBody>
-          <a:bodyPr lIns="0" rIns="0" tIns="0" bIns="0">
-            <a:normAutofit/>
-          </a:bodyPr>
-          <a:p>
-            <a:endParaRPr b="1" lang="en-US" sz="2400" spc="-1" strike="noStrike">
-              <a:solidFill>
-                <a:srgbClr val="2c3e50"/>
-              </a:solidFill>
-              <a:latin typeface="Source Sans Pro Semibold"/>
-            </a:endParaRPr>
-          </a:p>
-        </p:txBody>
-      </p:sp>
-      <p:sp>
-        <p:nvSpPr>
-          <p:cNvPr id="113" name="PlaceHolder 3"/>
-          <p:cNvSpPr>
-            <a:spLocks noGrp="1"/>
-          </p:cNvSpPr>
-          <p:nvPr>
-            <p:ph type="body"/>
-          </p:nvPr>
-        </p:nvSpPr>
-        <p:spPr>
-          <a:xfrm>
-            <a:off x="5155920" y="1485000"/>
-            <a:ext cx="4567320" cy="1802880"/>
-          </a:xfrm>
-          <a:prstGeom prst="rect">
-            <a:avLst/>
-          </a:prstGeom>
-        </p:spPr>
-        <p:txBody>
-          <a:bodyPr lIns="0" rIns="0" tIns="0" bIns="0">
-            <a:normAutofit/>
-          </a:bodyPr>
-          <a:p>
-            <a:endParaRPr b="1" lang="en-US" sz="2400" spc="-1" strike="noStrike">
-              <a:solidFill>
-                <a:srgbClr val="2c3e50"/>
-              </a:solidFill>
-              <a:latin typeface="Source Sans Pro Semibold"/>
-            </a:endParaRPr>
-          </a:p>
-        </p:txBody>
-      </p:sp>
-      <p:sp>
-        <p:nvSpPr>
-          <p:cNvPr id="114" name="PlaceHolder 4"/>
-          <p:cNvSpPr>
-            <a:spLocks noGrp="1"/>
-          </p:cNvSpPr>
-          <p:nvPr>
-            <p:ph type="body"/>
-          </p:nvPr>
-        </p:nvSpPr>
-        <p:spPr>
-          <a:xfrm>
-            <a:off x="360000" y="3459600"/>
-            <a:ext cx="9360000" cy="1802880"/>
-          </a:xfrm>
-          <a:prstGeom prst="rect">
-            <a:avLst/>
-          </a:prstGeom>
-        </p:spPr>
-        <p:txBody>
-          <a:bodyPr lIns="0" rIns="0" tIns="0" bIns="0">
-            <a:normAutofit/>
-          </a:bodyPr>
-          <a:p>
-            <a:endParaRPr b="1" lang="en-US" sz="2400" spc="-1" strike="noStrike">
-              <a:solidFill>
-                <a:srgbClr val="2c3e50"/>
-              </a:solidFill>
-              <a:latin typeface="Source Sans Pro Semibold"/>
-            </a:endParaRPr>
-          </a:p>
-        </p:txBody>
-      </p:sp>
-    </p:spTree>
-  </p:cSld>
-</p:sldLayout>
-</file>
-
-<file path=ppt/slideLayouts/slideLayout34.xml><?xml version="1.0" encoding="utf-8"?>
-<p:sldLayout xmlns:a="http://schemas.openxmlformats.org/drawingml/2006/main" xmlns:p="http://schemas.openxmlformats.org/presentationml/2006/main" xmlns:r="http://schemas.openxmlformats.org/officeDocument/2006/relationships" xmlns:p14="http://schemas.microsoft.com/office/powerpoint/2010/main" xmlns:p15="http://schemas.microsoft.com/office/powerpoint/2012/main" xmlns:mc="http://schemas.openxmlformats.org/markup-compatibility/2006" type="objOverTx" preserve="1">
-  <p:cSld name="Title, Content over Content">
-    <p:spTree>
-      <p:nvGrpSpPr>
-        <p:cNvPr id="1" name=""/>
-        <p:cNvGrpSpPr/>
-        <p:nvPr/>
-      </p:nvGrpSpPr>
-      <p:grpSpPr>
-        <a:xfrm>
-          <a:off x="0" y="0"/>
-          <a:ext cx="0" cy="0"/>
-          <a:chOff x="0" y="0"/>
-          <a:chExt cx="0" cy="0"/>
-        </a:xfrm>
-      </p:grpSpPr>
-      <p:sp>
-        <p:nvSpPr>
-          <p:cNvPr id="115" name="PlaceHolder 1"/>
-          <p:cNvSpPr>
-            <a:spLocks noGrp="1"/>
-          </p:cNvSpPr>
-          <p:nvPr>
-            <p:ph type="title"/>
-          </p:nvPr>
-        </p:nvSpPr>
-        <p:spPr>
-          <a:xfrm>
-            <a:off x="360000" y="225720"/>
-            <a:ext cx="9360000" cy="718920"/>
-          </a:xfrm>
-          <a:prstGeom prst="rect">
-            <a:avLst/>
-          </a:prstGeom>
-        </p:spPr>
-        <p:txBody>
-          <a:bodyPr lIns="0" rIns="0" tIns="0" bIns="0" anchor="ctr">
-            <a:noAutofit/>
-          </a:bodyPr>
-          <a:p>
-            <a:endParaRPr b="1" lang="en-US" sz="2700" spc="-1" strike="noStrike">
-              <a:solidFill>
-                <a:srgbClr val="ffffff"/>
-              </a:solidFill>
-              <a:latin typeface="Source Sans Pro Black"/>
-            </a:endParaRPr>
-          </a:p>
-        </p:txBody>
-      </p:sp>
-      <p:sp>
-        <p:nvSpPr>
-          <p:cNvPr id="116" name="PlaceHolder 2"/>
-          <p:cNvSpPr>
-            <a:spLocks noGrp="1"/>
-          </p:cNvSpPr>
-          <p:nvPr>
-            <p:ph type="body"/>
-          </p:nvPr>
-        </p:nvSpPr>
-        <p:spPr>
-          <a:xfrm>
-            <a:off x="360000" y="1485000"/>
-            <a:ext cx="9360000" cy="1802880"/>
-          </a:xfrm>
-          <a:prstGeom prst="rect">
-            <a:avLst/>
-          </a:prstGeom>
-        </p:spPr>
-        <p:txBody>
-          <a:bodyPr lIns="0" rIns="0" tIns="0" bIns="0">
-            <a:normAutofit/>
-          </a:bodyPr>
-          <a:p>
-            <a:endParaRPr b="1" lang="en-US" sz="2400" spc="-1" strike="noStrike">
-              <a:solidFill>
-                <a:srgbClr val="2c3e50"/>
-              </a:solidFill>
-              <a:latin typeface="Source Sans Pro Semibold"/>
-            </a:endParaRPr>
-          </a:p>
-        </p:txBody>
-      </p:sp>
-      <p:sp>
-        <p:nvSpPr>
-          <p:cNvPr id="117" name="PlaceHolder 3"/>
-          <p:cNvSpPr>
-            <a:spLocks noGrp="1"/>
-          </p:cNvSpPr>
-          <p:nvPr>
-            <p:ph type="body"/>
-          </p:nvPr>
-        </p:nvSpPr>
-        <p:spPr>
-          <a:xfrm>
-            <a:off x="360000" y="3459600"/>
-            <a:ext cx="9360000" cy="1802880"/>
-          </a:xfrm>
-          <a:prstGeom prst="rect">
-            <a:avLst/>
-          </a:prstGeom>
-        </p:spPr>
-        <p:txBody>
-          <a:bodyPr lIns="0" rIns="0" tIns="0" bIns="0">
-            <a:normAutofit/>
-          </a:bodyPr>
-          <a:p>
-            <a:endParaRPr b="1" lang="en-US" sz="2400" spc="-1" strike="noStrike">
-              <a:solidFill>
-                <a:srgbClr val="2c3e50"/>
-              </a:solidFill>
-              <a:latin typeface="Source Sans Pro Semibold"/>
-            </a:endParaRPr>
-          </a:p>
-        </p:txBody>
-      </p:sp>
-    </p:spTree>
-  </p:cSld>
-</p:sldLayout>
-</file>
-
-<file path=ppt/slideLayouts/slideLayout35.xml><?xml version="1.0" encoding="utf-8"?>
-<p:sldLayout xmlns:a="http://schemas.openxmlformats.org/drawingml/2006/main" xmlns:p="http://schemas.openxmlformats.org/presentationml/2006/main" xmlns:r="http://schemas.openxmlformats.org/officeDocument/2006/relationships" xmlns:p14="http://schemas.microsoft.com/office/powerpoint/2010/main" xmlns:p15="http://schemas.microsoft.com/office/powerpoint/2012/main" xmlns:mc="http://schemas.openxmlformats.org/markup-compatibility/2006" type="fourObj" preserve="1">
-  <p:cSld name="Title, 4 Content">
-    <p:spTree>
-      <p:nvGrpSpPr>
-        <p:cNvPr id="1" name=""/>
-        <p:cNvGrpSpPr/>
-        <p:nvPr/>
-      </p:nvGrpSpPr>
-      <p:grpSpPr>
-        <a:xfrm>
-          <a:off x="0" y="0"/>
-          <a:ext cx="0" cy="0"/>
-          <a:chOff x="0" y="0"/>
-          <a:chExt cx="0" cy="0"/>
-        </a:xfrm>
-      </p:grpSpPr>
-      <p:sp>
-        <p:nvSpPr>
-          <p:cNvPr id="118" name="PlaceHolder 1"/>
-          <p:cNvSpPr>
-            <a:spLocks noGrp="1"/>
-          </p:cNvSpPr>
-          <p:nvPr>
-            <p:ph type="title"/>
-          </p:nvPr>
-        </p:nvSpPr>
-        <p:spPr>
-          <a:xfrm>
-            <a:off x="360000" y="225720"/>
-            <a:ext cx="9360000" cy="718920"/>
-          </a:xfrm>
-          <a:prstGeom prst="rect">
-            <a:avLst/>
-          </a:prstGeom>
-        </p:spPr>
-        <p:txBody>
-          <a:bodyPr lIns="0" rIns="0" tIns="0" bIns="0" anchor="ctr">
-            <a:noAutofit/>
-          </a:bodyPr>
-          <a:p>
-            <a:endParaRPr b="1" lang="en-US" sz="2700" spc="-1" strike="noStrike">
-              <a:solidFill>
-                <a:srgbClr val="ffffff"/>
-              </a:solidFill>
-              <a:latin typeface="Source Sans Pro Black"/>
-            </a:endParaRPr>
-          </a:p>
-        </p:txBody>
-      </p:sp>
-      <p:sp>
-        <p:nvSpPr>
-          <p:cNvPr id="119" name="PlaceHolder 2"/>
-          <p:cNvSpPr>
-            <a:spLocks noGrp="1"/>
-          </p:cNvSpPr>
-          <p:nvPr>
-            <p:ph type="body"/>
-          </p:nvPr>
-        </p:nvSpPr>
-        <p:spPr>
-          <a:xfrm>
-            <a:off x="360000" y="1485000"/>
-            <a:ext cx="4567320" cy="1802880"/>
-          </a:xfrm>
-          <a:prstGeom prst="rect">
-            <a:avLst/>
-          </a:prstGeom>
-        </p:spPr>
-        <p:txBody>
-          <a:bodyPr lIns="0" rIns="0" tIns="0" bIns="0">
-            <a:normAutofit/>
-          </a:bodyPr>
-          <a:p>
-            <a:endParaRPr b="1" lang="en-US" sz="2400" spc="-1" strike="noStrike">
-              <a:solidFill>
-                <a:srgbClr val="2c3e50"/>
-              </a:solidFill>
-              <a:latin typeface="Source Sans Pro Semibold"/>
-            </a:endParaRPr>
-          </a:p>
-        </p:txBody>
-      </p:sp>
-      <p:sp>
-        <p:nvSpPr>
-          <p:cNvPr id="120" name="PlaceHolder 3"/>
-          <p:cNvSpPr>
-            <a:spLocks noGrp="1"/>
-          </p:cNvSpPr>
-          <p:nvPr>
-            <p:ph type="body"/>
-          </p:nvPr>
-        </p:nvSpPr>
-        <p:spPr>
-          <a:xfrm>
-            <a:off x="5155920" y="1485000"/>
-            <a:ext cx="4567320" cy="1802880"/>
-          </a:xfrm>
-          <a:prstGeom prst="rect">
-            <a:avLst/>
-          </a:prstGeom>
-        </p:spPr>
-        <p:txBody>
-          <a:bodyPr lIns="0" rIns="0" tIns="0" bIns="0">
-            <a:normAutofit/>
-          </a:bodyPr>
-          <a:p>
-            <a:endParaRPr b="1" lang="en-US" sz="2400" spc="-1" strike="noStrike">
-              <a:solidFill>
-                <a:srgbClr val="2c3e50"/>
-              </a:solidFill>
-              <a:latin typeface="Source Sans Pro Semibold"/>
-            </a:endParaRPr>
-          </a:p>
-        </p:txBody>
-      </p:sp>
-      <p:sp>
-        <p:nvSpPr>
-          <p:cNvPr id="121" name="PlaceHolder 4"/>
-          <p:cNvSpPr>
-            <a:spLocks noGrp="1"/>
-          </p:cNvSpPr>
-          <p:nvPr>
-            <p:ph type="body"/>
-          </p:nvPr>
-        </p:nvSpPr>
-        <p:spPr>
-          <a:xfrm>
-            <a:off x="360000" y="3459600"/>
-            <a:ext cx="4567320" cy="1802880"/>
-          </a:xfrm>
-          <a:prstGeom prst="rect">
-            <a:avLst/>
-          </a:prstGeom>
-        </p:spPr>
-        <p:txBody>
-          <a:bodyPr lIns="0" rIns="0" tIns="0" bIns="0">
-            <a:normAutofit/>
-          </a:bodyPr>
-          <a:p>
-            <a:endParaRPr b="1" lang="en-US" sz="2400" spc="-1" strike="noStrike">
-              <a:solidFill>
-                <a:srgbClr val="2c3e50"/>
-              </a:solidFill>
-              <a:latin typeface="Source Sans Pro Semibold"/>
-            </a:endParaRPr>
-          </a:p>
-        </p:txBody>
-      </p:sp>
-      <p:sp>
-        <p:nvSpPr>
-          <p:cNvPr id="122" name="PlaceHolder 5"/>
-          <p:cNvSpPr>
-            <a:spLocks noGrp="1"/>
-          </p:cNvSpPr>
-          <p:nvPr>
-            <p:ph type="body"/>
-          </p:nvPr>
-        </p:nvSpPr>
-        <p:spPr>
-          <a:xfrm>
-            <a:off x="5155920" y="3459600"/>
-            <a:ext cx="4567320" cy="1802880"/>
-          </a:xfrm>
-          <a:prstGeom prst="rect">
-            <a:avLst/>
-          </a:prstGeom>
-        </p:spPr>
-        <p:txBody>
-          <a:bodyPr lIns="0" rIns="0" tIns="0" bIns="0">
-            <a:normAutofit/>
-          </a:bodyPr>
-          <a:p>
-            <a:endParaRPr b="1" lang="en-US" sz="2400" spc="-1" strike="noStrike">
-              <a:solidFill>
-                <a:srgbClr val="2c3e50"/>
-              </a:solidFill>
-              <a:latin typeface="Source Sans Pro Semibold"/>
-            </a:endParaRPr>
-          </a:p>
-        </p:txBody>
-      </p:sp>
-    </p:spTree>
-  </p:cSld>
-</p:sldLayout>
-</file>
-
-<file path=ppt/slideLayouts/slideLayout36.xml><?xml version="1.0" encoding="utf-8"?>
-<p:sldLayout xmlns:a="http://schemas.openxmlformats.org/drawingml/2006/main" xmlns:p="http://schemas.openxmlformats.org/presentationml/2006/main" xmlns:r="http://schemas.openxmlformats.org/officeDocument/2006/relationships" xmlns:p14="http://schemas.microsoft.com/office/powerpoint/2010/main" xmlns:p15="http://schemas.microsoft.com/office/powerpoint/2012/main" xmlns:mc="http://schemas.openxmlformats.org/markup-compatibility/2006" type="blank" preserve="1">
-  <p:cSld name="Title, 6 Content">
-    <p:spTree>
-      <p:nvGrpSpPr>
-        <p:cNvPr id="1" name=""/>
-        <p:cNvGrpSpPr/>
-        <p:nvPr/>
-      </p:nvGrpSpPr>
-      <p:grpSpPr>
-        <a:xfrm>
-          <a:off x="0" y="0"/>
-          <a:ext cx="0" cy="0"/>
-          <a:chOff x="0" y="0"/>
-          <a:chExt cx="0" cy="0"/>
-        </a:xfrm>
-      </p:grpSpPr>
-      <p:sp>
-        <p:nvSpPr>
-          <p:cNvPr id="123" name="PlaceHolder 1"/>
-          <p:cNvSpPr>
-            <a:spLocks noGrp="1"/>
-          </p:cNvSpPr>
-          <p:nvPr>
-            <p:ph type="title"/>
-          </p:nvPr>
-        </p:nvSpPr>
-        <p:spPr>
-          <a:xfrm>
-            <a:off x="360000" y="225720"/>
-            <a:ext cx="9360000" cy="718920"/>
-          </a:xfrm>
-          <a:prstGeom prst="rect">
-            <a:avLst/>
-          </a:prstGeom>
-        </p:spPr>
-        <p:txBody>
-          <a:bodyPr lIns="0" rIns="0" tIns="0" bIns="0" anchor="ctr">
-            <a:noAutofit/>
-          </a:bodyPr>
-          <a:p>
-            <a:endParaRPr b="1" lang="en-US" sz="2700" spc="-1" strike="noStrike">
-              <a:solidFill>
-                <a:srgbClr val="ffffff"/>
-              </a:solidFill>
-              <a:latin typeface="Source Sans Pro Black"/>
-            </a:endParaRPr>
-          </a:p>
-        </p:txBody>
-      </p:sp>
-      <p:sp>
-        <p:nvSpPr>
-          <p:cNvPr id="124" name="PlaceHolder 2"/>
-          <p:cNvSpPr>
-            <a:spLocks noGrp="1"/>
-          </p:cNvSpPr>
-          <p:nvPr>
-            <p:ph type="body"/>
-          </p:nvPr>
-        </p:nvSpPr>
-        <p:spPr>
-          <a:xfrm>
-            <a:off x="360000" y="1485000"/>
-            <a:ext cx="3013560" cy="1802880"/>
-          </a:xfrm>
-          <a:prstGeom prst="rect">
-            <a:avLst/>
-          </a:prstGeom>
-        </p:spPr>
-        <p:txBody>
-          <a:bodyPr lIns="0" rIns="0" tIns="0" bIns="0">
-            <a:normAutofit/>
-          </a:bodyPr>
-          <a:p>
-            <a:endParaRPr b="1" lang="en-US" sz="2400" spc="-1" strike="noStrike">
-              <a:solidFill>
-                <a:srgbClr val="2c3e50"/>
-              </a:solidFill>
-              <a:latin typeface="Source Sans Pro Semibold"/>
-            </a:endParaRPr>
-          </a:p>
-        </p:txBody>
-      </p:sp>
-      <p:sp>
-        <p:nvSpPr>
-          <p:cNvPr id="125" name="PlaceHolder 3"/>
-          <p:cNvSpPr>
-            <a:spLocks noGrp="1"/>
-          </p:cNvSpPr>
-          <p:nvPr>
-            <p:ph type="body"/>
-          </p:nvPr>
-        </p:nvSpPr>
-        <p:spPr>
-          <a:xfrm>
-            <a:off x="3524760" y="1485000"/>
-            <a:ext cx="3013560" cy="1802880"/>
-          </a:xfrm>
-          <a:prstGeom prst="rect">
-            <a:avLst/>
-          </a:prstGeom>
-        </p:spPr>
-        <p:txBody>
-          <a:bodyPr lIns="0" rIns="0" tIns="0" bIns="0">
-            <a:normAutofit/>
-          </a:bodyPr>
-          <a:p>
-            <a:endParaRPr b="1" lang="en-US" sz="2400" spc="-1" strike="noStrike">
-              <a:solidFill>
-                <a:srgbClr val="2c3e50"/>
-              </a:solidFill>
-              <a:latin typeface="Source Sans Pro Semibold"/>
-            </a:endParaRPr>
-          </a:p>
-        </p:txBody>
-      </p:sp>
-      <p:sp>
-        <p:nvSpPr>
-          <p:cNvPr id="126" name="PlaceHolder 4"/>
-          <p:cNvSpPr>
-            <a:spLocks noGrp="1"/>
-          </p:cNvSpPr>
-          <p:nvPr>
-            <p:ph type="body"/>
-          </p:nvPr>
-        </p:nvSpPr>
-        <p:spPr>
-          <a:xfrm>
-            <a:off x="6689160" y="1485000"/>
-            <a:ext cx="3013560" cy="1802880"/>
-          </a:xfrm>
-          <a:prstGeom prst="rect">
-            <a:avLst/>
-          </a:prstGeom>
-        </p:spPr>
-        <p:txBody>
-          <a:bodyPr lIns="0" rIns="0" tIns="0" bIns="0">
-            <a:normAutofit/>
-          </a:bodyPr>
-          <a:p>
-            <a:endParaRPr b="1" lang="en-US" sz="2400" spc="-1" strike="noStrike">
-              <a:solidFill>
-                <a:srgbClr val="2c3e50"/>
-              </a:solidFill>
-              <a:latin typeface="Source Sans Pro Semibold"/>
-            </a:endParaRPr>
-          </a:p>
-        </p:txBody>
-      </p:sp>
-      <p:sp>
-        <p:nvSpPr>
-          <p:cNvPr id="127" name="PlaceHolder 5"/>
-          <p:cNvSpPr>
-            <a:spLocks noGrp="1"/>
-          </p:cNvSpPr>
-          <p:nvPr>
-            <p:ph type="body"/>
-          </p:nvPr>
-        </p:nvSpPr>
-        <p:spPr>
-          <a:xfrm>
-            <a:off x="360000" y="3459600"/>
-            <a:ext cx="3013560" cy="1802880"/>
-          </a:xfrm>
-          <a:prstGeom prst="rect">
-            <a:avLst/>
-          </a:prstGeom>
-        </p:spPr>
-        <p:txBody>
-          <a:bodyPr lIns="0" rIns="0" tIns="0" bIns="0">
-            <a:normAutofit/>
-          </a:bodyPr>
-          <a:p>
-            <a:endParaRPr b="1" lang="en-US" sz="2400" spc="-1" strike="noStrike">
-              <a:solidFill>
-                <a:srgbClr val="2c3e50"/>
-              </a:solidFill>
-              <a:latin typeface="Source Sans Pro Semibold"/>
-            </a:endParaRPr>
-          </a:p>
-        </p:txBody>
-      </p:sp>
-      <p:sp>
-        <p:nvSpPr>
-          <p:cNvPr id="128" name="PlaceHolder 6"/>
-          <p:cNvSpPr>
-            <a:spLocks noGrp="1"/>
-          </p:cNvSpPr>
-          <p:nvPr>
-            <p:ph type="body"/>
-          </p:nvPr>
-        </p:nvSpPr>
-        <p:spPr>
-          <a:xfrm>
-            <a:off x="3524760" y="3459600"/>
-            <a:ext cx="3013560" cy="1802880"/>
-          </a:xfrm>
-          <a:prstGeom prst="rect">
-            <a:avLst/>
-          </a:prstGeom>
-        </p:spPr>
-        <p:txBody>
-          <a:bodyPr lIns="0" rIns="0" tIns="0" bIns="0">
-            <a:normAutofit/>
-          </a:bodyPr>
-          <a:p>
-            <a:endParaRPr b="1" lang="en-US" sz="2400" spc="-1" strike="noStrike">
-              <a:solidFill>
-                <a:srgbClr val="2c3e50"/>
-              </a:solidFill>
-              <a:latin typeface="Source Sans Pro Semibold"/>
-            </a:endParaRPr>
-          </a:p>
-        </p:txBody>
-      </p:sp>
-      <p:sp>
-        <p:nvSpPr>
-          <p:cNvPr id="129" name="PlaceHolder 7"/>
-          <p:cNvSpPr>
-            <a:spLocks noGrp="1"/>
-          </p:cNvSpPr>
-          <p:nvPr>
-            <p:ph type="body"/>
-          </p:nvPr>
-        </p:nvSpPr>
-        <p:spPr>
-          <a:xfrm>
-            <a:off x="6689160" y="3459600"/>
-            <a:ext cx="3013560" cy="1802880"/>
-          </a:xfrm>
-          <a:prstGeom prst="rect">
-            <a:avLst/>
-          </a:prstGeom>
-        </p:spPr>
-        <p:txBody>
-          <a:bodyPr lIns="0" rIns="0" tIns="0" bIns="0">
-            <a:normAutofit/>
-          </a:bodyPr>
-          <a:p>
-            <a:endParaRPr b="1" lang="en-US" sz="2400" spc="-1" strike="noStrike">
-              <a:solidFill>
-                <a:srgbClr val="2c3e50"/>
-              </a:solidFill>
-              <a:latin typeface="Source Sans Pro Semibold"/>
+              <a:latin typeface="Arial"/>
             </a:endParaRPr>
           </a:p>
         </p:txBody>
@@ -3719,7 +2114,7 @@
       </p:grpSpPr>
       <p:sp>
         <p:nvSpPr>
-          <p:cNvPr id="12" name="PlaceHolder 1"/>
+          <p:cNvPr id="8" name="PlaceHolder 1"/>
           <p:cNvSpPr>
             <a:spLocks noGrp="1"/>
           </p:cNvSpPr>
@@ -3729,8 +2124,8 @@
         </p:nvSpPr>
         <p:spPr>
           <a:xfrm>
-            <a:off x="360000" y="225720"/>
-            <a:ext cx="9360000" cy="718920"/>
+            <a:off x="504000" y="226080"/>
+            <a:ext cx="9072000" cy="946440"/>
           </a:xfrm>
           <a:prstGeom prst="rect">
             <a:avLst/>
@@ -3741,18 +2136,16 @@
             <a:noAutofit/>
           </a:bodyPr>
           <a:p>
-            <a:endParaRPr b="1" lang="en-US" sz="2700" spc="-1" strike="noStrike">
-              <a:solidFill>
-                <a:srgbClr val="ffffff"/>
-              </a:solidFill>
-              <a:latin typeface="Source Sans Pro Black"/>
-            </a:endParaRPr>
-          </a:p>
-        </p:txBody>
-      </p:sp>
-      <p:sp>
-        <p:nvSpPr>
-          <p:cNvPr id="13" name="PlaceHolder 2"/>
+            <a:pPr algn="ctr"/>
+            <a:endParaRPr b="0" lang="en-US" sz="4400" spc="-1" strike="noStrike">
+              <a:latin typeface="Arial"/>
+            </a:endParaRPr>
+          </a:p>
+        </p:txBody>
+      </p:sp>
+      <p:sp>
+        <p:nvSpPr>
+          <p:cNvPr id="9" name="PlaceHolder 2"/>
           <p:cNvSpPr>
             <a:spLocks noGrp="1"/>
           </p:cNvSpPr>
@@ -3762,8 +2155,8 @@
         </p:nvSpPr>
         <p:spPr>
           <a:xfrm>
-            <a:off x="360000" y="1485000"/>
-            <a:ext cx="4567320" cy="3780000"/>
+            <a:off x="504000" y="1326600"/>
+            <a:ext cx="4426920" cy="3288600"/>
           </a:xfrm>
           <a:prstGeom prst="rect">
             <a:avLst/>
@@ -3774,18 +2167,15 @@
             <a:normAutofit/>
           </a:bodyPr>
           <a:p>
-            <a:endParaRPr b="1" lang="en-US" sz="2400" spc="-1" strike="noStrike">
-              <a:solidFill>
-                <a:srgbClr val="2c3e50"/>
-              </a:solidFill>
-              <a:latin typeface="Source Sans Pro Semibold"/>
-            </a:endParaRPr>
-          </a:p>
-        </p:txBody>
-      </p:sp>
-      <p:sp>
-        <p:nvSpPr>
-          <p:cNvPr id="14" name="PlaceHolder 3"/>
+            <a:endParaRPr b="0" lang="en-US" sz="3200" spc="-1" strike="noStrike">
+              <a:latin typeface="Arial"/>
+            </a:endParaRPr>
+          </a:p>
+        </p:txBody>
+      </p:sp>
+      <p:sp>
+        <p:nvSpPr>
+          <p:cNvPr id="10" name="PlaceHolder 3"/>
           <p:cNvSpPr>
             <a:spLocks noGrp="1"/>
           </p:cNvSpPr>
@@ -3795,8 +2185,8 @@
         </p:nvSpPr>
         <p:spPr>
           <a:xfrm>
-            <a:off x="5155920" y="1485000"/>
-            <a:ext cx="4567320" cy="3780000"/>
+            <a:off x="5152680" y="1326600"/>
+            <a:ext cx="4426920" cy="3288600"/>
           </a:xfrm>
           <a:prstGeom prst="rect">
             <a:avLst/>
@@ -3807,11 +2197,8 @@
             <a:normAutofit/>
           </a:bodyPr>
           <a:p>
-            <a:endParaRPr b="1" lang="en-US" sz="2400" spc="-1" strike="noStrike">
-              <a:solidFill>
-                <a:srgbClr val="2c3e50"/>
-              </a:solidFill>
-              <a:latin typeface="Source Sans Pro Semibold"/>
+            <a:endParaRPr b="0" lang="en-US" sz="3200" spc="-1" strike="noStrike">
+              <a:latin typeface="Arial"/>
             </a:endParaRPr>
           </a:p>
         </p:txBody>
@@ -3840,7 +2227,7 @@
       </p:grpSpPr>
       <p:sp>
         <p:nvSpPr>
-          <p:cNvPr id="15" name="PlaceHolder 1"/>
+          <p:cNvPr id="11" name="PlaceHolder 1"/>
           <p:cNvSpPr>
             <a:spLocks noGrp="1"/>
           </p:cNvSpPr>
@@ -3850,8 +2237,8 @@
         </p:nvSpPr>
         <p:spPr>
           <a:xfrm>
-            <a:off x="360000" y="225720"/>
-            <a:ext cx="9360000" cy="718920"/>
+            <a:off x="504000" y="226080"/>
+            <a:ext cx="9072000" cy="946440"/>
           </a:xfrm>
           <a:prstGeom prst="rect">
             <a:avLst/>
@@ -3862,11 +2249,9 @@
             <a:noAutofit/>
           </a:bodyPr>
           <a:p>
-            <a:endParaRPr b="1" lang="en-US" sz="2700" spc="-1" strike="noStrike">
-              <a:solidFill>
-                <a:srgbClr val="ffffff"/>
-              </a:solidFill>
-              <a:latin typeface="Source Sans Pro Black"/>
+            <a:pPr algn="ctr"/>
+            <a:endParaRPr b="0" lang="en-US" sz="4400" spc="-1" strike="noStrike">
+              <a:latin typeface="Arial"/>
             </a:endParaRPr>
           </a:p>
         </p:txBody>
@@ -3895,7 +2280,7 @@
       </p:grpSpPr>
       <p:sp>
         <p:nvSpPr>
-          <p:cNvPr id="16" name="PlaceHolder 1"/>
+          <p:cNvPr id="12" name="PlaceHolder 1"/>
           <p:cNvSpPr>
             <a:spLocks noGrp="1"/>
           </p:cNvSpPr>
@@ -3905,8 +2290,8 @@
         </p:nvSpPr>
         <p:spPr>
           <a:xfrm>
-            <a:off x="360000" y="225720"/>
-            <a:ext cx="9360000" cy="3333960"/>
+            <a:off x="504000" y="226080"/>
+            <a:ext cx="9072000" cy="4388400"/>
           </a:xfrm>
           <a:prstGeom prst="rect">
             <a:avLst/>
@@ -3919,10 +2304,7 @@
           <a:p>
             <a:pPr algn="ctr"/>
             <a:endParaRPr b="0" lang="en-US" sz="3200" spc="-1" strike="noStrike">
-              <a:solidFill>
-                <a:srgbClr val="2c3e50"/>
-              </a:solidFill>
-              <a:latin typeface="Source Sans Pro"/>
+              <a:latin typeface="Arial"/>
             </a:endParaRPr>
           </a:p>
         </p:txBody>
@@ -3951,7 +2333,7 @@
       </p:grpSpPr>
       <p:sp>
         <p:nvSpPr>
-          <p:cNvPr id="17" name="PlaceHolder 1"/>
+          <p:cNvPr id="13" name="PlaceHolder 1"/>
           <p:cNvSpPr>
             <a:spLocks noGrp="1"/>
           </p:cNvSpPr>
@@ -3961,8 +2343,8 @@
         </p:nvSpPr>
         <p:spPr>
           <a:xfrm>
-            <a:off x="360000" y="225720"/>
-            <a:ext cx="9360000" cy="718920"/>
+            <a:off x="504000" y="226080"/>
+            <a:ext cx="9072000" cy="946440"/>
           </a:xfrm>
           <a:prstGeom prst="rect">
             <a:avLst/>
@@ -3973,18 +2355,16 @@
             <a:noAutofit/>
           </a:bodyPr>
           <a:p>
-            <a:endParaRPr b="1" lang="en-US" sz="2700" spc="-1" strike="noStrike">
-              <a:solidFill>
-                <a:srgbClr val="ffffff"/>
-              </a:solidFill>
-              <a:latin typeface="Source Sans Pro Black"/>
-            </a:endParaRPr>
-          </a:p>
-        </p:txBody>
-      </p:sp>
-      <p:sp>
-        <p:nvSpPr>
-          <p:cNvPr id="18" name="PlaceHolder 2"/>
+            <a:pPr algn="ctr"/>
+            <a:endParaRPr b="0" lang="en-US" sz="4400" spc="-1" strike="noStrike">
+              <a:latin typeface="Arial"/>
+            </a:endParaRPr>
+          </a:p>
+        </p:txBody>
+      </p:sp>
+      <p:sp>
+        <p:nvSpPr>
+          <p:cNvPr id="14" name="PlaceHolder 2"/>
           <p:cNvSpPr>
             <a:spLocks noGrp="1"/>
           </p:cNvSpPr>
@@ -3994,8 +2374,8 @@
         </p:nvSpPr>
         <p:spPr>
           <a:xfrm>
-            <a:off x="360000" y="1485000"/>
-            <a:ext cx="4567320" cy="1802880"/>
+            <a:off x="504000" y="1326600"/>
+            <a:ext cx="4426920" cy="1568520"/>
           </a:xfrm>
           <a:prstGeom prst="rect">
             <a:avLst/>
@@ -4006,18 +2386,15 @@
             <a:normAutofit/>
           </a:bodyPr>
           <a:p>
-            <a:endParaRPr b="1" lang="en-US" sz="2400" spc="-1" strike="noStrike">
-              <a:solidFill>
-                <a:srgbClr val="2c3e50"/>
-              </a:solidFill>
-              <a:latin typeface="Source Sans Pro Semibold"/>
-            </a:endParaRPr>
-          </a:p>
-        </p:txBody>
-      </p:sp>
-      <p:sp>
-        <p:nvSpPr>
-          <p:cNvPr id="19" name="PlaceHolder 3"/>
+            <a:endParaRPr b="0" lang="en-US" sz="3200" spc="-1" strike="noStrike">
+              <a:latin typeface="Arial"/>
+            </a:endParaRPr>
+          </a:p>
+        </p:txBody>
+      </p:sp>
+      <p:sp>
+        <p:nvSpPr>
+          <p:cNvPr id="15" name="PlaceHolder 3"/>
           <p:cNvSpPr>
             <a:spLocks noGrp="1"/>
           </p:cNvSpPr>
@@ -4027,8 +2404,8 @@
         </p:nvSpPr>
         <p:spPr>
           <a:xfrm>
-            <a:off x="5155920" y="1485000"/>
-            <a:ext cx="4567320" cy="3780000"/>
+            <a:off x="5152680" y="1326600"/>
+            <a:ext cx="4426920" cy="3288600"/>
           </a:xfrm>
           <a:prstGeom prst="rect">
             <a:avLst/>
@@ -4039,18 +2416,15 @@
             <a:normAutofit/>
           </a:bodyPr>
           <a:p>
-            <a:endParaRPr b="1" lang="en-US" sz="2400" spc="-1" strike="noStrike">
-              <a:solidFill>
-                <a:srgbClr val="2c3e50"/>
-              </a:solidFill>
-              <a:latin typeface="Source Sans Pro Semibold"/>
-            </a:endParaRPr>
-          </a:p>
-        </p:txBody>
-      </p:sp>
-      <p:sp>
-        <p:nvSpPr>
-          <p:cNvPr id="20" name="PlaceHolder 4"/>
+            <a:endParaRPr b="0" lang="en-US" sz="3200" spc="-1" strike="noStrike">
+              <a:latin typeface="Arial"/>
+            </a:endParaRPr>
+          </a:p>
+        </p:txBody>
+      </p:sp>
+      <p:sp>
+        <p:nvSpPr>
+          <p:cNvPr id="16" name="PlaceHolder 4"/>
           <p:cNvSpPr>
             <a:spLocks noGrp="1"/>
           </p:cNvSpPr>
@@ -4060,8 +2434,8 @@
         </p:nvSpPr>
         <p:spPr>
           <a:xfrm>
-            <a:off x="360000" y="3459600"/>
-            <a:ext cx="4567320" cy="1802880"/>
+            <a:off x="504000" y="3044520"/>
+            <a:ext cx="4426920" cy="1568520"/>
           </a:xfrm>
           <a:prstGeom prst="rect">
             <a:avLst/>
@@ -4072,11 +2446,8 @@
             <a:normAutofit/>
           </a:bodyPr>
           <a:p>
-            <a:endParaRPr b="1" lang="en-US" sz="2400" spc="-1" strike="noStrike">
-              <a:solidFill>
-                <a:srgbClr val="2c3e50"/>
-              </a:solidFill>
-              <a:latin typeface="Source Sans Pro Semibold"/>
+            <a:endParaRPr b="0" lang="en-US" sz="3200" spc="-1" strike="noStrike">
+              <a:latin typeface="Arial"/>
             </a:endParaRPr>
           </a:p>
         </p:txBody>
@@ -4105,7 +2476,7 @@
       </p:grpSpPr>
       <p:sp>
         <p:nvSpPr>
-          <p:cNvPr id="21" name="PlaceHolder 1"/>
+          <p:cNvPr id="17" name="PlaceHolder 1"/>
           <p:cNvSpPr>
             <a:spLocks noGrp="1"/>
           </p:cNvSpPr>
@@ -4115,8 +2486,8 @@
         </p:nvSpPr>
         <p:spPr>
           <a:xfrm>
-            <a:off x="360000" y="225720"/>
-            <a:ext cx="9360000" cy="718920"/>
+            <a:off x="504000" y="226080"/>
+            <a:ext cx="9072000" cy="946440"/>
           </a:xfrm>
           <a:prstGeom prst="rect">
             <a:avLst/>
@@ -4127,18 +2498,16 @@
             <a:noAutofit/>
           </a:bodyPr>
           <a:p>
-            <a:endParaRPr b="1" lang="en-US" sz="2700" spc="-1" strike="noStrike">
-              <a:solidFill>
-                <a:srgbClr val="ffffff"/>
-              </a:solidFill>
-              <a:latin typeface="Source Sans Pro Black"/>
-            </a:endParaRPr>
-          </a:p>
-        </p:txBody>
-      </p:sp>
-      <p:sp>
-        <p:nvSpPr>
-          <p:cNvPr id="22" name="PlaceHolder 2"/>
+            <a:pPr algn="ctr"/>
+            <a:endParaRPr b="0" lang="en-US" sz="4400" spc="-1" strike="noStrike">
+              <a:latin typeface="Arial"/>
+            </a:endParaRPr>
+          </a:p>
+        </p:txBody>
+      </p:sp>
+      <p:sp>
+        <p:nvSpPr>
+          <p:cNvPr id="18" name="PlaceHolder 2"/>
           <p:cNvSpPr>
             <a:spLocks noGrp="1"/>
           </p:cNvSpPr>
@@ -4148,8 +2517,8 @@
         </p:nvSpPr>
         <p:spPr>
           <a:xfrm>
-            <a:off x="360000" y="1485000"/>
-            <a:ext cx="4567320" cy="3780000"/>
+            <a:off x="504000" y="1326600"/>
+            <a:ext cx="4426920" cy="3288600"/>
           </a:xfrm>
           <a:prstGeom prst="rect">
             <a:avLst/>
@@ -4160,18 +2529,15 @@
             <a:normAutofit/>
           </a:bodyPr>
           <a:p>
-            <a:endParaRPr b="1" lang="en-US" sz="2400" spc="-1" strike="noStrike">
-              <a:solidFill>
-                <a:srgbClr val="2c3e50"/>
-              </a:solidFill>
-              <a:latin typeface="Source Sans Pro Semibold"/>
-            </a:endParaRPr>
-          </a:p>
-        </p:txBody>
-      </p:sp>
-      <p:sp>
-        <p:nvSpPr>
-          <p:cNvPr id="23" name="PlaceHolder 3"/>
+            <a:endParaRPr b="0" lang="en-US" sz="3200" spc="-1" strike="noStrike">
+              <a:latin typeface="Arial"/>
+            </a:endParaRPr>
+          </a:p>
+        </p:txBody>
+      </p:sp>
+      <p:sp>
+        <p:nvSpPr>
+          <p:cNvPr id="19" name="PlaceHolder 3"/>
           <p:cNvSpPr>
             <a:spLocks noGrp="1"/>
           </p:cNvSpPr>
@@ -4181,8 +2547,8 @@
         </p:nvSpPr>
         <p:spPr>
           <a:xfrm>
-            <a:off x="5155920" y="1485000"/>
-            <a:ext cx="4567320" cy="1802880"/>
+            <a:off x="5152680" y="1326600"/>
+            <a:ext cx="4426920" cy="1568520"/>
           </a:xfrm>
           <a:prstGeom prst="rect">
             <a:avLst/>
@@ -4193,18 +2559,15 @@
             <a:normAutofit/>
           </a:bodyPr>
           <a:p>
-            <a:endParaRPr b="1" lang="en-US" sz="2400" spc="-1" strike="noStrike">
-              <a:solidFill>
-                <a:srgbClr val="2c3e50"/>
-              </a:solidFill>
-              <a:latin typeface="Source Sans Pro Semibold"/>
-            </a:endParaRPr>
-          </a:p>
-        </p:txBody>
-      </p:sp>
-      <p:sp>
-        <p:nvSpPr>
-          <p:cNvPr id="24" name="PlaceHolder 4"/>
+            <a:endParaRPr b="0" lang="en-US" sz="3200" spc="-1" strike="noStrike">
+              <a:latin typeface="Arial"/>
+            </a:endParaRPr>
+          </a:p>
+        </p:txBody>
+      </p:sp>
+      <p:sp>
+        <p:nvSpPr>
+          <p:cNvPr id="20" name="PlaceHolder 4"/>
           <p:cNvSpPr>
             <a:spLocks noGrp="1"/>
           </p:cNvSpPr>
@@ -4214,8 +2577,8 @@
         </p:nvSpPr>
         <p:spPr>
           <a:xfrm>
-            <a:off x="5155920" y="3459600"/>
-            <a:ext cx="4567320" cy="1802880"/>
+            <a:off x="5152680" y="3044520"/>
+            <a:ext cx="4426920" cy="1568520"/>
           </a:xfrm>
           <a:prstGeom prst="rect">
             <a:avLst/>
@@ -4226,11 +2589,8 @@
             <a:normAutofit/>
           </a:bodyPr>
           <a:p>
-            <a:endParaRPr b="1" lang="en-US" sz="2400" spc="-1" strike="noStrike">
-              <a:solidFill>
-                <a:srgbClr val="2c3e50"/>
-              </a:solidFill>
-              <a:latin typeface="Source Sans Pro Semibold"/>
+            <a:endParaRPr b="0" lang="en-US" sz="3200" spc="-1" strike="noStrike">
+              <a:latin typeface="Arial"/>
             </a:endParaRPr>
           </a:p>
         </p:txBody>
@@ -4259,7 +2619,7 @@
       </p:grpSpPr>
       <p:sp>
         <p:nvSpPr>
-          <p:cNvPr id="25" name="PlaceHolder 1"/>
+          <p:cNvPr id="21" name="PlaceHolder 1"/>
           <p:cNvSpPr>
             <a:spLocks noGrp="1"/>
           </p:cNvSpPr>
@@ -4269,8 +2629,8 @@
         </p:nvSpPr>
         <p:spPr>
           <a:xfrm>
-            <a:off x="360000" y="225720"/>
-            <a:ext cx="9360000" cy="718920"/>
+            <a:off x="504000" y="226080"/>
+            <a:ext cx="9072000" cy="946440"/>
           </a:xfrm>
           <a:prstGeom prst="rect">
             <a:avLst/>
@@ -4281,18 +2641,16 @@
             <a:noAutofit/>
           </a:bodyPr>
           <a:p>
-            <a:endParaRPr b="1" lang="en-US" sz="2700" spc="-1" strike="noStrike">
-              <a:solidFill>
-                <a:srgbClr val="ffffff"/>
-              </a:solidFill>
-              <a:latin typeface="Source Sans Pro Black"/>
-            </a:endParaRPr>
-          </a:p>
-        </p:txBody>
-      </p:sp>
-      <p:sp>
-        <p:nvSpPr>
-          <p:cNvPr id="26" name="PlaceHolder 2"/>
+            <a:pPr algn="ctr"/>
+            <a:endParaRPr b="0" lang="en-US" sz="4400" spc="-1" strike="noStrike">
+              <a:latin typeface="Arial"/>
+            </a:endParaRPr>
+          </a:p>
+        </p:txBody>
+      </p:sp>
+      <p:sp>
+        <p:nvSpPr>
+          <p:cNvPr id="22" name="PlaceHolder 2"/>
           <p:cNvSpPr>
             <a:spLocks noGrp="1"/>
           </p:cNvSpPr>
@@ -4302,8 +2660,8 @@
         </p:nvSpPr>
         <p:spPr>
           <a:xfrm>
-            <a:off x="360000" y="1485000"/>
-            <a:ext cx="4567320" cy="1802880"/>
+            <a:off x="504000" y="1326600"/>
+            <a:ext cx="4426920" cy="1568520"/>
           </a:xfrm>
           <a:prstGeom prst="rect">
             <a:avLst/>
@@ -4314,18 +2672,15 @@
             <a:normAutofit/>
           </a:bodyPr>
           <a:p>
-            <a:endParaRPr b="1" lang="en-US" sz="2400" spc="-1" strike="noStrike">
-              <a:solidFill>
-                <a:srgbClr val="2c3e50"/>
-              </a:solidFill>
-              <a:latin typeface="Source Sans Pro Semibold"/>
-            </a:endParaRPr>
-          </a:p>
-        </p:txBody>
-      </p:sp>
-      <p:sp>
-        <p:nvSpPr>
-          <p:cNvPr id="27" name="PlaceHolder 3"/>
+            <a:endParaRPr b="0" lang="en-US" sz="3200" spc="-1" strike="noStrike">
+              <a:latin typeface="Arial"/>
+            </a:endParaRPr>
+          </a:p>
+        </p:txBody>
+      </p:sp>
+      <p:sp>
+        <p:nvSpPr>
+          <p:cNvPr id="23" name="PlaceHolder 3"/>
           <p:cNvSpPr>
             <a:spLocks noGrp="1"/>
           </p:cNvSpPr>
@@ -4335,8 +2690,8 @@
         </p:nvSpPr>
         <p:spPr>
           <a:xfrm>
-            <a:off x="5155920" y="1485000"/>
-            <a:ext cx="4567320" cy="1802880"/>
+            <a:off x="5152680" y="1326600"/>
+            <a:ext cx="4426920" cy="1568520"/>
           </a:xfrm>
           <a:prstGeom prst="rect">
             <a:avLst/>
@@ -4347,18 +2702,15 @@
             <a:normAutofit/>
           </a:bodyPr>
           <a:p>
-            <a:endParaRPr b="1" lang="en-US" sz="2400" spc="-1" strike="noStrike">
-              <a:solidFill>
-                <a:srgbClr val="2c3e50"/>
-              </a:solidFill>
-              <a:latin typeface="Source Sans Pro Semibold"/>
-            </a:endParaRPr>
-          </a:p>
-        </p:txBody>
-      </p:sp>
-      <p:sp>
-        <p:nvSpPr>
-          <p:cNvPr id="28" name="PlaceHolder 4"/>
+            <a:endParaRPr b="0" lang="en-US" sz="3200" spc="-1" strike="noStrike">
+              <a:latin typeface="Arial"/>
+            </a:endParaRPr>
+          </a:p>
+        </p:txBody>
+      </p:sp>
+      <p:sp>
+        <p:nvSpPr>
+          <p:cNvPr id="24" name="PlaceHolder 4"/>
           <p:cNvSpPr>
             <a:spLocks noGrp="1"/>
           </p:cNvSpPr>
@@ -4368,8 +2720,8 @@
         </p:nvSpPr>
         <p:spPr>
           <a:xfrm>
-            <a:off x="360000" y="3459600"/>
-            <a:ext cx="9360000" cy="1802880"/>
+            <a:off x="504000" y="3044520"/>
+            <a:ext cx="9072000" cy="1568520"/>
           </a:xfrm>
           <a:prstGeom prst="rect">
             <a:avLst/>
@@ -4380,11 +2732,8 @@
             <a:normAutofit/>
           </a:bodyPr>
           <a:p>
-            <a:endParaRPr b="1" lang="en-US" sz="2400" spc="-1" strike="noStrike">
-              <a:solidFill>
-                <a:srgbClr val="2c3e50"/>
-              </a:solidFill>
-              <a:latin typeface="Source Sans Pro Semibold"/>
+            <a:endParaRPr b="0" lang="en-US" sz="3200" spc="-1" strike="noStrike">
+              <a:latin typeface="Arial"/>
             </a:endParaRPr>
           </a:p>
         </p:txBody>
@@ -4419,8 +2768,8 @@
         </p:nvSpPr>
         <p:spPr>
           <a:xfrm>
-            <a:off x="0" y="5400000"/>
-            <a:ext cx="10080000" cy="270000"/>
+            <a:off x="0" y="0"/>
+            <a:ext cx="10079280" cy="5669280"/>
           </a:xfrm>
           <a:prstGeom prst="rect">
             <a:avLst/>
@@ -4448,385 +2797,9 @@
         <p:spPr>
           <a:xfrm>
             <a:off x="0" y="0"/>
-            <a:ext cx="10080000" cy="1215000"/>
-          </a:xfrm>
-          <a:prstGeom prst="rect">
-            <a:avLst/>
-          </a:prstGeom>
-          <a:solidFill>
-            <a:srgbClr val="2c3e50"/>
-          </a:solidFill>
-          <a:ln w="10800">
-            <a:noFill/>
-          </a:ln>
-        </p:spPr>
-        <p:style>
-          <a:lnRef idx="0"/>
-          <a:fillRef idx="0"/>
-          <a:effectRef idx="0"/>
-          <a:fontRef idx="minor"/>
-        </p:style>
-      </p:sp>
-      <p:sp>
-        <p:nvSpPr>
-          <p:cNvPr id="2" name="PlaceHolder 1"/>
-          <p:cNvSpPr>
-            <a:spLocks noGrp="1"/>
-          </p:cNvSpPr>
-          <p:nvPr>
-            <p:ph type="title"/>
-          </p:nvPr>
-        </p:nvSpPr>
-        <p:spPr>
-          <a:xfrm>
-            <a:off x="360000" y="225720"/>
-            <a:ext cx="9360000" cy="718920"/>
-          </a:xfrm>
-          <a:prstGeom prst="rect">
-            <a:avLst/>
-          </a:prstGeom>
-        </p:spPr>
-        <p:txBody>
-          <a:bodyPr lIns="0" rIns="0" tIns="0" bIns="0" anchor="ctr">
-            <a:noAutofit/>
-          </a:bodyPr>
-          <a:p>
-            <a:r>
-              <a:rPr b="1" lang="en-US" sz="2700" spc="-1" strike="noStrike">
-                <a:solidFill>
-                  <a:srgbClr val="ffffff"/>
-                </a:solidFill>
-                <a:latin typeface="Source Sans Pro Black"/>
-              </a:rPr>
-              <a:t>Click to edit the title text format</a:t>
-            </a:r>
-            <a:endParaRPr b="1" lang="en-US" sz="2700" spc="-1" strike="noStrike">
-              <a:solidFill>
-                <a:srgbClr val="ffffff"/>
-              </a:solidFill>
-              <a:latin typeface="Source Sans Pro Black"/>
-            </a:endParaRPr>
-          </a:p>
-        </p:txBody>
-      </p:sp>
-      <p:sp>
-        <p:nvSpPr>
-          <p:cNvPr id="3" name="PlaceHolder 2"/>
-          <p:cNvSpPr>
-            <a:spLocks noGrp="1"/>
-          </p:cNvSpPr>
-          <p:nvPr>
-            <p:ph type="body"/>
-          </p:nvPr>
-        </p:nvSpPr>
-        <p:spPr>
-          <a:xfrm>
-            <a:off x="360000" y="1485000"/>
-            <a:ext cx="9360000" cy="3780000"/>
-          </a:xfrm>
-          <a:prstGeom prst="rect">
-            <a:avLst/>
-          </a:prstGeom>
-        </p:spPr>
-        <p:txBody>
-          <a:bodyPr lIns="0" rIns="0" tIns="0" bIns="0">
-            <a:normAutofit/>
-          </a:bodyPr>
-          <a:p>
-            <a:pPr marL="432000" indent="-324000">
-              <a:spcAft>
-                <a:spcPts val="1057"/>
-              </a:spcAft>
-              <a:buClr>
-                <a:srgbClr val="2c3e50"/>
-              </a:buClr>
-              <a:buSzPct val="45000"/>
-              <a:buFont typeface="Wingdings" charset="2"/>
-              <a:buChar char=""/>
-            </a:pPr>
-            <a:r>
-              <a:rPr b="1" lang="en-US" sz="2400" spc="-1" strike="noStrike">
-                <a:solidFill>
-                  <a:srgbClr val="2c3e50"/>
-                </a:solidFill>
-                <a:latin typeface="Source Sans Pro Semibold"/>
-              </a:rPr>
-              <a:t>Click to edit the outline text format</a:t>
-            </a:r>
-            <a:endParaRPr b="1" lang="en-US" sz="2400" spc="-1" strike="noStrike">
-              <a:solidFill>
-                <a:srgbClr val="2c3e50"/>
-              </a:solidFill>
-              <a:latin typeface="Source Sans Pro Semibold"/>
-            </a:endParaRPr>
-          </a:p>
-          <a:p>
-            <a:pPr lvl="1" marL="864000" indent="-324000">
-              <a:spcAft>
-                <a:spcPts val="850"/>
-              </a:spcAft>
-              <a:buClr>
-                <a:srgbClr val="2c3e50"/>
-              </a:buClr>
-              <a:buSzPct val="75000"/>
-              <a:buFont typeface="Symbol" charset="2"/>
-              <a:buChar char=""/>
-            </a:pPr>
-            <a:r>
-              <a:rPr b="0" lang="en-US" sz="2100" spc="-1" strike="noStrike">
-                <a:solidFill>
-                  <a:srgbClr val="2c3e50"/>
-                </a:solidFill>
-                <a:latin typeface="Source Sans Pro"/>
-              </a:rPr>
-              <a:t>Second Outline Level</a:t>
-            </a:r>
-            <a:endParaRPr b="0" lang="en-US" sz="2100" spc="-1" strike="noStrike">
-              <a:solidFill>
-                <a:srgbClr val="2c3e50"/>
-              </a:solidFill>
-              <a:latin typeface="Source Sans Pro"/>
-            </a:endParaRPr>
-          </a:p>
-          <a:p>
-            <a:pPr lvl="2" marL="1296000" indent="-288000">
-              <a:spcAft>
-                <a:spcPts val="635"/>
-              </a:spcAft>
-              <a:buClr>
-                <a:srgbClr val="2c3e50"/>
-              </a:buClr>
-              <a:buSzPct val="45000"/>
-              <a:buFont typeface="Wingdings" charset="2"/>
-              <a:buChar char=""/>
-            </a:pPr>
-            <a:r>
-              <a:rPr b="0" lang="en-US" sz="1800" spc="-1" strike="noStrike">
-                <a:solidFill>
-                  <a:srgbClr val="2c3e50"/>
-                </a:solidFill>
-                <a:latin typeface="Source Sans Pro"/>
-              </a:rPr>
-              <a:t>Third Outline Level</a:t>
-            </a:r>
-            <a:endParaRPr b="0" lang="en-US" sz="1800" spc="-1" strike="noStrike">
-              <a:solidFill>
-                <a:srgbClr val="2c3e50"/>
-              </a:solidFill>
-              <a:latin typeface="Source Sans Pro"/>
-            </a:endParaRPr>
-          </a:p>
-          <a:p>
-            <a:pPr lvl="3" marL="1728000" indent="-216000">
-              <a:spcAft>
-                <a:spcPts val="425"/>
-              </a:spcAft>
-              <a:buClr>
-                <a:srgbClr val="2c3e50"/>
-              </a:buClr>
-              <a:buSzPct val="75000"/>
-              <a:buFont typeface="Symbol" charset="2"/>
-              <a:buChar char=""/>
-            </a:pPr>
-            <a:r>
-              <a:rPr b="0" lang="en-US" sz="1500" spc="-1" strike="noStrike">
-                <a:solidFill>
-                  <a:srgbClr val="2c3e50"/>
-                </a:solidFill>
-                <a:latin typeface="Source Sans Pro"/>
-              </a:rPr>
-              <a:t>Fourth Outline Level</a:t>
-            </a:r>
-            <a:endParaRPr b="0" lang="en-US" sz="1500" spc="-1" strike="noStrike">
-              <a:solidFill>
-                <a:srgbClr val="2c3e50"/>
-              </a:solidFill>
-              <a:latin typeface="Source Sans Pro"/>
-            </a:endParaRPr>
-          </a:p>
-          <a:p>
-            <a:pPr lvl="4" marL="2160000" indent="-216000">
-              <a:spcAft>
-                <a:spcPts val="213"/>
-              </a:spcAft>
-              <a:buClr>
-                <a:srgbClr val="2c3e50"/>
-              </a:buClr>
-              <a:buSzPct val="45000"/>
-              <a:buFont typeface="Wingdings" charset="2"/>
-              <a:buChar char=""/>
-            </a:pPr>
-            <a:r>
-              <a:rPr b="0" lang="en-US" sz="1500" spc="-1" strike="noStrike">
-                <a:solidFill>
-                  <a:srgbClr val="2c3e50"/>
-                </a:solidFill>
-                <a:latin typeface="Source Sans Pro"/>
-              </a:rPr>
-              <a:t>Fifth Outline Level</a:t>
-            </a:r>
-            <a:endParaRPr b="0" lang="en-US" sz="1500" spc="-1" strike="noStrike">
-              <a:solidFill>
-                <a:srgbClr val="2c3e50"/>
-              </a:solidFill>
-              <a:latin typeface="Source Sans Pro"/>
-            </a:endParaRPr>
-          </a:p>
-          <a:p>
-            <a:pPr lvl="5" marL="2592000" indent="-216000">
-              <a:spcAft>
-                <a:spcPts val="213"/>
-              </a:spcAft>
-              <a:buClr>
-                <a:srgbClr val="2c3e50"/>
-              </a:buClr>
-              <a:buSzPct val="45000"/>
-              <a:buFont typeface="Wingdings" charset="2"/>
-              <a:buChar char=""/>
-            </a:pPr>
-            <a:r>
-              <a:rPr b="0" lang="en-US" sz="1500" spc="-1" strike="noStrike">
-                <a:solidFill>
-                  <a:srgbClr val="2c3e50"/>
-                </a:solidFill>
-                <a:latin typeface="Source Sans Pro"/>
-              </a:rPr>
-              <a:t>Sixth Outline Level</a:t>
-            </a:r>
-            <a:endParaRPr b="0" lang="en-US" sz="1500" spc="-1" strike="noStrike">
-              <a:solidFill>
-                <a:srgbClr val="2c3e50"/>
-              </a:solidFill>
-              <a:latin typeface="Source Sans Pro"/>
-            </a:endParaRPr>
-          </a:p>
-          <a:p>
-            <a:pPr lvl="6" marL="3024000" indent="-216000">
-              <a:spcAft>
-                <a:spcPts val="213"/>
-              </a:spcAft>
-              <a:buClr>
-                <a:srgbClr val="2c3e50"/>
-              </a:buClr>
-              <a:buSzPct val="45000"/>
-              <a:buFont typeface="Wingdings" charset="2"/>
-              <a:buChar char=""/>
-            </a:pPr>
-            <a:r>
-              <a:rPr b="0" lang="en-US" sz="1500" spc="-1" strike="noStrike">
-                <a:solidFill>
-                  <a:srgbClr val="2c3e50"/>
-                </a:solidFill>
-                <a:latin typeface="Source Sans Pro"/>
-              </a:rPr>
-              <a:t>Seventh Outline Level</a:t>
-            </a:r>
-            <a:endParaRPr b="0" lang="en-US" sz="1500" spc="-1" strike="noStrike">
-              <a:solidFill>
-                <a:srgbClr val="2c3e50"/>
-              </a:solidFill>
-              <a:latin typeface="Source Sans Pro"/>
-            </a:endParaRPr>
-          </a:p>
-        </p:txBody>
-      </p:sp>
-      <p:sp>
-        <p:nvSpPr>
-          <p:cNvPr id="4" name="PlaceHolder 3"/>
-          <p:cNvSpPr>
-            <a:spLocks noGrp="1"/>
-          </p:cNvSpPr>
-          <p:nvPr>
-            <p:ph type="dt"/>
-          </p:nvPr>
-        </p:nvSpPr>
-        <p:spPr>
-          <a:xfrm>
-            <a:off x="360000" y="5400000"/>
-            <a:ext cx="2880000" cy="270000"/>
-          </a:xfrm>
-          <a:prstGeom prst="rect">
-            <a:avLst/>
-          </a:prstGeom>
-        </p:spPr>
-        <p:txBody>
-          <a:bodyPr lIns="0" rIns="0" tIns="0" bIns="0">
-            <a:noAutofit/>
-          </a:bodyPr>
-          <a:p>
-            <a:r>
-              <a:rPr b="1" lang="en-US" sz="1800" spc="-1" strike="noStrike">
-                <a:solidFill>
-                  <a:srgbClr val="ffffff"/>
-                </a:solidFill>
-                <a:latin typeface="Source Sans Pro Black"/>
-              </a:rPr>
-              <a:t>&lt;date/time&gt;</a:t>
-            </a:r>
-            <a:endParaRPr b="1" lang="en-US" sz="1800" spc="-1" strike="noStrike">
-              <a:solidFill>
-                <a:srgbClr val="ffffff"/>
-              </a:solidFill>
-              <a:latin typeface="Source Sans Pro Black"/>
-            </a:endParaRPr>
-          </a:p>
-        </p:txBody>
-      </p:sp>
-      <p:sp>
-        <p:nvSpPr>
-          <p:cNvPr id="5" name="PlaceHolder 4"/>
-          <p:cNvSpPr>
-            <a:spLocks noGrp="1"/>
-          </p:cNvSpPr>
-          <p:nvPr>
-            <p:ph type="ftr"/>
-          </p:nvPr>
-        </p:nvSpPr>
-        <p:spPr>
-          <a:xfrm>
-            <a:off x="3420000" y="5400000"/>
-            <a:ext cx="3240000" cy="270000"/>
-          </a:xfrm>
-          <a:prstGeom prst="rect">
-            <a:avLst/>
-          </a:prstGeom>
-        </p:spPr>
-        <p:txBody>
-          <a:bodyPr lIns="0" rIns="0" tIns="0" bIns="0">
-            <a:noAutofit/>
-          </a:bodyPr>
-          <a:p>
-            <a:pPr algn="ctr"/>
-            <a:r>
-              <a:rPr b="1" lang="en-US" sz="1800" spc="-1" strike="noStrike">
-                <a:solidFill>
-                  <a:srgbClr val="ffffff"/>
-                </a:solidFill>
-                <a:latin typeface="Source Sans Pro Black"/>
-              </a:rPr>
-              <a:t>&lt;footer&gt;</a:t>
-            </a:r>
-            <a:endParaRPr b="1" lang="en-US" sz="1800" spc="-1" strike="noStrike">
-              <a:solidFill>
-                <a:srgbClr val="ffffff"/>
-              </a:solidFill>
-              <a:latin typeface="Source Sans Pro Black"/>
-            </a:endParaRPr>
-          </a:p>
-        </p:txBody>
-      </p:sp>
-      <p:sp>
-        <p:nvSpPr>
-          <p:cNvPr id="6" name=""/>
-          <p:cNvSpPr/>
-          <p:nvPr/>
-        </p:nvSpPr>
-        <p:spPr>
-          <a:xfrm>
-            <a:off x="9315000" y="5175000"/>
-            <a:ext cx="450000" cy="450000"/>
-          </a:xfrm>
-          <a:prstGeom prst="ellipse">
+            <a:ext cx="10079280" cy="3779280"/>
+          </a:xfrm>
+          <a:prstGeom prst="rect">
             <a:avLst/>
           </a:prstGeom>
           <a:solidFill>
@@ -4848,43 +2821,215 @@
       </p:sp>
       <p:sp>
         <p:nvSpPr>
-          <p:cNvPr id="7" name=""/>
-          <p:cNvSpPr txBox="1"/>
-          <p:nvPr/>
-        </p:nvSpPr>
-        <p:spPr>
-          <a:xfrm>
-            <a:off x="9180000" y="5130000"/>
-            <a:ext cx="720000" cy="540000"/>
-          </a:xfrm>
-          <a:prstGeom prst="rect">
-            <a:avLst/>
-          </a:prstGeom>
-          <a:noFill/>
-          <a:ln w="72000">
-            <a:noFill/>
-          </a:ln>
-        </p:spPr>
-        <p:txBody>
-          <a:bodyPr lIns="0" rIns="0" tIns="0" bIns="0" anchor="ctr">
+          <p:cNvPr id="2" name="PlaceHolder 1"/>
+          <p:cNvSpPr>
+            <a:spLocks noGrp="1"/>
+          </p:cNvSpPr>
+          <p:nvPr>
+            <p:ph type="title"/>
+          </p:nvPr>
+        </p:nvSpPr>
+        <p:spPr>
+          <a:xfrm>
+            <a:off x="360000" y="225720"/>
+            <a:ext cx="9359280" cy="718200"/>
+          </a:xfrm>
+          <a:prstGeom prst="rect">
+            <a:avLst/>
+          </a:prstGeom>
+        </p:spPr>
+        <p:txBody>
+          <a:bodyPr lIns="0" rIns="0" tIns="0" bIns="0" anchor="ctr" anchorCtr="1">
             <a:noAutofit/>
           </a:bodyPr>
           <a:p>
-            <a:pPr algn="ctr"/>
-            <a:fld id="{3AA8AB83-3368-48C9-A06D-BF11FED1F07C}" type="slidenum">
-              <a:rPr b="1" lang="en-US" sz="1800" spc="-1" strike="noStrike">
-                <a:solidFill>
-                  <a:srgbClr val="ffffff"/>
-                </a:solidFill>
-                <a:latin typeface="Source Sans Pro Black"/>
+            <a:r>
+              <a:rPr b="0" lang="en-US" sz="1800" spc="-1" strike="noStrike">
+                <a:latin typeface="Arial"/>
               </a:rPr>
-              <a:t>&lt;number&gt;</a:t>
-            </a:fld>
-            <a:endParaRPr b="1" lang="en-US" sz="1800" spc="-1" strike="noStrike">
-              <a:solidFill>
-                <a:srgbClr val="ffffff"/>
-              </a:solidFill>
-              <a:latin typeface="Source Sans Pro Black"/>
+              <a:t>Click to edit the title text format</a:t>
+            </a:r>
+            <a:endParaRPr b="0" lang="en-US" sz="1800" spc="-1" strike="noStrike">
+              <a:latin typeface="Arial"/>
+            </a:endParaRPr>
+          </a:p>
+        </p:txBody>
+      </p:sp>
+      <p:sp>
+        <p:nvSpPr>
+          <p:cNvPr id="3" name="PlaceHolder 2"/>
+          <p:cNvSpPr>
+            <a:spLocks noGrp="1"/>
+          </p:cNvSpPr>
+          <p:nvPr>
+            <p:ph type="body"/>
+          </p:nvPr>
+        </p:nvSpPr>
+        <p:spPr>
+          <a:xfrm>
+            <a:off x="360000" y="1485000"/>
+            <a:ext cx="9359280" cy="3779280"/>
+          </a:xfrm>
+          <a:prstGeom prst="rect">
+            <a:avLst/>
+          </a:prstGeom>
+        </p:spPr>
+        <p:txBody>
+          <a:bodyPr lIns="0" rIns="0" tIns="0" bIns="0">
+            <a:normAutofit/>
+          </a:bodyPr>
+          <a:p>
+            <a:pPr marL="432000" indent="-324000">
+              <a:spcBef>
+                <a:spcPts val="1417"/>
+              </a:spcBef>
+              <a:buClr>
+                <a:srgbClr val="000000"/>
+              </a:buClr>
+              <a:buSzPct val="45000"/>
+              <a:buFont typeface="Wingdings" charset="2"/>
+              <a:buChar char=""/>
+            </a:pPr>
+            <a:r>
+              <a:rPr b="0" lang="en-US" sz="1800" spc="-1" strike="noStrike">
+                <a:latin typeface="Arial"/>
+              </a:rPr>
+              <a:t>Click to edit the outline text format</a:t>
+            </a:r>
+            <a:endParaRPr b="0" lang="en-US" sz="1800" spc="-1" strike="noStrike">
+              <a:latin typeface="Arial"/>
+            </a:endParaRPr>
+          </a:p>
+          <a:p>
+            <a:pPr lvl="1" marL="864000" indent="-324000">
+              <a:spcBef>
+                <a:spcPts val="1134"/>
+              </a:spcBef>
+              <a:buClr>
+                <a:srgbClr val="000000"/>
+              </a:buClr>
+              <a:buSzPct val="75000"/>
+              <a:buFont typeface="Symbol" charset="2"/>
+              <a:buChar char=""/>
+            </a:pPr>
+            <a:r>
+              <a:rPr b="0" lang="en-US" sz="1800" spc="-1" strike="noStrike">
+                <a:latin typeface="Arial"/>
+              </a:rPr>
+              <a:t>Second Outline Level</a:t>
+            </a:r>
+            <a:endParaRPr b="0" lang="en-US" sz="1800" spc="-1" strike="noStrike">
+              <a:latin typeface="Arial"/>
+            </a:endParaRPr>
+          </a:p>
+          <a:p>
+            <a:pPr lvl="2" marL="1296000" indent="-288000">
+              <a:spcBef>
+                <a:spcPts val="850"/>
+              </a:spcBef>
+              <a:buClr>
+                <a:srgbClr val="000000"/>
+              </a:buClr>
+              <a:buSzPct val="45000"/>
+              <a:buFont typeface="Wingdings" charset="2"/>
+              <a:buChar char=""/>
+            </a:pPr>
+            <a:r>
+              <a:rPr b="0" lang="en-US" sz="1800" spc="-1" strike="noStrike">
+                <a:latin typeface="Arial"/>
+              </a:rPr>
+              <a:t>Third Outline Level</a:t>
+            </a:r>
+            <a:endParaRPr b="0" lang="en-US" sz="1800" spc="-1" strike="noStrike">
+              <a:latin typeface="Arial"/>
+            </a:endParaRPr>
+          </a:p>
+          <a:p>
+            <a:pPr lvl="3" marL="1728000" indent="-216000">
+              <a:spcBef>
+                <a:spcPts val="567"/>
+              </a:spcBef>
+              <a:buClr>
+                <a:srgbClr val="000000"/>
+              </a:buClr>
+              <a:buSzPct val="75000"/>
+              <a:buFont typeface="Symbol" charset="2"/>
+              <a:buChar char=""/>
+            </a:pPr>
+            <a:r>
+              <a:rPr b="0" lang="en-US" sz="1800" spc="-1" strike="noStrike">
+                <a:latin typeface="Arial"/>
+              </a:rPr>
+              <a:t>Fourth Outline Level</a:t>
+            </a:r>
+            <a:endParaRPr b="0" lang="en-US" sz="1800" spc="-1" strike="noStrike">
+              <a:latin typeface="Arial"/>
+            </a:endParaRPr>
+          </a:p>
+          <a:p>
+            <a:pPr lvl="4" marL="2160000" indent="-216000">
+              <a:spcBef>
+                <a:spcPts val="283"/>
+              </a:spcBef>
+              <a:buClr>
+                <a:srgbClr val="000000"/>
+              </a:buClr>
+              <a:buSzPct val="45000"/>
+              <a:buFont typeface="Wingdings" charset="2"/>
+              <a:buChar char=""/>
+            </a:pPr>
+            <a:r>
+              <a:rPr b="0" lang="en-US" sz="1800" spc="-1" strike="noStrike">
+                <a:latin typeface="Arial"/>
+              </a:rPr>
+              <a:t>Fifth Outline Level</a:t>
+            </a:r>
+            <a:endParaRPr b="0" lang="en-US" sz="1800" spc="-1" strike="noStrike">
+              <a:latin typeface="Arial"/>
+            </a:endParaRPr>
+          </a:p>
+          <a:p>
+            <a:pPr lvl="5" marL="2592000" indent="-216000">
+              <a:spcBef>
+                <a:spcPts val="283"/>
+              </a:spcBef>
+              <a:buClr>
+                <a:srgbClr val="000000"/>
+              </a:buClr>
+              <a:buSzPct val="45000"/>
+              <a:buFont typeface="Wingdings" charset="2"/>
+              <a:buChar char=""/>
+            </a:pPr>
+            <a:r>
+              <a:rPr b="0" lang="en-US" sz="1800" spc="-1" strike="noStrike">
+                <a:latin typeface="Arial"/>
+              </a:rPr>
+              <a:t>Sixth Outline Level</a:t>
+            </a:r>
+            <a:endParaRPr b="0" lang="en-US" sz="1800" spc="-1" strike="noStrike">
+              <a:latin typeface="Arial"/>
+            </a:endParaRPr>
+          </a:p>
+          <a:p>
+            <a:pPr lvl="6" marL="3024000" indent="-216000">
+              <a:spcBef>
+                <a:spcPts val="283"/>
+              </a:spcBef>
+              <a:buClr>
+                <a:srgbClr val="000000"/>
+              </a:buClr>
+              <a:buSzPct val="45000"/>
+              <a:buFont typeface="Wingdings" charset="2"/>
+              <a:buChar char=""/>
+            </a:pPr>
+            <a:r>
+              <a:rPr b="0" lang="en-US" sz="1800" spc="-1" strike="noStrike">
+                <a:latin typeface="Arial"/>
+              </a:rPr>
+              <a:t>Seventh Outline Level</a:t>
+            </a:r>
+            <a:endParaRPr b="0" lang="en-US" sz="1800" spc="-1" strike="noStrike">
+              <a:latin typeface="Arial"/>
             </a:endParaRPr>
           </a:p>
         </p:txBody>
@@ -4928,14 +3073,14 @@
       </p:grpSpPr>
       <p:sp>
         <p:nvSpPr>
-          <p:cNvPr id="44" name=""/>
+          <p:cNvPr id="40" name=""/>
           <p:cNvSpPr/>
           <p:nvPr/>
         </p:nvSpPr>
         <p:spPr>
           <a:xfrm>
-            <a:off x="0" y="0"/>
-            <a:ext cx="10080000" cy="5670000"/>
+            <a:off x="0" y="5400000"/>
+            <a:ext cx="10079280" cy="269280"/>
           </a:xfrm>
           <a:prstGeom prst="rect">
             <a:avLst/>
@@ -4956,16 +3101,44 @@
       </p:sp>
       <p:sp>
         <p:nvSpPr>
-          <p:cNvPr id="45" name=""/>
+          <p:cNvPr id="41" name=""/>
           <p:cNvSpPr/>
           <p:nvPr/>
         </p:nvSpPr>
         <p:spPr>
           <a:xfrm>
             <a:off x="0" y="0"/>
-            <a:ext cx="10080000" cy="3780000"/>
-          </a:xfrm>
-          <a:prstGeom prst="rect">
+            <a:ext cx="10079280" cy="1214280"/>
+          </a:xfrm>
+          <a:prstGeom prst="rect">
+            <a:avLst/>
+          </a:prstGeom>
+          <a:solidFill>
+            <a:srgbClr val="2c3e50"/>
+          </a:solidFill>
+          <a:ln w="10800">
+            <a:noFill/>
+          </a:ln>
+        </p:spPr>
+        <p:style>
+          <a:lnRef idx="0"/>
+          <a:fillRef idx="0"/>
+          <a:effectRef idx="0"/>
+          <a:fontRef idx="minor"/>
+        </p:style>
+      </p:sp>
+      <p:sp>
+        <p:nvSpPr>
+          <p:cNvPr id="42" name=""/>
+          <p:cNvSpPr/>
+          <p:nvPr/>
+        </p:nvSpPr>
+        <p:spPr>
+          <a:xfrm>
+            <a:off x="9315000" y="5175000"/>
+            <a:ext cx="449280" cy="449280"/>
+          </a:xfrm>
+          <a:prstGeom prst="ellipse">
             <a:avLst/>
           </a:prstGeom>
           <a:solidFill>
@@ -4987,350 +3160,267 @@
       </p:sp>
       <p:sp>
         <p:nvSpPr>
-          <p:cNvPr id="46" name="PlaceHolder 1"/>
-          <p:cNvSpPr>
-            <a:spLocks noGrp="1"/>
-          </p:cNvSpPr>
-          <p:nvPr>
-            <p:ph type="title"/>
-          </p:nvPr>
-        </p:nvSpPr>
-        <p:spPr>
-          <a:xfrm>
-            <a:off x="360000" y="2835000"/>
-            <a:ext cx="9360000" cy="718920"/>
-          </a:xfrm>
-          <a:prstGeom prst="rect">
-            <a:avLst/>
-          </a:prstGeom>
-        </p:spPr>
-        <p:txBody>
-          <a:bodyPr lIns="0" rIns="0" tIns="0" bIns="0" anchor="ctr" anchorCtr="1">
+          <p:cNvPr id="43" name=""/>
+          <p:cNvSpPr/>
+          <p:nvPr/>
+        </p:nvSpPr>
+        <p:spPr>
+          <a:xfrm>
+            <a:off x="9180000" y="5130000"/>
+            <a:ext cx="719280" cy="539280"/>
+          </a:xfrm>
+          <a:prstGeom prst="rect">
+            <a:avLst/>
+          </a:prstGeom>
+          <a:noFill/>
+          <a:ln w="72000">
+            <a:noFill/>
+          </a:ln>
+        </p:spPr>
+        <p:style>
+          <a:lnRef idx="0"/>
+          <a:fillRef idx="0"/>
+          <a:effectRef idx="0"/>
+          <a:fontRef idx="minor"/>
+        </p:style>
+        <p:txBody>
+          <a:bodyPr lIns="0" rIns="0" tIns="0" bIns="0" anchor="ctr">
             <a:noAutofit/>
           </a:bodyPr>
           <a:p>
-            <a:pPr algn="ctr"/>
-            <a:r>
-              <a:rPr b="1" lang="en-US" sz="2700" spc="-1" strike="noStrike">
-                <a:solidFill>
-                  <a:srgbClr val="ffffff"/>
-                </a:solidFill>
-                <a:latin typeface="Source Sans Pro Black"/>
-              </a:rPr>
-              <a:t>Click to edit the title text format</a:t>
-            </a:r>
-            <a:endParaRPr b="1" lang="en-US" sz="2700" spc="-1" strike="noStrike">
-              <a:solidFill>
-                <a:srgbClr val="ffffff"/>
-              </a:solidFill>
-              <a:latin typeface="Source Sans Pro Black"/>
-            </a:endParaRPr>
-          </a:p>
-        </p:txBody>
-      </p:sp>
-      <p:sp>
-        <p:nvSpPr>
-          <p:cNvPr id="47" name="PlaceHolder 2"/>
-          <p:cNvSpPr>
-            <a:spLocks noGrp="1"/>
-          </p:cNvSpPr>
-          <p:nvPr>
-            <p:ph type="body"/>
-          </p:nvPr>
-        </p:nvSpPr>
-        <p:spPr>
-          <a:xfrm>
-            <a:off x="360000" y="3915000"/>
-            <a:ext cx="9360000" cy="1485000"/>
-          </a:xfrm>
-          <a:prstGeom prst="rect">
-            <a:avLst/>
-          </a:prstGeom>
-        </p:spPr>
-        <p:txBody>
-          <a:bodyPr lIns="0" rIns="0" tIns="0" bIns="0">
-            <a:normAutofit fontScale="61000"/>
-          </a:bodyPr>
-          <a:p>
-            <a:pPr marL="432000" indent="-324000">
-              <a:spcAft>
-                <a:spcPts val="655"/>
-              </a:spcAft>
+            <a:pPr algn="ctr">
+              <a:lnSpc>
+                <a:spcPct val="100000"/>
+              </a:lnSpc>
             </a:pPr>
-            <a:r>
-              <a:rPr b="0" lang="en-US" sz="1500" spc="-1" strike="noStrike">
-                <a:solidFill>
-                  <a:srgbClr val="ffffff"/>
-                </a:solidFill>
-                <a:latin typeface="Source Sans Pro"/>
-              </a:rPr>
-              <a:t>Click to edit the outline text format</a:t>
-            </a:r>
-            <a:endParaRPr b="0" lang="en-US" sz="1500" spc="-1" strike="noStrike">
-              <a:solidFill>
-                <a:srgbClr val="ffffff"/>
-              </a:solidFill>
-              <a:latin typeface="Source Sans Pro"/>
-            </a:endParaRPr>
-          </a:p>
-          <a:p>
-            <a:pPr lvl="1" marL="864000" indent="-324000">
-              <a:spcAft>
-                <a:spcPts val="850"/>
-              </a:spcAft>
-            </a:pPr>
-            <a:r>
-              <a:rPr b="0" lang="en-US" sz="1500" spc="-1" strike="noStrike">
-                <a:solidFill>
-                  <a:srgbClr val="ffffff"/>
-                </a:solidFill>
-                <a:latin typeface="Source Sans Pro"/>
-              </a:rPr>
-              <a:t>Second Outline Level</a:t>
-            </a:r>
-            <a:endParaRPr b="0" lang="en-US" sz="1500" spc="-1" strike="noStrike">
-              <a:solidFill>
-                <a:srgbClr val="ffffff"/>
-              </a:solidFill>
-              <a:latin typeface="Source Sans Pro"/>
-            </a:endParaRPr>
-          </a:p>
-          <a:p>
-            <a:pPr lvl="2" marL="1296000" indent="-288000">
-              <a:spcAft>
-                <a:spcPts val="635"/>
-              </a:spcAft>
-            </a:pPr>
-            <a:r>
-              <a:rPr b="0" lang="en-US" sz="1500" spc="-1" strike="noStrike">
-                <a:solidFill>
-                  <a:srgbClr val="ffffff"/>
-                </a:solidFill>
-                <a:latin typeface="Source Sans Pro"/>
-              </a:rPr>
-              <a:t>Third Outline Level</a:t>
-            </a:r>
-            <a:endParaRPr b="0" lang="en-US" sz="1500" spc="-1" strike="noStrike">
-              <a:solidFill>
-                <a:srgbClr val="ffffff"/>
-              </a:solidFill>
-              <a:latin typeface="Source Sans Pro"/>
-            </a:endParaRPr>
-          </a:p>
-          <a:p>
-            <a:pPr lvl="3" marL="1728000" indent="-216000">
-              <a:spcAft>
-                <a:spcPts val="425"/>
-              </a:spcAft>
-            </a:pPr>
-            <a:r>
-              <a:rPr b="0" lang="en-US" sz="1500" spc="-1" strike="noStrike">
-                <a:solidFill>
-                  <a:srgbClr val="ffffff"/>
-                </a:solidFill>
-                <a:latin typeface="Source Sans Pro"/>
-              </a:rPr>
-              <a:t>Fourth Outline Level</a:t>
-            </a:r>
-            <a:endParaRPr b="0" lang="en-US" sz="1500" spc="-1" strike="noStrike">
-              <a:solidFill>
-                <a:srgbClr val="ffffff"/>
-              </a:solidFill>
-              <a:latin typeface="Source Sans Pro"/>
-            </a:endParaRPr>
-          </a:p>
-          <a:p>
-            <a:pPr lvl="4" marL="2160000" indent="-216000">
-              <a:spcAft>
-                <a:spcPts val="213"/>
-              </a:spcAft>
-            </a:pPr>
-            <a:r>
-              <a:rPr b="0" lang="en-US" sz="1500" spc="-1" strike="noStrike">
-                <a:solidFill>
-                  <a:srgbClr val="ffffff"/>
-                </a:solidFill>
-                <a:latin typeface="Source Sans Pro"/>
-              </a:rPr>
-              <a:t>Fifth Outline Level</a:t>
-            </a:r>
-            <a:endParaRPr b="0" lang="en-US" sz="1500" spc="-1" strike="noStrike">
-              <a:solidFill>
-                <a:srgbClr val="ffffff"/>
-              </a:solidFill>
-              <a:latin typeface="Source Sans Pro"/>
-            </a:endParaRPr>
-          </a:p>
-          <a:p>
-            <a:pPr lvl="5" marL="2592000" indent="-216000">
-              <a:spcAft>
-                <a:spcPts val="213"/>
-              </a:spcAft>
-            </a:pPr>
-            <a:r>
-              <a:rPr b="0" lang="en-US" sz="1500" spc="-1" strike="noStrike">
-                <a:solidFill>
-                  <a:srgbClr val="ffffff"/>
-                </a:solidFill>
-                <a:latin typeface="Source Sans Pro"/>
-              </a:rPr>
-              <a:t>Sixth Outline Level</a:t>
-            </a:r>
-            <a:endParaRPr b="0" lang="en-US" sz="1500" spc="-1" strike="noStrike">
-              <a:solidFill>
-                <a:srgbClr val="ffffff"/>
-              </a:solidFill>
-              <a:latin typeface="Source Sans Pro"/>
-            </a:endParaRPr>
-          </a:p>
-          <a:p>
-            <a:pPr lvl="6" marL="3024000" indent="-216000">
-              <a:spcAft>
-                <a:spcPts val="213"/>
-              </a:spcAft>
-            </a:pPr>
-            <a:r>
-              <a:rPr b="0" lang="en-US" sz="1500" spc="-1" strike="noStrike">
-                <a:solidFill>
-                  <a:srgbClr val="ffffff"/>
-                </a:solidFill>
-                <a:latin typeface="Source Sans Pro"/>
-              </a:rPr>
-              <a:t>Seventh Outline Level</a:t>
-            </a:r>
-            <a:endParaRPr b="0" lang="en-US" sz="1500" spc="-1" strike="noStrike">
-              <a:solidFill>
-                <a:srgbClr val="ffffff"/>
-              </a:solidFill>
-              <a:latin typeface="Source Sans Pro"/>
-            </a:endParaRPr>
-          </a:p>
-        </p:txBody>
-      </p:sp>
-      <p:sp>
-        <p:nvSpPr>
-          <p:cNvPr id="48" name="PlaceHolder 3"/>
-          <p:cNvSpPr>
-            <a:spLocks noGrp="1"/>
-          </p:cNvSpPr>
-          <p:nvPr>
-            <p:ph type="dt"/>
-          </p:nvPr>
-        </p:nvSpPr>
-        <p:spPr>
-          <a:xfrm>
-            <a:off x="360000" y="5400000"/>
-            <a:ext cx="2880000" cy="270000"/>
-          </a:xfrm>
-          <a:prstGeom prst="rect">
-            <a:avLst/>
-          </a:prstGeom>
-        </p:spPr>
-        <p:txBody>
-          <a:bodyPr lIns="0" rIns="0" tIns="0" bIns="0">
-            <a:noAutofit/>
-          </a:bodyPr>
-          <a:p>
-            <a:r>
+            <a:fld id="{96516172-117A-4D55-8A3F-B05F146F342D}" type="slidenum">
               <a:rPr b="1" lang="en-US" sz="1800" spc="-1" strike="noStrike">
                 <a:solidFill>
                   <a:srgbClr val="ffffff"/>
                 </a:solidFill>
                 <a:latin typeface="Source Sans Pro Black"/>
-              </a:rPr>
-              <a:t>&lt;date/time&gt;</a:t>
-            </a:r>
-            <a:endParaRPr b="1" lang="en-US" sz="1800" spc="-1" strike="noStrike">
-              <a:solidFill>
-                <a:srgbClr val="ffffff"/>
-              </a:solidFill>
-              <a:latin typeface="Source Sans Pro Black"/>
-            </a:endParaRPr>
-          </a:p>
-        </p:txBody>
-      </p:sp>
-      <p:sp>
-        <p:nvSpPr>
-          <p:cNvPr id="49" name="PlaceHolder 4"/>
-          <p:cNvSpPr>
-            <a:spLocks noGrp="1"/>
-          </p:cNvSpPr>
-          <p:nvPr>
-            <p:ph type="ftr"/>
-          </p:nvPr>
-        </p:nvSpPr>
-        <p:spPr>
-          <a:xfrm>
-            <a:off x="3420000" y="5400000"/>
-            <a:ext cx="3240000" cy="270000"/>
-          </a:xfrm>
-          <a:prstGeom prst="rect">
-            <a:avLst/>
-          </a:prstGeom>
-        </p:spPr>
-        <p:txBody>
-          <a:bodyPr lIns="0" rIns="0" tIns="0" bIns="0">
-            <a:noAutofit/>
-          </a:bodyPr>
-          <a:p>
-            <a:pPr algn="ctr"/>
-            <a:r>
-              <a:rPr b="1" lang="en-US" sz="1800" spc="-1" strike="noStrike">
-                <a:solidFill>
-                  <a:srgbClr val="ffffff"/>
-                </a:solidFill>
-                <a:latin typeface="Source Sans Pro Black"/>
-              </a:rPr>
-              <a:t>&lt;footer&gt;</a:t>
-            </a:r>
-            <a:endParaRPr b="1" lang="en-US" sz="1800" spc="-1" strike="noStrike">
-              <a:solidFill>
-                <a:srgbClr val="ffffff"/>
-              </a:solidFill>
-              <a:latin typeface="Source Sans Pro Black"/>
-            </a:endParaRPr>
-          </a:p>
-        </p:txBody>
-      </p:sp>
-      <p:sp>
-        <p:nvSpPr>
-          <p:cNvPr id="50" name="PlaceHolder 5"/>
-          <p:cNvSpPr>
-            <a:spLocks noGrp="1"/>
-          </p:cNvSpPr>
-          <p:nvPr>
-            <p:ph type="sldNum"/>
-          </p:nvPr>
-        </p:nvSpPr>
-        <p:spPr>
-          <a:xfrm>
-            <a:off x="9180000" y="5130000"/>
-            <a:ext cx="720000" cy="540000"/>
-          </a:xfrm>
-          <a:prstGeom prst="rect">
-            <a:avLst/>
-          </a:prstGeom>
-        </p:spPr>
-        <p:txBody>
-          <a:bodyPr lIns="0" rIns="0" tIns="0" bIns="0" anchor="ctr">
-            <a:noAutofit/>
-          </a:bodyPr>
-          <a:p>
-            <a:pPr algn="ctr"/>
-            <a:fld id="{1CB850D2-23BB-46BD-9246-166F91979692}" type="slidenum">
-              <a:rPr b="1" lang="en-US" sz="1800" spc="-1" strike="noStrike">
-                <a:solidFill>
-                  <a:srgbClr val="ffffff"/>
-                </a:solidFill>
-                <a:latin typeface="Source Sans Pro Black"/>
+                <a:ea typeface="DejaVu Sans"/>
               </a:rPr>
               <a:t>&lt;number&gt;</a:t>
             </a:fld>
-            <a:endParaRPr b="1" lang="en-US" sz="1800" spc="-1" strike="noStrike">
-              <a:solidFill>
-                <a:srgbClr val="ffffff"/>
-              </a:solidFill>
-              <a:latin typeface="Source Sans Pro Black"/>
+            <a:endParaRPr b="0" lang="en-US" sz="1800" spc="-1" strike="noStrike">
+              <a:latin typeface="Arial"/>
+            </a:endParaRPr>
+          </a:p>
+        </p:txBody>
+      </p:sp>
+      <p:sp>
+        <p:nvSpPr>
+          <p:cNvPr id="44" name="PlaceHolder 1"/>
+          <p:cNvSpPr>
+            <a:spLocks noGrp="1"/>
+          </p:cNvSpPr>
+          <p:nvPr>
+            <p:ph type="title"/>
+          </p:nvPr>
+        </p:nvSpPr>
+        <p:spPr>
+          <a:xfrm>
+            <a:off x="504000" y="226080"/>
+            <a:ext cx="9072000" cy="946440"/>
+          </a:xfrm>
+          <a:prstGeom prst="rect">
+            <a:avLst/>
+          </a:prstGeom>
+        </p:spPr>
+        <p:txBody>
+          <a:bodyPr lIns="0" rIns="0" tIns="0" bIns="0" anchor="ctr">
+            <a:noAutofit/>
+          </a:bodyPr>
+          <a:p>
+            <a:pPr algn="ctr"/>
+            <a:r>
+              <a:rPr b="0" lang="en-US" sz="4400" spc="-1" strike="noStrike">
+                <a:latin typeface="Arial"/>
+              </a:rPr>
+              <a:t>Click to edit the title text format</a:t>
+            </a:r>
+            <a:endParaRPr b="0" lang="en-US" sz="4400" spc="-1" strike="noStrike">
+              <a:latin typeface="Arial"/>
+            </a:endParaRPr>
+          </a:p>
+        </p:txBody>
+      </p:sp>
+      <p:sp>
+        <p:nvSpPr>
+          <p:cNvPr id="45" name="PlaceHolder 2"/>
+          <p:cNvSpPr>
+            <a:spLocks noGrp="1"/>
+          </p:cNvSpPr>
+          <p:nvPr>
+            <p:ph type="body"/>
+          </p:nvPr>
+        </p:nvSpPr>
+        <p:spPr>
+          <a:xfrm>
+            <a:off x="504000" y="1326600"/>
+            <a:ext cx="9072000" cy="3288600"/>
+          </a:xfrm>
+          <a:prstGeom prst="rect">
+            <a:avLst/>
+          </a:prstGeom>
+        </p:spPr>
+        <p:txBody>
+          <a:bodyPr lIns="0" rIns="0" tIns="0" bIns="0">
+            <a:normAutofit/>
+          </a:bodyPr>
+          <a:p>
+            <a:pPr marL="432000" indent="-324000">
+              <a:spcBef>
+                <a:spcPts val="1417"/>
+              </a:spcBef>
+              <a:buClr>
+                <a:srgbClr val="000000"/>
+              </a:buClr>
+              <a:buSzPct val="45000"/>
+              <a:buFont typeface="Wingdings" charset="2"/>
+              <a:buChar char=""/>
+            </a:pPr>
+            <a:r>
+              <a:rPr b="0" lang="en-US" sz="3200" spc="-1" strike="noStrike">
+                <a:latin typeface="Arial"/>
+              </a:rPr>
+              <a:t>Click to edit the outline text format</a:t>
+            </a:r>
+            <a:endParaRPr b="0" lang="en-US" sz="3200" spc="-1" strike="noStrike">
+              <a:latin typeface="Arial"/>
+            </a:endParaRPr>
+          </a:p>
+          <a:p>
+            <a:pPr lvl="1" marL="864000" indent="-324000">
+              <a:spcBef>
+                <a:spcPts val="1134"/>
+              </a:spcBef>
+              <a:buClr>
+                <a:srgbClr val="000000"/>
+              </a:buClr>
+              <a:buSzPct val="75000"/>
+              <a:buFont typeface="Symbol" charset="2"/>
+              <a:buChar char=""/>
+            </a:pPr>
+            <a:r>
+              <a:rPr b="0" lang="en-US" sz="2800" spc="-1" strike="noStrike">
+                <a:latin typeface="Arial"/>
+              </a:rPr>
+              <a:t>Second Outline Level</a:t>
+            </a:r>
+            <a:endParaRPr b="0" lang="en-US" sz="2800" spc="-1" strike="noStrike">
+              <a:latin typeface="Arial"/>
+            </a:endParaRPr>
+          </a:p>
+          <a:p>
+            <a:pPr lvl="2" marL="1296000" indent="-288000">
+              <a:spcBef>
+                <a:spcPts val="850"/>
+              </a:spcBef>
+              <a:buClr>
+                <a:srgbClr val="000000"/>
+              </a:buClr>
+              <a:buSzPct val="45000"/>
+              <a:buFont typeface="Wingdings" charset="2"/>
+              <a:buChar char=""/>
+            </a:pPr>
+            <a:r>
+              <a:rPr b="0" lang="en-US" sz="2400" spc="-1" strike="noStrike">
+                <a:latin typeface="Arial"/>
+              </a:rPr>
+              <a:t>Third Outline Level</a:t>
+            </a:r>
+            <a:endParaRPr b="0" lang="en-US" sz="2400" spc="-1" strike="noStrike">
+              <a:latin typeface="Arial"/>
+            </a:endParaRPr>
+          </a:p>
+          <a:p>
+            <a:pPr lvl="3" marL="1728000" indent="-216000">
+              <a:spcBef>
+                <a:spcPts val="567"/>
+              </a:spcBef>
+              <a:buClr>
+                <a:srgbClr val="000000"/>
+              </a:buClr>
+              <a:buSzPct val="75000"/>
+              <a:buFont typeface="Symbol" charset="2"/>
+              <a:buChar char=""/>
+            </a:pPr>
+            <a:r>
+              <a:rPr b="0" lang="en-US" sz="2000" spc="-1" strike="noStrike">
+                <a:latin typeface="Arial"/>
+              </a:rPr>
+              <a:t>Fourth Outline Level</a:t>
+            </a:r>
+            <a:endParaRPr b="0" lang="en-US" sz="2000" spc="-1" strike="noStrike">
+              <a:latin typeface="Arial"/>
+            </a:endParaRPr>
+          </a:p>
+          <a:p>
+            <a:pPr lvl="4" marL="2160000" indent="-216000">
+              <a:spcBef>
+                <a:spcPts val="283"/>
+              </a:spcBef>
+              <a:buClr>
+                <a:srgbClr val="000000"/>
+              </a:buClr>
+              <a:buSzPct val="45000"/>
+              <a:buFont typeface="Wingdings" charset="2"/>
+              <a:buChar char=""/>
+            </a:pPr>
+            <a:r>
+              <a:rPr b="0" lang="en-US" sz="2000" spc="-1" strike="noStrike">
+                <a:latin typeface="Arial"/>
+              </a:rPr>
+              <a:t>Fifth Outline Level</a:t>
+            </a:r>
+            <a:endParaRPr b="0" lang="en-US" sz="2000" spc="-1" strike="noStrike">
+              <a:latin typeface="Arial"/>
+            </a:endParaRPr>
+          </a:p>
+          <a:p>
+            <a:pPr lvl="5" marL="2592000" indent="-216000">
+              <a:spcBef>
+                <a:spcPts val="283"/>
+              </a:spcBef>
+              <a:buClr>
+                <a:srgbClr val="000000"/>
+              </a:buClr>
+              <a:buSzPct val="45000"/>
+              <a:buFont typeface="Wingdings" charset="2"/>
+              <a:buChar char=""/>
+            </a:pPr>
+            <a:r>
+              <a:rPr b="0" lang="en-US" sz="2000" spc="-1" strike="noStrike">
+                <a:latin typeface="Arial"/>
+              </a:rPr>
+              <a:t>Sixth Outline Level</a:t>
+            </a:r>
+            <a:endParaRPr b="0" lang="en-US" sz="2000" spc="-1" strike="noStrike">
+              <a:latin typeface="Arial"/>
+            </a:endParaRPr>
+          </a:p>
+          <a:p>
+            <a:pPr lvl="6" marL="3024000" indent="-216000">
+              <a:spcBef>
+                <a:spcPts val="283"/>
+              </a:spcBef>
+              <a:buClr>
+                <a:srgbClr val="000000"/>
+              </a:buClr>
+              <a:buSzPct val="45000"/>
+              <a:buFont typeface="Wingdings" charset="2"/>
+              <a:buChar char=""/>
+            </a:pPr>
+            <a:r>
+              <a:rPr b="0" lang="en-US" sz="2000" spc="-1" strike="noStrike">
+                <a:latin typeface="Arial"/>
+              </a:rPr>
+              <a:t>Seventh Outline Level</a:t>
+            </a:r>
+            <a:endParaRPr b="0" lang="en-US" sz="2000" spc="-1" strike="noStrike">
+              <a:latin typeface="Arial"/>
             </a:endParaRPr>
           </a:p>
         </p:txBody>
@@ -5351,455 +3441,6 @@
     <p:sldLayoutId id="2147483671" r:id="rId11"/>
     <p:sldLayoutId id="2147483672" r:id="rId12"/>
     <p:sldLayoutId id="2147483673" r:id="rId13"/>
-  </p:sldLayoutIdLst>
-</p:sldMaster>
-</file>
-
-<file path=ppt/slideMasters/slideMaster3.xml><?xml version="1.0" encoding="utf-8"?>
-<p:sldMaster xmlns:a="http://schemas.openxmlformats.org/drawingml/2006/main" xmlns:p="http://schemas.openxmlformats.org/presentationml/2006/main" xmlns:r="http://schemas.openxmlformats.org/officeDocument/2006/relationships" xmlns:p14="http://schemas.microsoft.com/office/powerpoint/2010/main" xmlns:p15="http://schemas.microsoft.com/office/powerpoint/2012/main" xmlns:mc="http://schemas.openxmlformats.org/markup-compatibility/2006">
-  <p:cSld>
-    <p:spTree>
-      <p:nvGrpSpPr>
-        <p:cNvPr id="1" name=""/>
-        <p:cNvGrpSpPr/>
-        <p:nvPr/>
-      </p:nvGrpSpPr>
-      <p:grpSpPr>
-        <a:xfrm>
-          <a:off x="0" y="0"/>
-          <a:ext cx="0" cy="0"/>
-          <a:chOff x="0" y="0"/>
-          <a:chExt cx="0" cy="0"/>
-        </a:xfrm>
-      </p:grpSpPr>
-      <p:sp>
-        <p:nvSpPr>
-          <p:cNvPr id="87" name=""/>
-          <p:cNvSpPr/>
-          <p:nvPr/>
-        </p:nvSpPr>
-        <p:spPr>
-          <a:xfrm>
-            <a:off x="0" y="0"/>
-            <a:ext cx="10080000" cy="5670000"/>
-          </a:xfrm>
-          <a:prstGeom prst="rect">
-            <a:avLst/>
-          </a:prstGeom>
-          <a:solidFill>
-            <a:srgbClr val="2c3e50"/>
-          </a:solidFill>
-          <a:ln w="10800">
-            <a:noFill/>
-          </a:ln>
-        </p:spPr>
-        <p:style>
-          <a:lnRef idx="0"/>
-          <a:fillRef idx="0"/>
-          <a:effectRef idx="0"/>
-          <a:fontRef idx="minor"/>
-        </p:style>
-      </p:sp>
-      <p:sp>
-        <p:nvSpPr>
-          <p:cNvPr id="88" name=""/>
-          <p:cNvSpPr/>
-          <p:nvPr/>
-        </p:nvSpPr>
-        <p:spPr>
-          <a:xfrm>
-            <a:off x="2520000" y="1350000"/>
-            <a:ext cx="5040000" cy="1890000"/>
-          </a:xfrm>
-          <a:prstGeom prst="wedgeRectCallout">
-            <a:avLst>
-              <a:gd name="adj1" fmla="val -34032"/>
-              <a:gd name="adj2" fmla="val 132916"/>
-            </a:avLst>
-          </a:prstGeom>
-          <a:solidFill>
-            <a:srgbClr val="ffffff"/>
-          </a:solidFill>
-          <a:ln w="72000">
-            <a:solidFill>
-              <a:srgbClr val="1abc9c"/>
-            </a:solidFill>
-            <a:round/>
-          </a:ln>
-        </p:spPr>
-        <p:style>
-          <a:lnRef idx="0"/>
-          <a:fillRef idx="0"/>
-          <a:effectRef idx="0"/>
-          <a:fontRef idx="minor"/>
-        </p:style>
-      </p:sp>
-      <p:sp>
-        <p:nvSpPr>
-          <p:cNvPr id="89" name="PlaceHolder 1"/>
-          <p:cNvSpPr>
-            <a:spLocks noGrp="1"/>
-          </p:cNvSpPr>
-          <p:nvPr>
-            <p:ph type="title"/>
-          </p:nvPr>
-        </p:nvSpPr>
-        <p:spPr>
-          <a:xfrm>
-            <a:off x="2700000" y="1485000"/>
-            <a:ext cx="4680000" cy="1620000"/>
-          </a:xfrm>
-          <a:prstGeom prst="rect">
-            <a:avLst/>
-          </a:prstGeom>
-        </p:spPr>
-        <p:txBody>
-          <a:bodyPr lIns="0" rIns="0" tIns="0" bIns="0" anchor="ctr" anchorCtr="1">
-            <a:noAutofit/>
-          </a:bodyPr>
-          <a:p>
-            <a:pPr algn="ctr"/>
-            <a:r>
-              <a:rPr b="1" lang="en-US" sz="2700" spc="-1" strike="noStrike">
-                <a:solidFill>
-                  <a:srgbClr val="2c3e50"/>
-                </a:solidFill>
-                <a:latin typeface="Source Sans Pro Black"/>
-              </a:rPr>
-              <a:t>Click to edit the title text format</a:t>
-            </a:r>
-            <a:endParaRPr b="1" lang="en-US" sz="2700" spc="-1" strike="noStrike">
-              <a:solidFill>
-                <a:srgbClr val="2c3e50"/>
-              </a:solidFill>
-              <a:latin typeface="Source Sans Pro Black"/>
-            </a:endParaRPr>
-          </a:p>
-        </p:txBody>
-      </p:sp>
-      <p:sp>
-        <p:nvSpPr>
-          <p:cNvPr id="90" name="PlaceHolder 2"/>
-          <p:cNvSpPr>
-            <a:spLocks noGrp="1"/>
-          </p:cNvSpPr>
-          <p:nvPr>
-            <p:ph type="body"/>
-          </p:nvPr>
-        </p:nvSpPr>
-        <p:spPr>
-          <a:xfrm>
-            <a:off x="3420000" y="3240000"/>
-            <a:ext cx="6300000" cy="1620000"/>
-          </a:xfrm>
-          <a:prstGeom prst="rect">
-            <a:avLst/>
-          </a:prstGeom>
-        </p:spPr>
-        <p:txBody>
-          <a:bodyPr lIns="0" rIns="0" tIns="0" bIns="0">
-            <a:normAutofit fontScale="69000"/>
-          </a:bodyPr>
-          <a:p>
-            <a:pPr marL="432000" indent="-324000">
-              <a:spcAft>
-                <a:spcPts val="655"/>
-              </a:spcAft>
-            </a:pPr>
-            <a:r>
-              <a:rPr b="0" lang="en-US" sz="1500" spc="-1" strike="noStrike">
-                <a:solidFill>
-                  <a:srgbClr val="ffffff"/>
-                </a:solidFill>
-                <a:latin typeface="Source Sans Pro"/>
-              </a:rPr>
-              <a:t>Click to edit the outline text format</a:t>
-            </a:r>
-            <a:endParaRPr b="0" lang="en-US" sz="1500" spc="-1" strike="noStrike">
-              <a:solidFill>
-                <a:srgbClr val="ffffff"/>
-              </a:solidFill>
-              <a:latin typeface="Source Sans Pro"/>
-            </a:endParaRPr>
-          </a:p>
-          <a:p>
-            <a:pPr lvl="1" marL="864000" indent="-324000">
-              <a:spcAft>
-                <a:spcPts val="850"/>
-              </a:spcAft>
-            </a:pPr>
-            <a:r>
-              <a:rPr b="0" lang="en-US" sz="1500" spc="-1" strike="noStrike">
-                <a:solidFill>
-                  <a:srgbClr val="ffffff"/>
-                </a:solidFill>
-                <a:latin typeface="Source Sans Pro"/>
-              </a:rPr>
-              <a:t>Second Outline Level</a:t>
-            </a:r>
-            <a:endParaRPr b="0" lang="en-US" sz="1500" spc="-1" strike="noStrike">
-              <a:solidFill>
-                <a:srgbClr val="ffffff"/>
-              </a:solidFill>
-              <a:latin typeface="Source Sans Pro"/>
-            </a:endParaRPr>
-          </a:p>
-          <a:p>
-            <a:pPr lvl="2" marL="1296000" indent="-288000">
-              <a:spcAft>
-                <a:spcPts val="635"/>
-              </a:spcAft>
-            </a:pPr>
-            <a:r>
-              <a:rPr b="0" lang="en-US" sz="1500" spc="-1" strike="noStrike">
-                <a:solidFill>
-                  <a:srgbClr val="ffffff"/>
-                </a:solidFill>
-                <a:latin typeface="Source Sans Pro"/>
-              </a:rPr>
-              <a:t>Third Outline Level</a:t>
-            </a:r>
-            <a:endParaRPr b="0" lang="en-US" sz="1500" spc="-1" strike="noStrike">
-              <a:solidFill>
-                <a:srgbClr val="ffffff"/>
-              </a:solidFill>
-              <a:latin typeface="Source Sans Pro"/>
-            </a:endParaRPr>
-          </a:p>
-          <a:p>
-            <a:pPr lvl="3" marL="1728000" indent="-216000">
-              <a:spcAft>
-                <a:spcPts val="425"/>
-              </a:spcAft>
-            </a:pPr>
-            <a:r>
-              <a:rPr b="0" lang="en-US" sz="1500" spc="-1" strike="noStrike">
-                <a:solidFill>
-                  <a:srgbClr val="ffffff"/>
-                </a:solidFill>
-                <a:latin typeface="Source Sans Pro"/>
-              </a:rPr>
-              <a:t>Fourth Outline Level</a:t>
-            </a:r>
-            <a:endParaRPr b="0" lang="en-US" sz="1500" spc="-1" strike="noStrike">
-              <a:solidFill>
-                <a:srgbClr val="ffffff"/>
-              </a:solidFill>
-              <a:latin typeface="Source Sans Pro"/>
-            </a:endParaRPr>
-          </a:p>
-          <a:p>
-            <a:pPr lvl="4" marL="2160000" indent="-216000">
-              <a:spcAft>
-                <a:spcPts val="213"/>
-              </a:spcAft>
-            </a:pPr>
-            <a:r>
-              <a:rPr b="0" lang="en-US" sz="1500" spc="-1" strike="noStrike">
-                <a:solidFill>
-                  <a:srgbClr val="ffffff"/>
-                </a:solidFill>
-                <a:latin typeface="Source Sans Pro"/>
-              </a:rPr>
-              <a:t>Fifth Outline Level</a:t>
-            </a:r>
-            <a:endParaRPr b="0" lang="en-US" sz="1500" spc="-1" strike="noStrike">
-              <a:solidFill>
-                <a:srgbClr val="ffffff"/>
-              </a:solidFill>
-              <a:latin typeface="Source Sans Pro"/>
-            </a:endParaRPr>
-          </a:p>
-          <a:p>
-            <a:pPr lvl="5" marL="2592000" indent="-216000">
-              <a:spcAft>
-                <a:spcPts val="213"/>
-              </a:spcAft>
-            </a:pPr>
-            <a:r>
-              <a:rPr b="0" lang="en-US" sz="1500" spc="-1" strike="noStrike">
-                <a:solidFill>
-                  <a:srgbClr val="ffffff"/>
-                </a:solidFill>
-                <a:latin typeface="Source Sans Pro"/>
-              </a:rPr>
-              <a:t>Sixth Outline Level</a:t>
-            </a:r>
-            <a:endParaRPr b="0" lang="en-US" sz="1500" spc="-1" strike="noStrike">
-              <a:solidFill>
-                <a:srgbClr val="ffffff"/>
-              </a:solidFill>
-              <a:latin typeface="Source Sans Pro"/>
-            </a:endParaRPr>
-          </a:p>
-          <a:p>
-            <a:pPr lvl="6" marL="3024000" indent="-216000">
-              <a:spcAft>
-                <a:spcPts val="213"/>
-              </a:spcAft>
-            </a:pPr>
-            <a:r>
-              <a:rPr b="0" lang="en-US" sz="1500" spc="-1" strike="noStrike">
-                <a:solidFill>
-                  <a:srgbClr val="ffffff"/>
-                </a:solidFill>
-                <a:latin typeface="Source Sans Pro"/>
-              </a:rPr>
-              <a:t>Seventh Outline Level</a:t>
-            </a:r>
-            <a:endParaRPr b="0" lang="en-US" sz="1500" spc="-1" strike="noStrike">
-              <a:solidFill>
-                <a:srgbClr val="ffffff"/>
-              </a:solidFill>
-              <a:latin typeface="Source Sans Pro"/>
-            </a:endParaRPr>
-          </a:p>
-        </p:txBody>
-      </p:sp>
-      <p:sp>
-        <p:nvSpPr>
-          <p:cNvPr id="91" name="PlaceHolder 3"/>
-          <p:cNvSpPr>
-            <a:spLocks noGrp="1"/>
-          </p:cNvSpPr>
-          <p:nvPr>
-            <p:ph type="dt"/>
-          </p:nvPr>
-        </p:nvSpPr>
-        <p:spPr>
-          <a:xfrm>
-            <a:off x="360000" y="5400000"/>
-            <a:ext cx="2880000" cy="270000"/>
-          </a:xfrm>
-          <a:prstGeom prst="rect">
-            <a:avLst/>
-          </a:prstGeom>
-        </p:spPr>
-        <p:txBody>
-          <a:bodyPr lIns="0" rIns="0" tIns="0" bIns="0">
-            <a:noAutofit/>
-          </a:bodyPr>
-          <a:p>
-            <a:r>
-              <a:rPr b="1" lang="en-US" sz="1800" spc="-1" strike="noStrike">
-                <a:solidFill>
-                  <a:srgbClr val="ffffff"/>
-                </a:solidFill>
-                <a:latin typeface="Source Sans Pro Black"/>
-              </a:rPr>
-              <a:t>&lt;date/time&gt;</a:t>
-            </a:r>
-            <a:endParaRPr b="1" lang="en-US" sz="1800" spc="-1" strike="noStrike">
-              <a:solidFill>
-                <a:srgbClr val="ffffff"/>
-              </a:solidFill>
-              <a:latin typeface="Source Sans Pro Black"/>
-            </a:endParaRPr>
-          </a:p>
-        </p:txBody>
-      </p:sp>
-      <p:sp>
-        <p:nvSpPr>
-          <p:cNvPr id="92" name="PlaceHolder 4"/>
-          <p:cNvSpPr>
-            <a:spLocks noGrp="1"/>
-          </p:cNvSpPr>
-          <p:nvPr>
-            <p:ph type="ftr"/>
-          </p:nvPr>
-        </p:nvSpPr>
-        <p:spPr>
-          <a:xfrm>
-            <a:off x="3420000" y="5400000"/>
-            <a:ext cx="3240000" cy="270000"/>
-          </a:xfrm>
-          <a:prstGeom prst="rect">
-            <a:avLst/>
-          </a:prstGeom>
-        </p:spPr>
-        <p:txBody>
-          <a:bodyPr lIns="0" rIns="0" tIns="0" bIns="0">
-            <a:noAutofit/>
-          </a:bodyPr>
-          <a:p>
-            <a:pPr algn="ctr"/>
-            <a:r>
-              <a:rPr b="1" lang="en-US" sz="1800" spc="-1" strike="noStrike">
-                <a:solidFill>
-                  <a:srgbClr val="ffffff"/>
-                </a:solidFill>
-                <a:latin typeface="Source Sans Pro Black"/>
-              </a:rPr>
-              <a:t>&lt;footer&gt;</a:t>
-            </a:r>
-            <a:endParaRPr b="1" lang="en-US" sz="1800" spc="-1" strike="noStrike">
-              <a:solidFill>
-                <a:srgbClr val="ffffff"/>
-              </a:solidFill>
-              <a:latin typeface="Source Sans Pro Black"/>
-            </a:endParaRPr>
-          </a:p>
-        </p:txBody>
-      </p:sp>
-      <p:sp>
-        <p:nvSpPr>
-          <p:cNvPr id="93" name="PlaceHolder 5"/>
-          <p:cNvSpPr>
-            <a:spLocks noGrp="1"/>
-          </p:cNvSpPr>
-          <p:nvPr>
-            <p:ph type="sldNum"/>
-          </p:nvPr>
-        </p:nvSpPr>
-        <p:spPr>
-          <a:xfrm>
-            <a:off x="9180000" y="5130000"/>
-            <a:ext cx="720000" cy="540000"/>
-          </a:xfrm>
-          <a:prstGeom prst="rect">
-            <a:avLst/>
-          </a:prstGeom>
-        </p:spPr>
-        <p:txBody>
-          <a:bodyPr lIns="0" rIns="0" tIns="0" bIns="0" anchor="ctr">
-            <a:noAutofit/>
-          </a:bodyPr>
-          <a:p>
-            <a:pPr algn="ctr"/>
-            <a:fld id="{E508DC33-B49C-4E15-9AD5-54E58F9DC373}" type="slidenum">
-              <a:rPr b="1" lang="en-US" sz="1800" spc="-1" strike="noStrike">
-                <a:solidFill>
-                  <a:srgbClr val="ffffff"/>
-                </a:solidFill>
-                <a:latin typeface="Source Sans Pro Black"/>
-              </a:rPr>
-              <a:t>&lt;number&gt;</a:t>
-            </a:fld>
-            <a:endParaRPr b="1" lang="en-US" sz="1800" spc="-1" strike="noStrike">
-              <a:solidFill>
-                <a:srgbClr val="ffffff"/>
-              </a:solidFill>
-              <a:latin typeface="Source Sans Pro Black"/>
-            </a:endParaRPr>
-          </a:p>
-        </p:txBody>
-      </p:sp>
-    </p:spTree>
-  </p:cSld>
-  <p:clrMap bg1="lt1" bg2="lt2" tx1="dk1" tx2="dk2" accent1="accent1" accent2="accent2" accent3="accent3" accent4="accent4" accent5="accent5" accent6="accent6" hlink="hlink" folHlink="folHlink"/>
-  <p:sldLayoutIdLst>
-    <p:sldLayoutId id="2147483675" r:id="rId2"/>
-    <p:sldLayoutId id="2147483676" r:id="rId3"/>
-    <p:sldLayoutId id="2147483677" r:id="rId4"/>
-    <p:sldLayoutId id="2147483678" r:id="rId5"/>
-    <p:sldLayoutId id="2147483679" r:id="rId6"/>
-    <p:sldLayoutId id="2147483680" r:id="rId7"/>
-    <p:sldLayoutId id="2147483681" r:id="rId8"/>
-    <p:sldLayoutId id="2147483682" r:id="rId9"/>
-    <p:sldLayoutId id="2147483683" r:id="rId10"/>
-    <p:sldLayoutId id="2147483684" r:id="rId11"/>
-    <p:sldLayoutId id="2147483685" r:id="rId12"/>
-    <p:sldLayoutId id="2147483686" r:id="rId13"/>
   </p:sldLayoutIdLst>
 </p:sldMaster>
 </file>
@@ -5823,14 +3464,14 @@
       </p:grpSpPr>
       <p:sp>
         <p:nvSpPr>
-          <p:cNvPr id="130" name=""/>
-          <p:cNvSpPr txBox="1"/>
+          <p:cNvPr id="82" name=""/>
+          <p:cNvSpPr/>
           <p:nvPr/>
         </p:nvSpPr>
         <p:spPr>
           <a:xfrm>
             <a:off x="360000" y="1176120"/>
-            <a:ext cx="9360000" cy="1567080"/>
+            <a:ext cx="9359280" cy="1566360"/>
           </a:xfrm>
           <a:prstGeom prst="rect">
             <a:avLst/>
@@ -5840,6 +3481,12 @@
             <a:noFill/>
           </a:ln>
         </p:spPr>
+        <p:style>
+          <a:lnRef idx="0"/>
+          <a:fillRef idx="0"/>
+          <a:effectRef idx="0"/>
+          <a:fontRef idx="minor"/>
+        </p:style>
         <p:txBody>
           <a:bodyPr lIns="0" rIns="0" tIns="0" bIns="0" anchor="ctr" anchorCtr="1">
             <a:noAutofit/>
@@ -5856,6 +3503,7 @@
                   <a:srgbClr val="ffffff"/>
                 </a:solidFill>
                 <a:latin typeface="Source Sans Pro Black"/>
+                <a:ea typeface="DejaVu Sans"/>
               </a:rPr>
               <a:t>Εργασία Αντικειμενοστραφούς </a:t>
             </a:r>
@@ -5866,28 +3514,26 @@
                   <a:srgbClr val="ffffff"/>
                 </a:solidFill>
                 <a:latin typeface="Source Sans Pro Black"/>
+                <a:ea typeface="DejaVu Sans"/>
               </a:rPr>
               <a:t>προγραμματισμού ΙΙ</a:t>
             </a:r>
-            <a:endParaRPr b="1" lang="en-US" sz="2700" spc="-1" strike="noStrike">
-              <a:solidFill>
-                <a:srgbClr val="ffffff"/>
-              </a:solidFill>
-              <a:latin typeface="Source Sans Pro Black"/>
-            </a:endParaRPr>
-          </a:p>
-        </p:txBody>
-      </p:sp>
-      <p:sp>
-        <p:nvSpPr>
-          <p:cNvPr id="131" name=""/>
-          <p:cNvSpPr txBox="1"/>
+            <a:endParaRPr b="0" lang="en-US" sz="2700" spc="-1" strike="noStrike">
+              <a:latin typeface="Arial"/>
+            </a:endParaRPr>
+          </a:p>
+        </p:txBody>
+      </p:sp>
+      <p:sp>
+        <p:nvSpPr>
+          <p:cNvPr id="83" name=""/>
+          <p:cNvSpPr/>
           <p:nvPr/>
         </p:nvSpPr>
         <p:spPr>
           <a:xfrm>
             <a:off x="360000" y="3915000"/>
-            <a:ext cx="9360000" cy="1485000"/>
+            <a:ext cx="9359280" cy="1484280"/>
           </a:xfrm>
           <a:prstGeom prst="rect">
             <a:avLst/>
@@ -5897,44 +3543,54 @@
             <a:noFill/>
           </a:ln>
         </p:spPr>
+        <p:style>
+          <a:lnRef idx="0"/>
+          <a:fillRef idx="0"/>
+          <a:effectRef idx="0"/>
+          <a:fontRef idx="minor"/>
+        </p:style>
         <p:txBody>
           <a:bodyPr lIns="0" rIns="0" tIns="0" bIns="0" anchor="ctr">
             <a:noAutofit/>
           </a:bodyPr>
           <a:p>
-            <a:pPr algn="ctr"/>
+            <a:pPr algn="ctr">
+              <a:lnSpc>
+                <a:spcPct val="100000"/>
+              </a:lnSpc>
+            </a:pPr>
             <a:r>
               <a:rPr b="0" lang="en-US" sz="2200" spc="-1" strike="noStrike">
                 <a:solidFill>
                   <a:srgbClr val="ffffff"/>
                 </a:solidFill>
                 <a:latin typeface="Source Sans Pro"/>
+                <a:ea typeface="DejaVu Sans"/>
               </a:rPr>
               <a:t>Ν.Λιάπης it21950</a:t>
             </a:r>
             <a:endParaRPr b="0" lang="en-US" sz="2200" spc="-1" strike="noStrike">
-              <a:solidFill>
-                <a:srgbClr val="ffffff"/>
-              </a:solidFill>
-              <a:latin typeface="Source Sans Pro"/>
-            </a:endParaRPr>
-          </a:p>
-          <a:p>
-            <a:pPr algn="ctr"/>
+              <a:latin typeface="Arial"/>
+            </a:endParaRPr>
+          </a:p>
+          <a:p>
+            <a:pPr algn="ctr">
+              <a:lnSpc>
+                <a:spcPct val="100000"/>
+              </a:lnSpc>
+            </a:pPr>
             <a:r>
               <a:rPr b="0" lang="en-US" sz="2200" spc="-1" strike="noStrike">
                 <a:solidFill>
                   <a:srgbClr val="ffffff"/>
                 </a:solidFill>
                 <a:latin typeface="Source Sans Pro"/>
+                <a:ea typeface="DejaVu Sans"/>
               </a:rPr>
               <a:t>Α.Χούρλιας it219113</a:t>
             </a:r>
             <a:endParaRPr b="0" lang="en-US" sz="2200" spc="-1" strike="noStrike">
-              <a:solidFill>
-                <a:srgbClr val="ffffff"/>
-              </a:solidFill>
-              <a:latin typeface="Source Sans Pro"/>
+              <a:latin typeface="Arial"/>
             </a:endParaRPr>
           </a:p>
         </p:txBody>
@@ -5971,14 +3627,14 @@
       </p:grpSpPr>
       <p:sp>
         <p:nvSpPr>
-          <p:cNvPr id="150" name=""/>
-          <p:cNvSpPr txBox="1"/>
+          <p:cNvPr id="102" name=""/>
+          <p:cNvSpPr/>
           <p:nvPr/>
         </p:nvSpPr>
         <p:spPr>
           <a:xfrm>
             <a:off x="360000" y="225720"/>
-            <a:ext cx="9360000" cy="718920"/>
+            <a:ext cx="9359280" cy="718200"/>
           </a:xfrm>
           <a:prstGeom prst="rect">
             <a:avLst/>
@@ -5988,32 +3644,41 @@
             <a:noFill/>
           </a:ln>
         </p:spPr>
+        <p:style>
+          <a:lnRef idx="0"/>
+          <a:fillRef idx="0"/>
+          <a:effectRef idx="0"/>
+          <a:fontRef idx="minor"/>
+        </p:style>
         <p:txBody>
           <a:bodyPr lIns="0" rIns="0" tIns="0" bIns="0" anchor="ctr">
             <a:noAutofit/>
           </a:bodyPr>
           <a:p>
+            <a:pPr>
+              <a:lnSpc>
+                <a:spcPct val="100000"/>
+              </a:lnSpc>
+            </a:pPr>
             <a:r>
               <a:rPr b="1" lang="en-US" sz="2700" spc="-1" strike="noStrike">
                 <a:solidFill>
                   <a:srgbClr val="ffffff"/>
                 </a:solidFill>
                 <a:latin typeface="Source Sans Pro Black"/>
+                <a:ea typeface="DejaVu Sans"/>
               </a:rPr>
               <a:t>Young Traveller Calculate Similarity </a:t>
             </a:r>
-            <a:endParaRPr b="1" lang="en-US" sz="2700" spc="-1" strike="noStrike">
-              <a:solidFill>
-                <a:srgbClr val="ffffff"/>
-              </a:solidFill>
-              <a:latin typeface="Source Sans Pro Black"/>
+            <a:endParaRPr b="0" lang="en-US" sz="2700" spc="-1" strike="noStrike">
+              <a:latin typeface="Arial"/>
             </a:endParaRPr>
           </a:p>
         </p:txBody>
       </p:sp>
       <p:pic>
         <p:nvPicPr>
-          <p:cNvPr id="151" name="" descr=""/>
+          <p:cNvPr id="103" name="" descr=""/>
           <p:cNvPicPr/>
           <p:nvPr/>
         </p:nvPicPr>
@@ -6024,7 +3689,7 @@
         <p:spPr>
           <a:xfrm>
             <a:off x="0" y="1170000"/>
-            <a:ext cx="9360000" cy="2487600"/>
+            <a:ext cx="9359280" cy="2486880"/>
           </a:xfrm>
           <a:prstGeom prst="rect">
             <a:avLst/>
@@ -6036,7 +3701,7 @@
       </p:pic>
       <p:pic>
         <p:nvPicPr>
-          <p:cNvPr id="152" name="" descr=""/>
+          <p:cNvPr id="104" name="" descr=""/>
           <p:cNvPicPr/>
           <p:nvPr/>
         </p:nvPicPr>
@@ -6047,7 +3712,7 @@
         <p:spPr>
           <a:xfrm>
             <a:off x="5424480" y="1958400"/>
-            <a:ext cx="4405320" cy="3299400"/>
+            <a:ext cx="4404600" cy="3298680"/>
           </a:xfrm>
           <a:prstGeom prst="rect">
             <a:avLst/>
@@ -6089,14 +3754,14 @@
       </p:grpSpPr>
       <p:sp>
         <p:nvSpPr>
-          <p:cNvPr id="153" name=""/>
-          <p:cNvSpPr txBox="1"/>
+          <p:cNvPr id="105" name=""/>
+          <p:cNvSpPr/>
           <p:nvPr/>
         </p:nvSpPr>
         <p:spPr>
           <a:xfrm>
             <a:off x="360000" y="225720"/>
-            <a:ext cx="9360000" cy="718920"/>
+            <a:ext cx="9359280" cy="718200"/>
           </a:xfrm>
           <a:prstGeom prst="rect">
             <a:avLst/>
@@ -6106,32 +3771,41 @@
             <a:noFill/>
           </a:ln>
         </p:spPr>
+        <p:style>
+          <a:lnRef idx="0"/>
+          <a:fillRef idx="0"/>
+          <a:effectRef idx="0"/>
+          <a:fontRef idx="minor"/>
+        </p:style>
         <p:txBody>
           <a:bodyPr lIns="0" rIns="0" tIns="0" bIns="0" anchor="ctr">
             <a:noAutofit/>
           </a:bodyPr>
           <a:p>
+            <a:pPr>
+              <a:lnSpc>
+                <a:spcPct val="100000"/>
+              </a:lnSpc>
+            </a:pPr>
             <a:r>
               <a:rPr b="1" lang="en-US" sz="2700" spc="-1" strike="noStrike">
                 <a:solidFill>
                   <a:srgbClr val="ffffff"/>
                 </a:solidFill>
                 <a:latin typeface="Source Sans Pro Black"/>
+                <a:ea typeface="DejaVu Sans"/>
               </a:rPr>
               <a:t>Middle Traveller Calculate Similarity </a:t>
             </a:r>
-            <a:endParaRPr b="1" lang="en-US" sz="2700" spc="-1" strike="noStrike">
-              <a:solidFill>
-                <a:srgbClr val="ffffff"/>
-              </a:solidFill>
-              <a:latin typeface="Source Sans Pro Black"/>
+            <a:endParaRPr b="0" lang="en-US" sz="2700" spc="-1" strike="noStrike">
+              <a:latin typeface="Arial"/>
             </a:endParaRPr>
           </a:p>
         </p:txBody>
       </p:sp>
       <p:pic>
         <p:nvPicPr>
-          <p:cNvPr id="154" name="" descr=""/>
+          <p:cNvPr id="106" name="" descr=""/>
           <p:cNvPicPr/>
           <p:nvPr/>
         </p:nvPicPr>
@@ -6142,7 +3816,7 @@
         <p:spPr>
           <a:xfrm>
             <a:off x="0" y="1210680"/>
-            <a:ext cx="9360000" cy="2446920"/>
+            <a:ext cx="9359280" cy="2446200"/>
           </a:xfrm>
           <a:prstGeom prst="rect">
             <a:avLst/>
@@ -6154,7 +3828,7 @@
       </p:pic>
       <p:pic>
         <p:nvPicPr>
-          <p:cNvPr id="155" name="" descr=""/>
+          <p:cNvPr id="107" name="" descr=""/>
           <p:cNvPicPr/>
           <p:nvPr/>
         </p:nvPicPr>
@@ -6165,7 +3839,7 @@
         <p:spPr>
           <a:xfrm>
             <a:off x="5257800" y="2000520"/>
-            <a:ext cx="3886200" cy="3485880"/>
+            <a:ext cx="3885480" cy="3485160"/>
           </a:xfrm>
           <a:prstGeom prst="rect">
             <a:avLst/>
@@ -6207,14 +3881,14 @@
       </p:grpSpPr>
       <p:sp>
         <p:nvSpPr>
-          <p:cNvPr id="156" name=""/>
-          <p:cNvSpPr txBox="1"/>
+          <p:cNvPr id="108" name=""/>
+          <p:cNvSpPr/>
           <p:nvPr/>
         </p:nvSpPr>
         <p:spPr>
           <a:xfrm>
             <a:off x="360000" y="225720"/>
-            <a:ext cx="9360000" cy="718920"/>
+            <a:ext cx="9359280" cy="718200"/>
           </a:xfrm>
           <a:prstGeom prst="rect">
             <a:avLst/>
@@ -6224,32 +3898,41 @@
             <a:noFill/>
           </a:ln>
         </p:spPr>
+        <p:style>
+          <a:lnRef idx="0"/>
+          <a:fillRef idx="0"/>
+          <a:effectRef idx="0"/>
+          <a:fontRef idx="minor"/>
+        </p:style>
         <p:txBody>
           <a:bodyPr lIns="0" rIns="0" tIns="0" bIns="0" anchor="ctr">
             <a:noAutofit/>
           </a:bodyPr>
           <a:p>
+            <a:pPr>
+              <a:lnSpc>
+                <a:spcPct val="100000"/>
+              </a:lnSpc>
+            </a:pPr>
             <a:r>
               <a:rPr b="1" lang="en-US" sz="2700" spc="-1" strike="noStrike">
                 <a:solidFill>
                   <a:srgbClr val="ffffff"/>
                 </a:solidFill>
                 <a:latin typeface="Source Sans Pro Black"/>
+                <a:ea typeface="DejaVu Sans"/>
               </a:rPr>
               <a:t>Elder Traveller Calculate Similarity </a:t>
             </a:r>
-            <a:endParaRPr b="1" lang="en-US" sz="2700" spc="-1" strike="noStrike">
-              <a:solidFill>
-                <a:srgbClr val="ffffff"/>
-              </a:solidFill>
-              <a:latin typeface="Source Sans Pro Black"/>
+            <a:endParaRPr b="0" lang="en-US" sz="2700" spc="-1" strike="noStrike">
+              <a:latin typeface="Arial"/>
             </a:endParaRPr>
           </a:p>
         </p:txBody>
       </p:sp>
       <p:pic>
         <p:nvPicPr>
-          <p:cNvPr id="157" name="" descr=""/>
+          <p:cNvPr id="109" name="" descr=""/>
           <p:cNvPicPr/>
           <p:nvPr/>
         </p:nvPicPr>
@@ -6260,7 +3943,7 @@
         <p:spPr>
           <a:xfrm>
             <a:off x="0" y="1143000"/>
-            <a:ext cx="9360000" cy="2558160"/>
+            <a:ext cx="9359280" cy="2557440"/>
           </a:xfrm>
           <a:prstGeom prst="rect">
             <a:avLst/>
@@ -6272,7 +3955,7 @@
       </p:pic>
       <p:pic>
         <p:nvPicPr>
-          <p:cNvPr id="158" name="" descr=""/>
+          <p:cNvPr id="110" name="" descr=""/>
           <p:cNvPicPr/>
           <p:nvPr/>
         </p:nvPicPr>
@@ -6283,7 +3966,7 @@
         <p:spPr>
           <a:xfrm>
             <a:off x="5257800" y="1828800"/>
-            <a:ext cx="3920760" cy="3710880"/>
+            <a:ext cx="3920040" cy="3710160"/>
           </a:xfrm>
           <a:prstGeom prst="rect">
             <a:avLst/>
@@ -6325,14 +4008,14 @@
       </p:grpSpPr>
       <p:sp>
         <p:nvSpPr>
-          <p:cNvPr id="159" name=""/>
-          <p:cNvSpPr txBox="1"/>
+          <p:cNvPr id="111" name=""/>
+          <p:cNvSpPr/>
           <p:nvPr/>
         </p:nvSpPr>
         <p:spPr>
           <a:xfrm>
             <a:off x="360000" y="225720"/>
-            <a:ext cx="9360000" cy="718920"/>
+            <a:ext cx="9359280" cy="718200"/>
           </a:xfrm>
           <a:prstGeom prst="rect">
             <a:avLst/>
@@ -6342,32 +4025,41 @@
             <a:noFill/>
           </a:ln>
         </p:spPr>
+        <p:style>
+          <a:lnRef idx="0"/>
+          <a:fillRef idx="0"/>
+          <a:effectRef idx="0"/>
+          <a:fontRef idx="minor"/>
+        </p:style>
         <p:txBody>
           <a:bodyPr lIns="0" rIns="0" tIns="0" bIns="0" anchor="ctr">
             <a:noAutofit/>
           </a:bodyPr>
           <a:p>
+            <a:pPr>
+              <a:lnSpc>
+                <a:spcPct val="100000"/>
+              </a:lnSpc>
+            </a:pPr>
             <a:r>
               <a:rPr b="1" lang="en-US" sz="2700" spc="-1" strike="noStrike">
                 <a:solidFill>
                   <a:srgbClr val="ffffff"/>
                 </a:solidFill>
                 <a:latin typeface="Source Sans Pro Black"/>
+                <a:ea typeface="DejaVu Sans"/>
               </a:rPr>
               <a:t>Compare Cities </a:t>
             </a:r>
-            <a:endParaRPr b="1" lang="en-US" sz="2700" spc="-1" strike="noStrike">
-              <a:solidFill>
-                <a:srgbClr val="ffffff"/>
-              </a:solidFill>
-              <a:latin typeface="Source Sans Pro Black"/>
+            <a:endParaRPr b="0" lang="en-US" sz="2700" spc="-1" strike="noStrike">
+              <a:latin typeface="Arial"/>
             </a:endParaRPr>
           </a:p>
         </p:txBody>
       </p:sp>
       <p:pic>
         <p:nvPicPr>
-          <p:cNvPr id="160" name="" descr=""/>
+          <p:cNvPr id="112" name="" descr=""/>
           <p:cNvPicPr/>
           <p:nvPr/>
         </p:nvPicPr>
@@ -6378,7 +4070,7 @@
         <p:spPr>
           <a:xfrm>
             <a:off x="0" y="1143000"/>
-            <a:ext cx="9360000" cy="2578320"/>
+            <a:ext cx="9359280" cy="2577600"/>
           </a:xfrm>
           <a:prstGeom prst="rect">
             <a:avLst/>
@@ -6390,7 +4082,7 @@
       </p:pic>
       <p:pic>
         <p:nvPicPr>
-          <p:cNvPr id="161" name="" descr=""/>
+          <p:cNvPr id="113" name="" descr=""/>
           <p:cNvPicPr/>
           <p:nvPr/>
         </p:nvPicPr>
@@ -6400,8 +4092,8 @@
         </p:blipFill>
         <p:spPr>
           <a:xfrm rot="6000">
-            <a:off x="-21600" y="3894840"/>
-            <a:ext cx="10079640" cy="780480"/>
+            <a:off x="-20880" y="3894840"/>
+            <a:ext cx="10078920" cy="779760"/>
           </a:xfrm>
           <a:prstGeom prst="rect">
             <a:avLst/>
@@ -6413,7 +4105,7 @@
       </p:pic>
       <p:pic>
         <p:nvPicPr>
-          <p:cNvPr id="162" name="" descr=""/>
+          <p:cNvPr id="114" name="" descr=""/>
           <p:cNvPicPr/>
           <p:nvPr/>
         </p:nvPicPr>
@@ -6424,7 +4116,7 @@
         <p:spPr>
           <a:xfrm>
             <a:off x="3429000" y="879480"/>
-            <a:ext cx="5486400" cy="2092320"/>
+            <a:ext cx="5485680" cy="2091600"/>
           </a:xfrm>
           <a:prstGeom prst="rect">
             <a:avLst/>
@@ -6436,7 +4128,7 @@
       </p:pic>
       <p:sp>
         <p:nvSpPr>
-          <p:cNvPr id="163" name=""/>
+          <p:cNvPr id="115" name=""/>
           <p:cNvSpPr/>
           <p:nvPr/>
         </p:nvSpPr>
@@ -6462,12 +4154,12 @@
           <a:fontRef idx="minor"/>
         </p:style>
       </p:sp>
-      <p:cxnSp>
-        <p:nvCxnSpPr>
-          <p:cNvPr id="164" name=""/>
-          <p:cNvCxnSpPr/>
-          <p:nvPr/>
-        </p:nvCxnSpPr>
+      <p:sp>
+        <p:nvSpPr>
+          <p:cNvPr id="116" name=""/>
+          <p:cNvSpPr/>
+          <p:nvPr/>
+        </p:nvSpPr>
         <p:spPr>
           <a:xfrm>
             <a:off x="0" y="0"/>
@@ -6484,7 +4176,13 @@
             <a:tailEnd len="med" type="triangle" w="med"/>
           </a:ln>
         </p:spPr>
-      </p:cxnSp>
+        <p:style>
+          <a:lnRef idx="0"/>
+          <a:fillRef idx="0"/>
+          <a:effectRef idx="0"/>
+          <a:fontRef idx="minor"/>
+        </p:style>
+      </p:sp>
     </p:spTree>
   </p:cSld>
   <mc:AlternateContent>
@@ -6517,14 +4215,14 @@
       </p:grpSpPr>
       <p:sp>
         <p:nvSpPr>
-          <p:cNvPr id="165" name=""/>
-          <p:cNvSpPr txBox="1"/>
+          <p:cNvPr id="117" name=""/>
+          <p:cNvSpPr/>
           <p:nvPr/>
         </p:nvSpPr>
         <p:spPr>
           <a:xfrm>
             <a:off x="360000" y="225720"/>
-            <a:ext cx="9360000" cy="718920"/>
+            <a:ext cx="9359280" cy="718200"/>
           </a:xfrm>
           <a:prstGeom prst="rect">
             <a:avLst/>
@@ -6534,17 +4232,29 @@
             <a:noFill/>
           </a:ln>
         </p:spPr>
+        <p:style>
+          <a:lnRef idx="0"/>
+          <a:fillRef idx="0"/>
+          <a:effectRef idx="0"/>
+          <a:fontRef idx="minor"/>
+        </p:style>
         <p:txBody>
           <a:bodyPr lIns="0" rIns="0" tIns="0" bIns="0" anchor="ctr">
             <a:noAutofit/>
           </a:bodyPr>
           <a:p>
+            <a:pPr>
+              <a:lnSpc>
+                <a:spcPct val="100000"/>
+              </a:lnSpc>
+            </a:pPr>
             <a:r>
               <a:rPr b="1" lang="en-US" sz="2700" spc="-1" strike="noStrike">
                 <a:solidFill>
                   <a:srgbClr val="ffffff"/>
                 </a:solidFill>
                 <a:latin typeface="Source Sans Pro Black"/>
+                <a:ea typeface="DejaVu Sans"/>
               </a:rPr>
               <a:t>Exceptions </a:t>
             </a:r>
@@ -6554,21 +4264,19 @@
                   <a:srgbClr val="ffffff"/>
                 </a:solidFill>
                 <a:latin typeface="Source Sans Pro Black"/>
+                <a:ea typeface="DejaVu Sans"/>
               </a:rPr>
               <a:t>	</a:t>
             </a:r>
-            <a:endParaRPr b="1" lang="en-US" sz="2700" spc="-1" strike="noStrike">
-              <a:solidFill>
-                <a:srgbClr val="ffffff"/>
-              </a:solidFill>
-              <a:latin typeface="Source Sans Pro Black"/>
+            <a:endParaRPr b="0" lang="en-US" sz="2700" spc="-1" strike="noStrike">
+              <a:latin typeface="Arial"/>
             </a:endParaRPr>
           </a:p>
         </p:txBody>
       </p:sp>
       <p:pic>
         <p:nvPicPr>
-          <p:cNvPr id="166" name="" descr=""/>
+          <p:cNvPr id="118" name="" descr=""/>
           <p:cNvPicPr/>
           <p:nvPr/>
         </p:nvPicPr>
@@ -6579,7 +4287,7 @@
         <p:spPr>
           <a:xfrm>
             <a:off x="457200" y="1564560"/>
-            <a:ext cx="9360000" cy="264240"/>
+            <a:ext cx="9359280" cy="263520"/>
           </a:xfrm>
           <a:prstGeom prst="rect">
             <a:avLst/>
@@ -6591,7 +4299,7 @@
       </p:pic>
       <p:pic>
         <p:nvPicPr>
-          <p:cNvPr id="167" name="" descr=""/>
+          <p:cNvPr id="119" name="" descr=""/>
           <p:cNvPicPr/>
           <p:nvPr/>
         </p:nvPicPr>
@@ -6602,7 +4310,7 @@
         <p:spPr>
           <a:xfrm>
             <a:off x="0" y="1945800"/>
-            <a:ext cx="10079640" cy="340200"/>
+            <a:ext cx="10078920" cy="339480"/>
           </a:xfrm>
           <a:prstGeom prst="rect">
             <a:avLst/>
@@ -6614,7 +4322,7 @@
       </p:pic>
       <p:pic>
         <p:nvPicPr>
-          <p:cNvPr id="168" name="" descr=""/>
+          <p:cNvPr id="120" name="" descr=""/>
           <p:cNvPicPr/>
           <p:nvPr/>
         </p:nvPicPr>
@@ -6625,7 +4333,7 @@
         <p:spPr>
           <a:xfrm>
             <a:off x="96840" y="2421000"/>
-            <a:ext cx="4703760" cy="2781360"/>
+            <a:ext cx="4703040" cy="2780640"/>
           </a:xfrm>
           <a:prstGeom prst="rect">
             <a:avLst/>
@@ -6637,7 +4345,7 @@
       </p:pic>
       <p:pic>
         <p:nvPicPr>
-          <p:cNvPr id="169" name="" descr=""/>
+          <p:cNvPr id="121" name="" descr=""/>
           <p:cNvPicPr/>
           <p:nvPr/>
         </p:nvPicPr>
@@ -6648,7 +4356,7 @@
         <p:spPr>
           <a:xfrm>
             <a:off x="5029200" y="2313720"/>
-            <a:ext cx="3886200" cy="1887120"/>
+            <a:ext cx="3885480" cy="1886400"/>
           </a:xfrm>
           <a:prstGeom prst="rect">
             <a:avLst/>
@@ -6660,7 +4368,7 @@
       </p:pic>
       <p:pic>
         <p:nvPicPr>
-          <p:cNvPr id="170" name="" descr=""/>
+          <p:cNvPr id="122" name="" descr=""/>
           <p:cNvPicPr/>
           <p:nvPr/>
         </p:nvPicPr>
@@ -6671,7 +4379,7 @@
         <p:spPr>
           <a:xfrm>
             <a:off x="5029200" y="4200840"/>
-            <a:ext cx="4866840" cy="828360"/>
+            <a:ext cx="4866120" cy="827640"/>
           </a:xfrm>
           <a:prstGeom prst="rect">
             <a:avLst/>
@@ -6713,14 +4421,14 @@
       </p:grpSpPr>
       <p:sp>
         <p:nvSpPr>
-          <p:cNvPr id="171" name=""/>
-          <p:cNvSpPr txBox="1"/>
+          <p:cNvPr id="123" name=""/>
+          <p:cNvSpPr/>
           <p:nvPr/>
         </p:nvSpPr>
         <p:spPr>
           <a:xfrm>
             <a:off x="360000" y="225720"/>
-            <a:ext cx="9360000" cy="718920"/>
+            <a:ext cx="9359280" cy="718200"/>
           </a:xfrm>
           <a:prstGeom prst="rect">
             <a:avLst/>
@@ -6730,32 +4438,41 @@
             <a:noFill/>
           </a:ln>
         </p:spPr>
+        <p:style>
+          <a:lnRef idx="0"/>
+          <a:fillRef idx="0"/>
+          <a:effectRef idx="0"/>
+          <a:fontRef idx="minor"/>
+        </p:style>
         <p:txBody>
           <a:bodyPr lIns="0" rIns="0" tIns="0" bIns="0" anchor="ctr">
             <a:noAutofit/>
           </a:bodyPr>
           <a:p>
+            <a:pPr>
+              <a:lnSpc>
+                <a:spcPct val="100000"/>
+              </a:lnSpc>
+            </a:pPr>
             <a:r>
               <a:rPr b="1" lang="en-US" sz="2700" spc="-1" strike="noStrike">
                 <a:solidFill>
                   <a:srgbClr val="ffffff"/>
                 </a:solidFill>
                 <a:latin typeface="Source Sans Pro Black"/>
+                <a:ea typeface="DejaVu Sans"/>
               </a:rPr>
               <a:t>Hash map collection </a:t>
             </a:r>
-            <a:endParaRPr b="1" lang="en-US" sz="2700" spc="-1" strike="noStrike">
-              <a:solidFill>
-                <a:srgbClr val="ffffff"/>
-              </a:solidFill>
-              <a:latin typeface="Source Sans Pro Black"/>
+            <a:endParaRPr b="0" lang="en-US" sz="2700" spc="-1" strike="noStrike">
+              <a:latin typeface="Arial"/>
             </a:endParaRPr>
           </a:p>
         </p:txBody>
       </p:sp>
       <p:pic>
         <p:nvPicPr>
-          <p:cNvPr id="172" name="" descr=""/>
+          <p:cNvPr id="124" name="" descr=""/>
           <p:cNvPicPr/>
           <p:nvPr/>
         </p:nvPicPr>
@@ -6766,7 +4483,7 @@
         <p:spPr>
           <a:xfrm>
             <a:off x="228600" y="1143000"/>
-            <a:ext cx="9360000" cy="245160"/>
+            <a:ext cx="9359280" cy="244440"/>
           </a:xfrm>
           <a:prstGeom prst="rect">
             <a:avLst/>
@@ -6778,7 +4495,7 @@
       </p:pic>
       <p:pic>
         <p:nvPicPr>
-          <p:cNvPr id="173" name="" descr=""/>
+          <p:cNvPr id="125" name="" descr=""/>
           <p:cNvPicPr/>
           <p:nvPr/>
         </p:nvPicPr>
@@ -6789,7 +4506,7 @@
         <p:spPr>
           <a:xfrm>
             <a:off x="228600" y="1600200"/>
-            <a:ext cx="2514600" cy="3070080"/>
+            <a:ext cx="2513880" cy="3069360"/>
           </a:xfrm>
           <a:prstGeom prst="rect">
             <a:avLst/>
@@ -6801,7 +4518,7 @@
       </p:pic>
       <p:pic>
         <p:nvPicPr>
-          <p:cNvPr id="174" name="" descr=""/>
+          <p:cNvPr id="126" name="" descr=""/>
           <p:cNvPicPr/>
           <p:nvPr/>
         </p:nvPicPr>
@@ -6812,7 +4529,7 @@
         <p:spPr>
           <a:xfrm>
             <a:off x="2950200" y="1525680"/>
-            <a:ext cx="7108200" cy="1217520"/>
+            <a:ext cx="7107480" cy="1216800"/>
           </a:xfrm>
           <a:prstGeom prst="rect">
             <a:avLst/>
@@ -6824,7 +4541,7 @@
       </p:pic>
       <p:pic>
         <p:nvPicPr>
-          <p:cNvPr id="175" name="" descr=""/>
+          <p:cNvPr id="127" name="" descr=""/>
           <p:cNvPicPr/>
           <p:nvPr/>
         </p:nvPicPr>
@@ -6835,7 +4552,7 @@
         <p:spPr>
           <a:xfrm>
             <a:off x="2971800" y="2847240"/>
-            <a:ext cx="6879600" cy="2410560"/>
+            <a:ext cx="6878880" cy="2409840"/>
           </a:xfrm>
           <a:prstGeom prst="rect">
             <a:avLst/>
@@ -6877,14 +4594,14 @@
       </p:grpSpPr>
       <p:sp>
         <p:nvSpPr>
-          <p:cNvPr id="176" name=""/>
-          <p:cNvSpPr txBox="1"/>
+          <p:cNvPr id="128" name=""/>
+          <p:cNvSpPr/>
           <p:nvPr/>
         </p:nvSpPr>
         <p:spPr>
           <a:xfrm>
             <a:off x="360000" y="225720"/>
-            <a:ext cx="9360000" cy="718920"/>
+            <a:ext cx="9359280" cy="718200"/>
           </a:xfrm>
           <a:prstGeom prst="rect">
             <a:avLst/>
@@ -6894,17 +4611,29 @@
             <a:noFill/>
           </a:ln>
         </p:spPr>
+        <p:style>
+          <a:lnRef idx="0"/>
+          <a:fillRef idx="0"/>
+          <a:effectRef idx="0"/>
+          <a:fontRef idx="minor"/>
+        </p:style>
         <p:txBody>
           <a:bodyPr lIns="0" rIns="0" tIns="0" bIns="0" anchor="ctr">
             <a:noAutofit/>
           </a:bodyPr>
           <a:p>
+            <a:pPr>
+              <a:lnSpc>
+                <a:spcPct val="100000"/>
+              </a:lnSpc>
+            </a:pPr>
             <a:r>
               <a:rPr b="1" lang="en-US" sz="2700" spc="-1" strike="noStrike">
                 <a:solidFill>
                   <a:srgbClr val="ffffff"/>
                 </a:solidFill>
                 <a:latin typeface="Source Sans Pro Black"/>
+                <a:ea typeface="DejaVu Sans"/>
               </a:rPr>
               <a:t>Timestamp </a:t>
             </a:r>
@@ -6914,21 +4643,19 @@
                   <a:srgbClr val="ffffff"/>
                 </a:solidFill>
                 <a:latin typeface="Source Sans Pro Black"/>
+                <a:ea typeface="DejaVu Sans"/>
               </a:rPr>
               <a:t>	</a:t>
             </a:r>
-            <a:endParaRPr b="1" lang="en-US" sz="2700" spc="-1" strike="noStrike">
-              <a:solidFill>
-                <a:srgbClr val="ffffff"/>
-              </a:solidFill>
-              <a:latin typeface="Source Sans Pro Black"/>
+            <a:endParaRPr b="0" lang="en-US" sz="2700" spc="-1" strike="noStrike">
+              <a:latin typeface="Arial"/>
             </a:endParaRPr>
           </a:p>
         </p:txBody>
       </p:sp>
       <p:pic>
         <p:nvPicPr>
-          <p:cNvPr id="177" name="" descr=""/>
+          <p:cNvPr id="129" name="" descr=""/>
           <p:cNvPicPr/>
           <p:nvPr/>
         </p:nvPicPr>
@@ -6939,7 +4666,7 @@
         <p:spPr>
           <a:xfrm>
             <a:off x="0" y="1143000"/>
-            <a:ext cx="3069000" cy="1238400"/>
+            <a:ext cx="3068280" cy="1237680"/>
           </a:xfrm>
           <a:prstGeom prst="rect">
             <a:avLst/>
@@ -6951,7 +4678,7 @@
       </p:pic>
       <p:pic>
         <p:nvPicPr>
-          <p:cNvPr id="178" name="" descr=""/>
+          <p:cNvPr id="130" name="" descr=""/>
           <p:cNvPicPr/>
           <p:nvPr/>
         </p:nvPicPr>
@@ -6962,7 +4689,7 @@
         <p:spPr>
           <a:xfrm>
             <a:off x="1348200" y="1371600"/>
-            <a:ext cx="5738400" cy="2057400"/>
+            <a:ext cx="5737680" cy="2056680"/>
           </a:xfrm>
           <a:prstGeom prst="rect">
             <a:avLst/>
@@ -6974,7 +4701,7 @@
       </p:pic>
       <p:pic>
         <p:nvPicPr>
-          <p:cNvPr id="179" name="" descr=""/>
+          <p:cNvPr id="131" name="" descr=""/>
           <p:cNvPicPr/>
           <p:nvPr/>
         </p:nvPicPr>
@@ -6985,7 +4712,7 @@
         <p:spPr>
           <a:xfrm>
             <a:off x="1600200" y="3200400"/>
-            <a:ext cx="7579080" cy="2057400"/>
+            <a:ext cx="7578360" cy="2056680"/>
           </a:xfrm>
           <a:prstGeom prst="rect">
             <a:avLst/>
@@ -7027,14 +4754,14 @@
       </p:grpSpPr>
       <p:sp>
         <p:nvSpPr>
-          <p:cNvPr id="180" name=""/>
-          <p:cNvSpPr txBox="1"/>
+          <p:cNvPr id="132" name=""/>
+          <p:cNvSpPr/>
           <p:nvPr/>
         </p:nvSpPr>
         <p:spPr>
           <a:xfrm>
             <a:off x="360000" y="225720"/>
-            <a:ext cx="9360000" cy="718920"/>
+            <a:ext cx="9359280" cy="718200"/>
           </a:xfrm>
           <a:prstGeom prst="rect">
             <a:avLst/>
@@ -7044,32 +4771,41 @@
             <a:noFill/>
           </a:ln>
         </p:spPr>
+        <p:style>
+          <a:lnRef idx="0"/>
+          <a:fillRef idx="0"/>
+          <a:effectRef idx="0"/>
+          <a:fontRef idx="minor"/>
+        </p:style>
         <p:txBody>
           <a:bodyPr lIns="0" rIns="0" tIns="0" bIns="0" anchor="ctr">
             <a:noAutofit/>
           </a:bodyPr>
           <a:p>
+            <a:pPr>
+              <a:lnSpc>
+                <a:spcPct val="100000"/>
+              </a:lnSpc>
+            </a:pPr>
             <a:r>
               <a:rPr b="1" lang="en-US" sz="2700" spc="-1" strike="noStrike">
                 <a:solidFill>
                   <a:srgbClr val="ffffff"/>
                 </a:solidFill>
                 <a:latin typeface="Source Sans Pro Black"/>
+                <a:ea typeface="DejaVu Sans"/>
               </a:rPr>
               <a:t>Comparable </a:t>
             </a:r>
-            <a:endParaRPr b="1" lang="en-US" sz="2700" spc="-1" strike="noStrike">
-              <a:solidFill>
-                <a:srgbClr val="ffffff"/>
-              </a:solidFill>
-              <a:latin typeface="Source Sans Pro Black"/>
+            <a:endParaRPr b="0" lang="en-US" sz="2700" spc="-1" strike="noStrike">
+              <a:latin typeface="Arial"/>
             </a:endParaRPr>
           </a:p>
         </p:txBody>
       </p:sp>
       <p:pic>
         <p:nvPicPr>
-          <p:cNvPr id="181" name="" descr=""/>
+          <p:cNvPr id="133" name="" descr=""/>
           <p:cNvPicPr/>
           <p:nvPr/>
         </p:nvPicPr>
@@ -7080,7 +4816,7 @@
         <p:spPr>
           <a:xfrm>
             <a:off x="0" y="1245240"/>
-            <a:ext cx="4897800" cy="583560"/>
+            <a:ext cx="4897080" cy="582840"/>
           </a:xfrm>
           <a:prstGeom prst="rect">
             <a:avLst/>
@@ -7092,7 +4828,7 @@
       </p:pic>
       <p:pic>
         <p:nvPicPr>
-          <p:cNvPr id="182" name="" descr=""/>
+          <p:cNvPr id="134" name="" descr=""/>
           <p:cNvPicPr/>
           <p:nvPr/>
         </p:nvPicPr>
@@ -7103,7 +4839,7 @@
         <p:spPr>
           <a:xfrm>
             <a:off x="0" y="1600200"/>
-            <a:ext cx="4067280" cy="2530800"/>
+            <a:ext cx="4066560" cy="2530080"/>
           </a:xfrm>
           <a:prstGeom prst="rect">
             <a:avLst/>
@@ -7115,7 +4851,7 @@
       </p:pic>
       <p:pic>
         <p:nvPicPr>
-          <p:cNvPr id="183" name="" descr=""/>
+          <p:cNvPr id="135" name="" descr=""/>
           <p:cNvPicPr/>
           <p:nvPr/>
         </p:nvPicPr>
@@ -7126,7 +4862,7 @@
         <p:spPr>
           <a:xfrm>
             <a:off x="3922920" y="3429000"/>
-            <a:ext cx="4763880" cy="1613520"/>
+            <a:ext cx="4763160" cy="1612800"/>
           </a:xfrm>
           <a:prstGeom prst="rect">
             <a:avLst/>
@@ -7138,7 +4874,7 @@
       </p:pic>
       <p:pic>
         <p:nvPicPr>
-          <p:cNvPr id="184" name="" descr=""/>
+          <p:cNvPr id="136" name="" descr=""/>
           <p:cNvPicPr/>
           <p:nvPr/>
         </p:nvPicPr>
@@ -7149,7 +4885,7 @@
         <p:spPr>
           <a:xfrm>
             <a:off x="3907800" y="1561320"/>
-            <a:ext cx="6172200" cy="1867680"/>
+            <a:ext cx="6171480" cy="1866960"/>
           </a:xfrm>
           <a:prstGeom prst="rect">
             <a:avLst/>
@@ -7161,7 +4897,7 @@
       </p:pic>
       <p:sp>
         <p:nvSpPr>
-          <p:cNvPr id="185" name=""/>
+          <p:cNvPr id="137" name=""/>
           <p:cNvSpPr/>
           <p:nvPr/>
         </p:nvSpPr>
@@ -7219,14 +4955,14 @@
       </p:grpSpPr>
       <p:sp>
         <p:nvSpPr>
-          <p:cNvPr id="186" name=""/>
-          <p:cNvSpPr txBox="1"/>
+          <p:cNvPr id="138" name=""/>
+          <p:cNvSpPr/>
           <p:nvPr/>
         </p:nvSpPr>
         <p:spPr>
           <a:xfrm>
             <a:off x="360000" y="225720"/>
-            <a:ext cx="9360000" cy="718920"/>
+            <a:ext cx="9359280" cy="718200"/>
           </a:xfrm>
           <a:prstGeom prst="rect">
             <a:avLst/>
@@ -7236,32 +4972,41 @@
             <a:noFill/>
           </a:ln>
         </p:spPr>
+        <p:style>
+          <a:lnRef idx="0"/>
+          <a:fillRef idx="0"/>
+          <a:effectRef idx="0"/>
+          <a:fontRef idx="minor"/>
+        </p:style>
         <p:txBody>
           <a:bodyPr lIns="0" rIns="0" tIns="0" bIns="0" anchor="ctr">
             <a:noAutofit/>
           </a:bodyPr>
           <a:p>
+            <a:pPr>
+              <a:lnSpc>
+                <a:spcPct val="100000"/>
+              </a:lnSpc>
+            </a:pPr>
             <a:r>
               <a:rPr b="1" lang="en-US" sz="2700" spc="-1" strike="noStrike">
                 <a:solidFill>
                   <a:srgbClr val="ffffff"/>
                 </a:solidFill>
                 <a:latin typeface="Source Sans Pro Black"/>
+                <a:ea typeface="DejaVu Sans"/>
               </a:rPr>
-              <a:t>Json</a:t>
+              <a:t>JSON</a:t>
             </a:r>
-            <a:endParaRPr b="1" lang="en-US" sz="2700" spc="-1" strike="noStrike">
-              <a:solidFill>
-                <a:srgbClr val="ffffff"/>
-              </a:solidFill>
-              <a:latin typeface="Source Sans Pro Black"/>
+            <a:endParaRPr b="0" lang="en-US" sz="2700" spc="-1" strike="noStrike">
+              <a:latin typeface="Arial"/>
             </a:endParaRPr>
           </a:p>
         </p:txBody>
       </p:sp>
       <p:pic>
         <p:nvPicPr>
-          <p:cNvPr id="187" name="" descr=""/>
+          <p:cNvPr id="139" name="" descr=""/>
           <p:cNvPicPr/>
           <p:nvPr/>
         </p:nvPicPr>
@@ -7272,7 +5017,7 @@
         <p:spPr>
           <a:xfrm>
             <a:off x="0" y="1181880"/>
-            <a:ext cx="9144000" cy="1972080"/>
+            <a:ext cx="9143280" cy="1971360"/>
           </a:xfrm>
           <a:prstGeom prst="rect">
             <a:avLst/>
@@ -7284,7 +5029,7 @@
       </p:pic>
       <p:pic>
         <p:nvPicPr>
-          <p:cNvPr id="188" name="" descr=""/>
+          <p:cNvPr id="140" name="" descr=""/>
           <p:cNvPicPr/>
           <p:nvPr/>
         </p:nvPicPr>
@@ -7294,20 +5039,20 @@
         </p:blipFill>
         <p:spPr>
           <a:xfrm>
-            <a:off x="228600" y="2743200"/>
-            <a:ext cx="5516280" cy="2910600"/>
-          </a:xfrm>
-          <a:prstGeom prst="rect">
-            <a:avLst/>
-          </a:prstGeom>
-          <a:ln w="10800">
+            <a:off x="608760" y="2519280"/>
+            <a:ext cx="5105880" cy="3151080"/>
+          </a:xfrm>
+          <a:prstGeom prst="rect">
+            <a:avLst/>
+          </a:prstGeom>
+          <a:ln w="0">
             <a:noFill/>
           </a:ln>
         </p:spPr>
       </p:pic>
       <p:pic>
         <p:nvPicPr>
-          <p:cNvPr id="189" name="" descr=""/>
+          <p:cNvPr id="141" name="" descr=""/>
           <p:cNvPicPr/>
           <p:nvPr/>
         </p:nvPicPr>
@@ -7317,13 +5062,13 @@
         </p:blipFill>
         <p:spPr>
           <a:xfrm>
-            <a:off x="5715000" y="2909520"/>
-            <a:ext cx="4318200" cy="2348280"/>
-          </a:xfrm>
-          <a:prstGeom prst="rect">
-            <a:avLst/>
-          </a:prstGeom>
-          <a:ln w="10800">
+            <a:off x="5715000" y="2286000"/>
+            <a:ext cx="4343040" cy="2931840"/>
+          </a:xfrm>
+          <a:prstGeom prst="rect">
+            <a:avLst/>
+          </a:prstGeom>
+          <a:ln w="0">
             <a:noFill/>
           </a:ln>
         </p:spPr>
@@ -7360,14 +5105,14 @@
       </p:grpSpPr>
       <p:sp>
         <p:nvSpPr>
-          <p:cNvPr id="190" name=""/>
-          <p:cNvSpPr txBox="1"/>
+          <p:cNvPr id="142" name=""/>
+          <p:cNvSpPr/>
           <p:nvPr/>
         </p:nvSpPr>
         <p:spPr>
           <a:xfrm>
             <a:off x="360000" y="225720"/>
-            <a:ext cx="9360000" cy="718920"/>
+            <a:ext cx="9359280" cy="718200"/>
           </a:xfrm>
           <a:prstGeom prst="rect">
             <a:avLst/>
@@ -7377,32 +5122,41 @@
             <a:noFill/>
           </a:ln>
         </p:spPr>
+        <p:style>
+          <a:lnRef idx="0"/>
+          <a:fillRef idx="0"/>
+          <a:effectRef idx="0"/>
+          <a:fontRef idx="minor"/>
+        </p:style>
         <p:txBody>
           <a:bodyPr lIns="0" rIns="0" tIns="0" bIns="0" anchor="ctr">
             <a:noAutofit/>
           </a:bodyPr>
           <a:p>
+            <a:pPr>
+              <a:lnSpc>
+                <a:spcPct val="100000"/>
+              </a:lnSpc>
+            </a:pPr>
             <a:r>
               <a:rPr b="1" lang="en-US" sz="2700" spc="-1" strike="noStrike">
                 <a:solidFill>
                   <a:srgbClr val="ffffff"/>
                 </a:solidFill>
                 <a:latin typeface="Source Sans Pro Black"/>
+                <a:ea typeface="DejaVu Sans"/>
               </a:rPr>
               <a:t>Database </a:t>
             </a:r>
-            <a:endParaRPr b="1" lang="en-US" sz="2700" spc="-1" strike="noStrike">
-              <a:solidFill>
-                <a:srgbClr val="ffffff"/>
-              </a:solidFill>
-              <a:latin typeface="Source Sans Pro Black"/>
+            <a:endParaRPr b="0" lang="en-US" sz="2700" spc="-1" strike="noStrike">
+              <a:latin typeface="Arial"/>
             </a:endParaRPr>
           </a:p>
         </p:txBody>
       </p:sp>
       <p:pic>
         <p:nvPicPr>
-          <p:cNvPr id="191" name="" descr=""/>
+          <p:cNvPr id="143" name="" descr=""/>
           <p:cNvPicPr/>
           <p:nvPr/>
         </p:nvPicPr>
@@ -7413,7 +5167,7 @@
         <p:spPr>
           <a:xfrm>
             <a:off x="0" y="889200"/>
-            <a:ext cx="5715000" cy="3225600"/>
+            <a:ext cx="5714280" cy="3224880"/>
           </a:xfrm>
           <a:prstGeom prst="rect">
             <a:avLst/>
@@ -7425,7 +5179,7 @@
       </p:pic>
       <p:pic>
         <p:nvPicPr>
-          <p:cNvPr id="192" name="" descr=""/>
+          <p:cNvPr id="144" name="" descr=""/>
           <p:cNvPicPr/>
           <p:nvPr/>
         </p:nvPicPr>
@@ -7436,7 +5190,7 @@
         <p:spPr>
           <a:xfrm>
             <a:off x="5399640" y="1600200"/>
-            <a:ext cx="4680360" cy="2743200"/>
+            <a:ext cx="4679640" cy="2742480"/>
           </a:xfrm>
           <a:prstGeom prst="rect">
             <a:avLst/>
@@ -7448,7 +5202,7 @@
       </p:pic>
       <p:pic>
         <p:nvPicPr>
-          <p:cNvPr id="193" name="" descr=""/>
+          <p:cNvPr id="145" name="" descr=""/>
           <p:cNvPicPr/>
           <p:nvPr/>
         </p:nvPicPr>
@@ -7459,7 +5213,7 @@
         <p:spPr>
           <a:xfrm>
             <a:off x="6732720" y="2286000"/>
-            <a:ext cx="3325680" cy="2813400"/>
+            <a:ext cx="3324960" cy="2812680"/>
           </a:xfrm>
           <a:prstGeom prst="rect">
             <a:avLst/>
@@ -7501,14 +5255,14 @@
       </p:grpSpPr>
       <p:sp>
         <p:nvSpPr>
-          <p:cNvPr id="132" name=""/>
-          <p:cNvSpPr txBox="1"/>
+          <p:cNvPr id="84" name=""/>
+          <p:cNvSpPr/>
           <p:nvPr/>
         </p:nvSpPr>
         <p:spPr>
           <a:xfrm>
             <a:off x="360000" y="225720"/>
-            <a:ext cx="9360000" cy="720000"/>
+            <a:ext cx="9359280" cy="719280"/>
           </a:xfrm>
           <a:prstGeom prst="rect">
             <a:avLst/>
@@ -7518,32 +5272,41 @@
             <a:noFill/>
           </a:ln>
         </p:spPr>
+        <p:style>
+          <a:lnRef idx="0"/>
+          <a:fillRef idx="0"/>
+          <a:effectRef idx="0"/>
+          <a:fontRef idx="minor"/>
+        </p:style>
         <p:txBody>
           <a:bodyPr lIns="0" rIns="0" tIns="0" bIns="0" anchor="ctr">
             <a:noAutofit/>
           </a:bodyPr>
           <a:p>
+            <a:pPr>
+              <a:lnSpc>
+                <a:spcPct val="100000"/>
+              </a:lnSpc>
+            </a:pPr>
             <a:r>
               <a:rPr b="1" lang="en-US" sz="2700" spc="-1" strike="noStrike">
                 <a:solidFill>
                   <a:srgbClr val="ffffff"/>
                 </a:solidFill>
                 <a:latin typeface="Source Sans Pro Black"/>
+                <a:ea typeface="DejaVu Sans"/>
               </a:rPr>
               <a:t>Array Terms Vector , Array Geodesic Vector </a:t>
             </a:r>
-            <a:endParaRPr b="1" lang="en-US" sz="2700" spc="-1" strike="noStrike">
-              <a:solidFill>
-                <a:srgbClr val="ffffff"/>
-              </a:solidFill>
-              <a:latin typeface="Source Sans Pro Black"/>
+            <a:endParaRPr b="0" lang="en-US" sz="2700" spc="-1" strike="noStrike">
+              <a:latin typeface="Arial"/>
             </a:endParaRPr>
           </a:p>
         </p:txBody>
       </p:sp>
       <p:pic>
         <p:nvPicPr>
-          <p:cNvPr id="133" name="" descr=""/>
+          <p:cNvPr id="85" name="" descr=""/>
           <p:cNvPicPr/>
           <p:nvPr/>
         </p:nvPicPr>
@@ -7554,7 +5317,7 @@
         <p:spPr>
           <a:xfrm>
             <a:off x="360000" y="2779200"/>
-            <a:ext cx="9360000" cy="1191240"/>
+            <a:ext cx="9359280" cy="1190520"/>
           </a:xfrm>
           <a:prstGeom prst="rect">
             <a:avLst/>
@@ -7596,14 +5359,14 @@
       </p:grpSpPr>
       <p:sp>
         <p:nvSpPr>
-          <p:cNvPr id="134" name=""/>
-          <p:cNvSpPr txBox="1"/>
+          <p:cNvPr id="86" name=""/>
+          <p:cNvSpPr/>
           <p:nvPr/>
         </p:nvSpPr>
         <p:spPr>
           <a:xfrm>
             <a:off x="360000" y="225720"/>
-            <a:ext cx="9360000" cy="718920"/>
+            <a:ext cx="9359280" cy="718200"/>
           </a:xfrm>
           <a:prstGeom prst="rect">
             <a:avLst/>
@@ -7613,32 +5376,41 @@
             <a:noFill/>
           </a:ln>
         </p:spPr>
+        <p:style>
+          <a:lnRef idx="0"/>
+          <a:fillRef idx="0"/>
+          <a:effectRef idx="0"/>
+          <a:fontRef idx="minor"/>
+        </p:style>
         <p:txBody>
           <a:bodyPr lIns="0" rIns="0" tIns="0" bIns="0" anchor="ctr">
             <a:noAutofit/>
           </a:bodyPr>
           <a:p>
+            <a:pPr>
+              <a:lnSpc>
+                <a:spcPct val="100000"/>
+              </a:lnSpc>
+            </a:pPr>
             <a:r>
               <a:rPr b="1" lang="en-US" sz="2700" spc="-1" strike="noStrike">
                 <a:solidFill>
                   <a:srgbClr val="ffffff"/>
                 </a:solidFill>
                 <a:latin typeface="Source Sans Pro Black"/>
+                <a:ea typeface="DejaVu Sans"/>
               </a:rPr>
               <a:t>Abstract class Traveller</a:t>
             </a:r>
-            <a:endParaRPr b="1" lang="en-US" sz="2700" spc="-1" strike="noStrike">
-              <a:solidFill>
-                <a:srgbClr val="ffffff"/>
-              </a:solidFill>
-              <a:latin typeface="Source Sans Pro Black"/>
+            <a:endParaRPr b="0" lang="en-US" sz="2700" spc="-1" strike="noStrike">
+              <a:latin typeface="Arial"/>
             </a:endParaRPr>
           </a:p>
         </p:txBody>
       </p:sp>
       <p:pic>
         <p:nvPicPr>
-          <p:cNvPr id="135" name="" descr=""/>
+          <p:cNvPr id="87" name="" descr=""/>
           <p:cNvPicPr/>
           <p:nvPr/>
         </p:nvPicPr>
@@ -7649,7 +5421,7 @@
         <p:spPr>
           <a:xfrm>
             <a:off x="360000" y="1833120"/>
-            <a:ext cx="9360000" cy="3083400"/>
+            <a:ext cx="9359280" cy="3082680"/>
           </a:xfrm>
           <a:prstGeom prst="rect">
             <a:avLst/>
@@ -7691,14 +5463,14 @@
       </p:grpSpPr>
       <p:sp>
         <p:nvSpPr>
-          <p:cNvPr id="136" name=""/>
-          <p:cNvSpPr txBox="1"/>
+          <p:cNvPr id="88" name=""/>
+          <p:cNvSpPr/>
           <p:nvPr/>
         </p:nvSpPr>
         <p:spPr>
           <a:xfrm>
             <a:off x="360000" y="225720"/>
-            <a:ext cx="9360000" cy="718920"/>
+            <a:ext cx="9359280" cy="718200"/>
           </a:xfrm>
           <a:prstGeom prst="rect">
             <a:avLst/>
@@ -7708,32 +5480,41 @@
             <a:noFill/>
           </a:ln>
         </p:spPr>
+        <p:style>
+          <a:lnRef idx="0"/>
+          <a:fillRef idx="0"/>
+          <a:effectRef idx="0"/>
+          <a:fontRef idx="minor"/>
+        </p:style>
         <p:txBody>
           <a:bodyPr lIns="0" rIns="0" tIns="0" bIns="0" anchor="ctr">
             <a:noAutofit/>
           </a:bodyPr>
           <a:p>
+            <a:pPr>
+              <a:lnSpc>
+                <a:spcPct val="100000"/>
+              </a:lnSpc>
+            </a:pPr>
             <a:r>
               <a:rPr b="1" lang="en-US" sz="2700" spc="-1" strike="noStrike">
                 <a:solidFill>
                   <a:srgbClr val="ffffff"/>
                 </a:solidFill>
                 <a:latin typeface="Source Sans Pro Black"/>
+                <a:ea typeface="DejaVu Sans"/>
               </a:rPr>
               <a:t>Abstract Calculate Similarity </a:t>
             </a:r>
-            <a:endParaRPr b="1" lang="en-US" sz="2700" spc="-1" strike="noStrike">
-              <a:solidFill>
-                <a:srgbClr val="ffffff"/>
-              </a:solidFill>
-              <a:latin typeface="Source Sans Pro Black"/>
+            <a:endParaRPr b="0" lang="en-US" sz="2700" spc="-1" strike="noStrike">
+              <a:latin typeface="Arial"/>
             </a:endParaRPr>
           </a:p>
         </p:txBody>
       </p:sp>
       <p:pic>
         <p:nvPicPr>
-          <p:cNvPr id="137" name="" descr=""/>
+          <p:cNvPr id="89" name="" descr=""/>
           <p:cNvPicPr/>
           <p:nvPr/>
         </p:nvPicPr>
@@ -7744,7 +5525,7 @@
         <p:spPr>
           <a:xfrm>
             <a:off x="457200" y="2937600"/>
-            <a:ext cx="9360000" cy="720000"/>
+            <a:ext cx="9359280" cy="719280"/>
           </a:xfrm>
           <a:prstGeom prst="rect">
             <a:avLst/>
@@ -7786,14 +5567,14 @@
       </p:grpSpPr>
       <p:sp>
         <p:nvSpPr>
-          <p:cNvPr id="138" name=""/>
-          <p:cNvSpPr txBox="1"/>
+          <p:cNvPr id="90" name=""/>
+          <p:cNvSpPr/>
           <p:nvPr/>
         </p:nvSpPr>
         <p:spPr>
           <a:xfrm>
             <a:off x="360000" y="225720"/>
-            <a:ext cx="9360000" cy="718920"/>
+            <a:ext cx="9359280" cy="718200"/>
           </a:xfrm>
           <a:prstGeom prst="rect">
             <a:avLst/>
@@ -7803,17 +5584,29 @@
             <a:noFill/>
           </a:ln>
         </p:spPr>
+        <p:style>
+          <a:lnRef idx="0"/>
+          <a:fillRef idx="0"/>
+          <a:effectRef idx="0"/>
+          <a:fontRef idx="minor"/>
+        </p:style>
         <p:txBody>
           <a:bodyPr lIns="0" rIns="0" tIns="0" bIns="0" anchor="ctr">
             <a:noAutofit/>
           </a:bodyPr>
           <a:p>
+            <a:pPr>
+              <a:lnSpc>
+                <a:spcPct val="100000"/>
+              </a:lnSpc>
+            </a:pPr>
             <a:r>
               <a:rPr b="1" lang="en-US" sz="2700" spc="-1" strike="noStrike">
                 <a:solidFill>
                   <a:srgbClr val="ffffff"/>
                 </a:solidFill>
                 <a:latin typeface="Source Sans Pro Black"/>
+                <a:ea typeface="DejaVu Sans"/>
               </a:rPr>
               <a:t>City Constructor 1</a:t>
             </a:r>
@@ -7823,6 +5616,7 @@
                   <a:srgbClr val="ffffff"/>
                 </a:solidFill>
                 <a:latin typeface="Source Sans Pro Black"/>
+                <a:ea typeface="DejaVu Sans"/>
               </a:rPr>
               <a:t>	</a:t>
             </a:r>
@@ -7832,21 +5626,19 @@
                   <a:srgbClr val="ffffff"/>
                 </a:solidFill>
                 <a:latin typeface="Source Sans Pro Black"/>
+                <a:ea typeface="DejaVu Sans"/>
               </a:rPr>
               <a:t>	</a:t>
             </a:r>
-            <a:endParaRPr b="1" lang="en-US" sz="2700" spc="-1" strike="noStrike">
-              <a:solidFill>
-                <a:srgbClr val="ffffff"/>
-              </a:solidFill>
-              <a:latin typeface="Source Sans Pro Black"/>
+            <a:endParaRPr b="0" lang="en-US" sz="2700" spc="-1" strike="noStrike">
+              <a:latin typeface="Arial"/>
             </a:endParaRPr>
           </a:p>
         </p:txBody>
       </p:sp>
       <p:pic>
         <p:nvPicPr>
-          <p:cNvPr id="139" name="" descr=""/>
+          <p:cNvPr id="91" name="" descr=""/>
           <p:cNvPicPr/>
           <p:nvPr/>
         </p:nvPicPr>
@@ -7857,7 +5649,7 @@
         <p:spPr>
           <a:xfrm>
             <a:off x="360000" y="1827000"/>
-            <a:ext cx="9360000" cy="3095640"/>
+            <a:ext cx="9359280" cy="3094920"/>
           </a:xfrm>
           <a:prstGeom prst="rect">
             <a:avLst/>
@@ -7899,14 +5691,14 @@
       </p:grpSpPr>
       <p:sp>
         <p:nvSpPr>
-          <p:cNvPr id="140" name=""/>
-          <p:cNvSpPr txBox="1"/>
+          <p:cNvPr id="92" name=""/>
+          <p:cNvSpPr/>
           <p:nvPr/>
         </p:nvSpPr>
         <p:spPr>
           <a:xfrm>
             <a:off x="360000" y="225720"/>
-            <a:ext cx="9360000" cy="718920"/>
+            <a:ext cx="9359280" cy="718200"/>
           </a:xfrm>
           <a:prstGeom prst="rect">
             <a:avLst/>
@@ -7916,17 +5708,29 @@
             <a:noFill/>
           </a:ln>
         </p:spPr>
+        <p:style>
+          <a:lnRef idx="0"/>
+          <a:fillRef idx="0"/>
+          <a:effectRef idx="0"/>
+          <a:fontRef idx="minor"/>
+        </p:style>
         <p:txBody>
           <a:bodyPr lIns="0" rIns="0" tIns="0" bIns="0" anchor="ctr">
             <a:noAutofit/>
           </a:bodyPr>
           <a:p>
+            <a:pPr>
+              <a:lnSpc>
+                <a:spcPct val="100000"/>
+              </a:lnSpc>
+            </a:pPr>
             <a:r>
               <a:rPr b="1" lang="en-US" sz="2700" spc="-1" strike="noStrike">
                 <a:solidFill>
                   <a:srgbClr val="ffffff"/>
                 </a:solidFill>
                 <a:latin typeface="Source Sans Pro Black"/>
+                <a:ea typeface="DejaVu Sans"/>
               </a:rPr>
               <a:t>City Constructor 2</a:t>
             </a:r>
@@ -7936,6 +5740,7 @@
                   <a:srgbClr val="ffffff"/>
                 </a:solidFill>
                 <a:latin typeface="Source Sans Pro Black"/>
+                <a:ea typeface="DejaVu Sans"/>
               </a:rPr>
               <a:t>	</a:t>
             </a:r>
@@ -7945,21 +5750,19 @@
                   <a:srgbClr val="ffffff"/>
                 </a:solidFill>
                 <a:latin typeface="Source Sans Pro Black"/>
+                <a:ea typeface="DejaVu Sans"/>
               </a:rPr>
               <a:t>	</a:t>
             </a:r>
-            <a:endParaRPr b="1" lang="en-US" sz="2700" spc="-1" strike="noStrike">
-              <a:solidFill>
-                <a:srgbClr val="ffffff"/>
-              </a:solidFill>
-              <a:latin typeface="Source Sans Pro Black"/>
+            <a:endParaRPr b="0" lang="en-US" sz="2700" spc="-1" strike="noStrike">
+              <a:latin typeface="Arial"/>
             </a:endParaRPr>
           </a:p>
         </p:txBody>
       </p:sp>
       <p:pic>
         <p:nvPicPr>
-          <p:cNvPr id="141" name="" descr=""/>
+          <p:cNvPr id="93" name="" descr=""/>
           <p:cNvPicPr/>
           <p:nvPr/>
         </p:nvPicPr>
@@ -7970,7 +5773,7 @@
         <p:spPr>
           <a:xfrm>
             <a:off x="457200" y="1600200"/>
-            <a:ext cx="9014040" cy="3322080"/>
+            <a:ext cx="9013320" cy="3321360"/>
           </a:xfrm>
           <a:prstGeom prst="rect">
             <a:avLst/>
@@ -8012,14 +5815,14 @@
       </p:grpSpPr>
       <p:sp>
         <p:nvSpPr>
-          <p:cNvPr id="142" name=""/>
-          <p:cNvSpPr txBox="1"/>
+          <p:cNvPr id="94" name=""/>
+          <p:cNvSpPr/>
           <p:nvPr/>
         </p:nvSpPr>
         <p:spPr>
           <a:xfrm>
             <a:off x="457200" y="228600"/>
-            <a:ext cx="9360000" cy="718920"/>
+            <a:ext cx="9359280" cy="718200"/>
           </a:xfrm>
           <a:prstGeom prst="rect">
             <a:avLst/>
@@ -8029,32 +5832,41 @@
             <a:noFill/>
           </a:ln>
         </p:spPr>
+        <p:style>
+          <a:lnRef idx="0"/>
+          <a:fillRef idx="0"/>
+          <a:effectRef idx="0"/>
+          <a:fontRef idx="minor"/>
+        </p:style>
         <p:txBody>
           <a:bodyPr lIns="0" rIns="0" tIns="0" bIns="0" anchor="ctr">
             <a:noAutofit/>
           </a:bodyPr>
           <a:p>
+            <a:pPr>
+              <a:lnSpc>
+                <a:spcPct val="100000"/>
+              </a:lnSpc>
+            </a:pPr>
             <a:r>
               <a:rPr b="1" lang="en-US" sz="2700" spc="-1" strike="noStrike">
                 <a:solidFill>
                   <a:srgbClr val="ffffff"/>
                 </a:solidFill>
                 <a:latin typeface="Source Sans Pro Black"/>
+                <a:ea typeface="DejaVu Sans"/>
               </a:rPr>
               <a:t>Traveller Constructor 1</a:t>
             </a:r>
-            <a:endParaRPr b="1" lang="en-US" sz="2700" spc="-1" strike="noStrike">
-              <a:solidFill>
-                <a:srgbClr val="ffffff"/>
-              </a:solidFill>
-              <a:latin typeface="Source Sans Pro Black"/>
+            <a:endParaRPr b="0" lang="en-US" sz="2700" spc="-1" strike="noStrike">
+              <a:latin typeface="Arial"/>
             </a:endParaRPr>
           </a:p>
         </p:txBody>
       </p:sp>
       <p:pic>
         <p:nvPicPr>
-          <p:cNvPr id="143" name="" descr=""/>
+          <p:cNvPr id="95" name="" descr=""/>
           <p:cNvPicPr/>
           <p:nvPr/>
         </p:nvPicPr>
@@ -8065,7 +5877,7 @@
         <p:spPr>
           <a:xfrm>
             <a:off x="360000" y="1744920"/>
-            <a:ext cx="9360000" cy="3259800"/>
+            <a:ext cx="9359280" cy="3259080"/>
           </a:xfrm>
           <a:prstGeom prst="rect">
             <a:avLst/>
@@ -8077,7 +5889,7 @@
       </p:pic>
       <p:pic>
         <p:nvPicPr>
-          <p:cNvPr id="144" name="" descr=""/>
+          <p:cNvPr id="96" name="" descr=""/>
           <p:cNvPicPr/>
           <p:nvPr/>
         </p:nvPicPr>
@@ -8088,7 +5900,7 @@
         <p:spPr>
           <a:xfrm>
             <a:off x="360000" y="1745280"/>
-            <a:ext cx="9360000" cy="3259800"/>
+            <a:ext cx="9359280" cy="3259080"/>
           </a:xfrm>
           <a:prstGeom prst="rect">
             <a:avLst/>
@@ -8130,14 +5942,14 @@
       </p:grpSpPr>
       <p:sp>
         <p:nvSpPr>
-          <p:cNvPr id="145" name=""/>
-          <p:cNvSpPr txBox="1"/>
+          <p:cNvPr id="97" name=""/>
+          <p:cNvSpPr/>
           <p:nvPr/>
         </p:nvSpPr>
         <p:spPr>
           <a:xfrm>
             <a:off x="457200" y="228600"/>
-            <a:ext cx="9360000" cy="718920"/>
+            <a:ext cx="9359280" cy="718200"/>
           </a:xfrm>
           <a:prstGeom prst="rect">
             <a:avLst/>
@@ -8147,32 +5959,41 @@
             <a:noFill/>
           </a:ln>
         </p:spPr>
+        <p:style>
+          <a:lnRef idx="0"/>
+          <a:fillRef idx="0"/>
+          <a:effectRef idx="0"/>
+          <a:fontRef idx="minor"/>
+        </p:style>
         <p:txBody>
           <a:bodyPr lIns="0" rIns="0" tIns="0" bIns="0" anchor="ctr">
             <a:noAutofit/>
           </a:bodyPr>
           <a:p>
+            <a:pPr>
+              <a:lnSpc>
+                <a:spcPct val="100000"/>
+              </a:lnSpc>
+            </a:pPr>
             <a:r>
               <a:rPr b="1" lang="en-US" sz="2700" spc="-1" strike="noStrike">
                 <a:solidFill>
                   <a:srgbClr val="ffffff"/>
                 </a:solidFill>
                 <a:latin typeface="Source Sans Pro Black"/>
+                <a:ea typeface="DejaVu Sans"/>
               </a:rPr>
               <a:t>Traveller Constructor 2</a:t>
             </a:r>
-            <a:endParaRPr b="1" lang="en-US" sz="2700" spc="-1" strike="noStrike">
-              <a:solidFill>
-                <a:srgbClr val="ffffff"/>
-              </a:solidFill>
-              <a:latin typeface="Source Sans Pro Black"/>
+            <a:endParaRPr b="0" lang="en-US" sz="2700" spc="-1" strike="noStrike">
+              <a:latin typeface="Arial"/>
             </a:endParaRPr>
           </a:p>
         </p:txBody>
       </p:sp>
       <p:pic>
         <p:nvPicPr>
-          <p:cNvPr id="146" name="" descr=""/>
+          <p:cNvPr id="98" name="" descr=""/>
           <p:cNvPicPr/>
           <p:nvPr/>
         </p:nvPicPr>
@@ -8183,7 +6004,7 @@
         <p:spPr>
           <a:xfrm>
             <a:off x="360000" y="2592720"/>
-            <a:ext cx="9360000" cy="1563840"/>
+            <a:ext cx="9359280" cy="1563120"/>
           </a:xfrm>
           <a:prstGeom prst="rect">
             <a:avLst/>
@@ -8225,14 +6046,14 @@
       </p:grpSpPr>
       <p:sp>
         <p:nvSpPr>
-          <p:cNvPr id="147" name=""/>
-          <p:cNvSpPr txBox="1"/>
+          <p:cNvPr id="99" name=""/>
+          <p:cNvSpPr/>
           <p:nvPr/>
         </p:nvSpPr>
         <p:spPr>
           <a:xfrm>
             <a:off x="360000" y="225720"/>
-            <a:ext cx="9360000" cy="718920"/>
+            <a:ext cx="9359280" cy="718200"/>
           </a:xfrm>
           <a:prstGeom prst="rect">
             <a:avLst/>
@@ -8242,32 +6063,41 @@
             <a:noFill/>
           </a:ln>
         </p:spPr>
+        <p:style>
+          <a:lnRef idx="0"/>
+          <a:fillRef idx="0"/>
+          <a:effectRef idx="0"/>
+          <a:fontRef idx="minor"/>
+        </p:style>
         <p:txBody>
           <a:bodyPr lIns="0" rIns="0" tIns="0" bIns="0" anchor="ctr">
             <a:noAutofit/>
           </a:bodyPr>
           <a:p>
+            <a:pPr>
+              <a:lnSpc>
+                <a:spcPct val="100000"/>
+              </a:lnSpc>
+            </a:pPr>
             <a:r>
               <a:rPr b="1" lang="en-US" sz="2700" spc="-1" strike="noStrike">
                 <a:solidFill>
                   <a:srgbClr val="ffffff"/>
                 </a:solidFill>
                 <a:latin typeface="Source Sans Pro Black"/>
+                <a:ea typeface="DejaVu Sans"/>
               </a:rPr>
               <a:t>Sampling getters and Setters </a:t>
             </a:r>
-            <a:endParaRPr b="1" lang="en-US" sz="2700" spc="-1" strike="noStrike">
-              <a:solidFill>
-                <a:srgbClr val="ffffff"/>
-              </a:solidFill>
-              <a:latin typeface="Source Sans Pro Black"/>
+            <a:endParaRPr b="0" lang="en-US" sz="2700" spc="-1" strike="noStrike">
+              <a:latin typeface="Arial"/>
             </a:endParaRPr>
           </a:p>
         </p:txBody>
       </p:sp>
       <p:pic>
         <p:nvPicPr>
-          <p:cNvPr id="148" name="" descr=""/>
+          <p:cNvPr id="100" name="" descr=""/>
           <p:cNvPicPr/>
           <p:nvPr/>
         </p:nvPicPr>
@@ -8278,7 +6108,7 @@
         <p:spPr>
           <a:xfrm>
             <a:off x="24840" y="1249200"/>
-            <a:ext cx="4775760" cy="3780000"/>
+            <a:ext cx="4775040" cy="3779280"/>
           </a:xfrm>
           <a:prstGeom prst="rect">
             <a:avLst/>
@@ -8290,7 +6120,7 @@
       </p:pic>
       <p:pic>
         <p:nvPicPr>
-          <p:cNvPr id="149" name="" descr=""/>
+          <p:cNvPr id="101" name="" descr=""/>
           <p:cNvPicPr/>
           <p:nvPr/>
         </p:nvPicPr>
@@ -8301,7 +6131,7 @@
         <p:spPr>
           <a:xfrm>
             <a:off x="3657600" y="1276200"/>
-            <a:ext cx="5943600" cy="2838600"/>
+            <a:ext cx="5942880" cy="2837880"/>
           </a:xfrm>
           <a:prstGeom prst="rect">
             <a:avLst/>
@@ -8774,230 +6604,4 @@
     </a:fmtScheme>
   </a:themeElements>
 </a:theme>
-</file>
-
-<file path=ppt/theme/theme3.xml><?xml version="1.0" encoding="utf-8"?>
-<a:theme xmlns:a="http://schemas.openxmlformats.org/drawingml/2006/main" name="Office Theme">
-  <a:themeElements>
-    <a:clrScheme name="Office">
-      <a:dk1>
-        <a:sysClr val="windowText" lastClr="000000"/>
-      </a:dk1>
-      <a:lt1>
-        <a:sysClr val="window" lastClr="FFFFFF"/>
-      </a:lt1>
-      <a:dk2>
-        <a:srgbClr val="1f497d"/>
-      </a:dk2>
-      <a:lt2>
-        <a:srgbClr val="eeece1"/>
-      </a:lt2>
-      <a:accent1>
-        <a:srgbClr val="4f81bd"/>
-      </a:accent1>
-      <a:accent2>
-        <a:srgbClr val="c0504d"/>
-      </a:accent2>
-      <a:accent3>
-        <a:srgbClr val="9bbb59"/>
-      </a:accent3>
-      <a:accent4>
-        <a:srgbClr val="8064a2"/>
-      </a:accent4>
-      <a:accent5>
-        <a:srgbClr val="4bacc6"/>
-      </a:accent5>
-      <a:accent6>
-        <a:srgbClr val="f79646"/>
-      </a:accent6>
-      <a:hlink>
-        <a:srgbClr val="0000ff"/>
-      </a:hlink>
-      <a:folHlink>
-        <a:srgbClr val="800080"/>
-      </a:folHlink>
-    </a:clrScheme>
-    <a:fontScheme name="Office">
-      <a:majorFont>
-        <a:latin typeface="Arial"/>
-        <a:ea typeface="DejaVu Sans"/>
-        <a:cs typeface="DejaVu Sans"/>
-      </a:majorFont>
-      <a:minorFont>
-        <a:latin typeface="Arial"/>
-        <a:ea typeface="DejaVu Sans"/>
-        <a:cs typeface="DejaVu Sans"/>
-      </a:minorFont>
-    </a:fontScheme>
-    <a:fmtScheme name="Office">
-      <a:fillStyleLst>
-        <a:solidFill>
-          <a:schemeClr val="phClr"/>
-        </a:solidFill>
-        <a:gradFill rotWithShape="1">
-          <a:gsLst>
-            <a:gs pos="0">
-              <a:schemeClr val="phClr">
-                <a:tint val="50000"/>
-                <a:satMod val="300000"/>
-              </a:schemeClr>
-            </a:gs>
-            <a:gs pos="35000">
-              <a:schemeClr val="phClr">
-                <a:tint val="37000"/>
-                <a:satMod val="300000"/>
-              </a:schemeClr>
-            </a:gs>
-            <a:gs pos="100000">
-              <a:schemeClr val="phClr">
-                <a:tint val="15000"/>
-                <a:satMod val="350000"/>
-              </a:schemeClr>
-            </a:gs>
-          </a:gsLst>
-          <a:lin ang="16200000" scaled="1"/>
-        </a:gradFill>
-        <a:gradFill rotWithShape="1">
-          <a:gsLst>
-            <a:gs pos="0">
-              <a:schemeClr val="phClr">
-                <a:shade val="51000"/>
-                <a:satMod val="130000"/>
-              </a:schemeClr>
-            </a:gs>
-            <a:gs pos="80000">
-              <a:schemeClr val="phClr">
-                <a:shade val="93000"/>
-                <a:satMod val="130000"/>
-              </a:schemeClr>
-            </a:gs>
-            <a:gs pos="100000">
-              <a:schemeClr val="phClr">
-                <a:shade val="94000"/>
-                <a:satMod val="135000"/>
-              </a:schemeClr>
-            </a:gs>
-          </a:gsLst>
-          <a:lin ang="16200000" scaled="0"/>
-        </a:gradFill>
-      </a:fillStyleLst>
-      <a:lnStyleLst>
-        <a:ln w="9525" cap="flat" cmpd="sng" algn="ctr">
-          <a:solidFill>
-            <a:schemeClr val="phClr">
-              <a:shade val="95000"/>
-              <a:satMod val="105000"/>
-            </a:schemeClr>
-          </a:solidFill>
-          <a:prstDash val="solid"/>
-          <a:miter/>
-        </a:ln>
-        <a:ln w="25400" cap="flat" cmpd="sng" algn="ctr">
-          <a:solidFill>
-            <a:schemeClr val="phClr"/>
-          </a:solidFill>
-          <a:prstDash val="solid"/>
-          <a:miter/>
-        </a:ln>
-        <a:ln w="38100" cap="flat" cmpd="sng" algn="ctr">
-          <a:solidFill>
-            <a:schemeClr val="phClr"/>
-          </a:solidFill>
-          <a:prstDash val="solid"/>
-          <a:miter/>
-        </a:ln>
-      </a:lnStyleLst>
-      <a:effectStyleLst>
-        <a:effectStyle>
-          <a:effectLst>
-            <a:outerShdw blurRad="40000" dist="20000" dir="5400000" rotWithShape="0">
-              <a:srgbClr val="000000">
-                <a:alpha val="38000"/>
-              </a:srgbClr>
-            </a:outerShdw>
-          </a:effectLst>
-        </a:effectStyle>
-        <a:effectStyle>
-          <a:effectLst>
-            <a:outerShdw blurRad="40000" dist="23000" dir="5400000" rotWithShape="0">
-              <a:srgbClr val="000000">
-                <a:alpha val="35000"/>
-              </a:srgbClr>
-            </a:outerShdw>
-          </a:effectLst>
-        </a:effectStyle>
-        <a:effectStyle>
-          <a:effectLst>
-            <a:outerShdw blurRad="40000" dist="23000" dir="5400000" rotWithShape="0">
-              <a:srgbClr val="000000">
-                <a:alpha val="35000"/>
-              </a:srgbClr>
-            </a:outerShdw>
-          </a:effectLst>
-          <a:scene3d>
-            <a:camera prst="orthographicFront">
-              <a:rot lat="0" lon="0" rev="0"/>
-            </a:camera>
-            <a:lightRig rig="threePt" dir="t">
-              <a:rot lat="0" lon="0" rev="1200000"/>
-            </a:lightRig>
-          </a:scene3d>
-          <a:sp3d>
-            <a:bevelT w="63500" h="25400"/>
-          </a:sp3d>
-        </a:effectStyle>
-      </a:effectStyleLst>
-      <a:bgFillStyleLst>
-        <a:solidFill>
-          <a:schemeClr val="phClr"/>
-        </a:solidFill>
-        <a:gradFill rotWithShape="1">
-          <a:gsLst>
-            <a:gs pos="0">
-              <a:schemeClr val="phClr">
-                <a:tint val="40000"/>
-                <a:satMod val="350000"/>
-              </a:schemeClr>
-            </a:gs>
-            <a:gs pos="40000">
-              <a:schemeClr val="phClr">
-                <a:tint val="45000"/>
-                <a:shade val="99000"/>
-                <a:satMod val="350000"/>
-              </a:schemeClr>
-            </a:gs>
-            <a:gs pos="100000">
-              <a:schemeClr val="phClr">
-                <a:shade val="20000"/>
-                <a:satMod val="255000"/>
-              </a:schemeClr>
-            </a:gs>
-          </a:gsLst>
-          <a:path path="circle">
-            <a:fillToRect l="50000" t="-80000" r="50000" b="180000"/>
-          </a:path>
-        </a:gradFill>
-        <a:gradFill rotWithShape="1">
-          <a:gsLst>
-            <a:gs pos="0">
-              <a:schemeClr val="phClr">
-                <a:tint val="80000"/>
-                <a:satMod val="300000"/>
-              </a:schemeClr>
-            </a:gs>
-            <a:gs pos="100000">
-              <a:schemeClr val="phClr">
-                <a:shade val="30000"/>
-                <a:satMod val="200000"/>
-              </a:schemeClr>
-            </a:gs>
-          </a:gsLst>
-          <a:path path="circle">
-            <a:fillToRect l="50000" t="50000" r="50000" b="50000"/>
-          </a:path>
-        </a:gradFill>
-      </a:bgFillStyleLst>
-    </a:fmtScheme>
-  </a:themeElements>
-</a:theme>
 </file>